--- a/Ebooks/AngularJS/AngularJS (Second meeting).pptx
+++ b/Ebooks/AngularJS/AngularJS (Second meeting).pptx
@@ -19,22 +19,25 @@
     <p:sldId id="261" r:id="rId13"/>
     <p:sldId id="262" r:id="rId14"/>
     <p:sldId id="263" r:id="rId15"/>
-    <p:sldId id="266" r:id="rId16"/>
-    <p:sldId id="267" r:id="rId17"/>
-    <p:sldId id="268" r:id="rId18"/>
-    <p:sldId id="269" r:id="rId19"/>
-    <p:sldId id="270" r:id="rId20"/>
-    <p:sldId id="271" r:id="rId21"/>
-    <p:sldId id="272" r:id="rId22"/>
-    <p:sldId id="273" r:id="rId23"/>
-    <p:sldId id="274" r:id="rId24"/>
-    <p:sldId id="275" r:id="rId25"/>
-    <p:sldId id="276" r:id="rId26"/>
-    <p:sldId id="277" r:id="rId27"/>
-    <p:sldId id="278" r:id="rId28"/>
-    <p:sldId id="283" r:id="rId29"/>
-    <p:sldId id="279" r:id="rId30"/>
-    <p:sldId id="280" r:id="rId31"/>
+    <p:sldId id="286" r:id="rId16"/>
+    <p:sldId id="287" r:id="rId17"/>
+    <p:sldId id="288" r:id="rId18"/>
+    <p:sldId id="266" r:id="rId19"/>
+    <p:sldId id="267" r:id="rId20"/>
+    <p:sldId id="268" r:id="rId21"/>
+    <p:sldId id="269" r:id="rId22"/>
+    <p:sldId id="270" r:id="rId23"/>
+    <p:sldId id="271" r:id="rId24"/>
+    <p:sldId id="272" r:id="rId25"/>
+    <p:sldId id="273" r:id="rId26"/>
+    <p:sldId id="274" r:id="rId27"/>
+    <p:sldId id="275" r:id="rId28"/>
+    <p:sldId id="276" r:id="rId29"/>
+    <p:sldId id="277" r:id="rId30"/>
+    <p:sldId id="278" r:id="rId31"/>
+    <p:sldId id="283" r:id="rId32"/>
+    <p:sldId id="279" r:id="rId33"/>
+    <p:sldId id="280" r:id="rId34"/>
   </p:sldIdLst>
   <p:sldSz cx="9144000" cy="6858000" type="screen4x3"/>
   <p:notesSz cx="6858000" cy="9144000"/>
@@ -135,7 +138,7 @@
   </p:defaultTextStyle>
   <p:extLst>
     <p:ext uri="{EFAFB233-063F-42B5-8137-9DF3F51BA10A}">
-      <p15:sldGuideLst xmlns:p15="http://schemas.microsoft.com/office/powerpoint/2012/main">
+      <p15:sldGuideLst xmlns:p15="http://schemas.microsoft.com/office/powerpoint/2012/main" xmlns="">
         <p15:guide id="1" orient="horz" pos="2160">
           <p15:clr>
             <a:srgbClr val="A4A3A4"/>
@@ -286,7 +289,8 @@
           <a:p>
             <a:fld id="{C62FF227-9BC3-4435-A4FE-70EB56FE81C2}" type="datetimeFigureOut">
               <a:rPr lang="en-US" smtClean="0"/>
-              <a:t>3/30/2015</a:t>
+              <a:pPr/>
+              <a:t>30/03/2015</a:t>
             </a:fld>
             <a:endParaRPr lang="en-US"/>
           </a:p>
@@ -332,6 +336,7 @@
           <a:p>
             <a:fld id="{838F4B1E-BF7B-479A-B5D5-4B2ABDFFA63F}" type="slidenum">
               <a:rPr lang="en-US" smtClean="0"/>
+              <a:pPr/>
               <a:t>‹#›</a:t>
             </a:fld>
             <a:endParaRPr lang="en-US"/>
@@ -599,7 +604,8 @@
           <a:p>
             <a:fld id="{C62FF227-9BC3-4435-A4FE-70EB56FE81C2}" type="datetimeFigureOut">
               <a:rPr lang="en-US" smtClean="0"/>
-              <a:t>3/30/2015</a:t>
+              <a:pPr/>
+              <a:t>30/03/2015</a:t>
             </a:fld>
             <a:endParaRPr lang="en-US"/>
           </a:p>
@@ -645,6 +651,7 @@
           <a:p>
             <a:fld id="{838F4B1E-BF7B-479A-B5D5-4B2ABDFFA63F}" type="slidenum">
               <a:rPr lang="en-US" smtClean="0"/>
+              <a:pPr/>
               <a:t>‹#›</a:t>
             </a:fld>
             <a:endParaRPr lang="en-US"/>
@@ -784,7 +791,8 @@
           <a:p>
             <a:fld id="{C62FF227-9BC3-4435-A4FE-70EB56FE81C2}" type="datetimeFigureOut">
               <a:rPr lang="en-US" smtClean="0"/>
-              <a:t>3/30/2015</a:t>
+              <a:pPr/>
+              <a:t>30/03/2015</a:t>
             </a:fld>
             <a:endParaRPr lang="en-US"/>
           </a:p>
@@ -830,6 +838,7 @@
           <a:p>
             <a:fld id="{838F4B1E-BF7B-479A-B5D5-4B2ABDFFA63F}" type="slidenum">
               <a:rPr lang="en-US" smtClean="0"/>
+              <a:pPr/>
               <a:t>‹#›</a:t>
             </a:fld>
             <a:endParaRPr lang="en-US"/>
@@ -959,7 +968,8 @@
           <a:p>
             <a:fld id="{C62FF227-9BC3-4435-A4FE-70EB56FE81C2}" type="datetimeFigureOut">
               <a:rPr lang="en-US" smtClean="0"/>
-              <a:t>3/30/2015</a:t>
+              <a:pPr/>
+              <a:t>30/03/2015</a:t>
             </a:fld>
             <a:endParaRPr lang="en-US"/>
           </a:p>
@@ -1005,6 +1015,7 @@
           <a:p>
             <a:fld id="{838F4B1E-BF7B-479A-B5D5-4B2ABDFFA63F}" type="slidenum">
               <a:rPr lang="en-US" smtClean="0"/>
+              <a:pPr/>
               <a:t>‹#›</a:t>
             </a:fld>
             <a:endParaRPr lang="en-US"/>
@@ -1227,7 +1238,8 @@
           <a:p>
             <a:fld id="{C62FF227-9BC3-4435-A4FE-70EB56FE81C2}" type="datetimeFigureOut">
               <a:rPr lang="en-US" smtClean="0"/>
-              <a:t>3/30/2015</a:t>
+              <a:pPr/>
+              <a:t>30/03/2015</a:t>
             </a:fld>
             <a:endParaRPr lang="en-US"/>
           </a:p>
@@ -1273,6 +1285,7 @@
           <a:p>
             <a:fld id="{838F4B1E-BF7B-479A-B5D5-4B2ABDFFA63F}" type="slidenum">
               <a:rPr lang="en-US" smtClean="0"/>
+              <a:pPr/>
               <a:t>‹#›</a:t>
             </a:fld>
             <a:endParaRPr lang="en-US"/>
@@ -1695,7 +1708,8 @@
           <a:p>
             <a:fld id="{C62FF227-9BC3-4435-A4FE-70EB56FE81C2}" type="datetimeFigureOut">
               <a:rPr lang="en-US" smtClean="0"/>
-              <a:t>3/30/2015</a:t>
+              <a:pPr/>
+              <a:t>30/03/2015</a:t>
             </a:fld>
             <a:endParaRPr lang="en-US"/>
           </a:p>
@@ -1741,6 +1755,7 @@
           <a:p>
             <a:fld id="{838F4B1E-BF7B-479A-B5D5-4B2ABDFFA63F}" type="slidenum">
               <a:rPr lang="en-US" smtClean="0"/>
+              <a:pPr/>
               <a:t>‹#›</a:t>
             </a:fld>
             <a:endParaRPr lang="en-US"/>
@@ -2184,7 +2199,8 @@
           <a:p>
             <a:fld id="{C62FF227-9BC3-4435-A4FE-70EB56FE81C2}" type="datetimeFigureOut">
               <a:rPr lang="en-US" smtClean="0"/>
-              <a:t>3/30/2015</a:t>
+              <a:pPr/>
+              <a:t>30/03/2015</a:t>
             </a:fld>
             <a:endParaRPr lang="en-US"/>
           </a:p>
@@ -2230,6 +2246,7 @@
           <a:p>
             <a:fld id="{838F4B1E-BF7B-479A-B5D5-4B2ABDFFA63F}" type="slidenum">
               <a:rPr lang="en-US" smtClean="0"/>
+              <a:pPr/>
               <a:t>‹#›</a:t>
             </a:fld>
             <a:endParaRPr lang="en-US"/>
@@ -2310,7 +2327,8 @@
           <a:p>
             <a:fld id="{C62FF227-9BC3-4435-A4FE-70EB56FE81C2}" type="datetimeFigureOut">
               <a:rPr lang="en-US" smtClean="0"/>
-              <a:t>3/30/2015</a:t>
+              <a:pPr/>
+              <a:t>30/03/2015</a:t>
             </a:fld>
             <a:endParaRPr lang="en-US"/>
           </a:p>
@@ -2356,6 +2374,7 @@
           <a:p>
             <a:fld id="{838F4B1E-BF7B-479A-B5D5-4B2ABDFFA63F}" type="slidenum">
               <a:rPr lang="en-US" smtClean="0"/>
+              <a:pPr/>
               <a:t>‹#›</a:t>
             </a:fld>
             <a:endParaRPr lang="en-US"/>
@@ -2454,7 +2473,8 @@
           <a:p>
             <a:fld id="{C62FF227-9BC3-4435-A4FE-70EB56FE81C2}" type="datetimeFigureOut">
               <a:rPr lang="en-US" smtClean="0"/>
-              <a:t>3/30/2015</a:t>
+              <a:pPr/>
+              <a:t>30/03/2015</a:t>
             </a:fld>
             <a:endParaRPr lang="en-US"/>
           </a:p>
@@ -2500,6 +2520,7 @@
           <a:p>
             <a:fld id="{838F4B1E-BF7B-479A-B5D5-4B2ABDFFA63F}" type="slidenum">
               <a:rPr lang="en-US" smtClean="0"/>
+              <a:pPr/>
               <a:t>‹#›</a:t>
             </a:fld>
             <a:endParaRPr lang="en-US"/>
@@ -2776,7 +2797,8 @@
           <a:p>
             <a:fld id="{C62FF227-9BC3-4435-A4FE-70EB56FE81C2}" type="datetimeFigureOut">
               <a:rPr lang="en-US" smtClean="0"/>
-              <a:t>3/30/2015</a:t>
+              <a:pPr/>
+              <a:t>30/03/2015</a:t>
             </a:fld>
             <a:endParaRPr lang="en-US"/>
           </a:p>
@@ -2822,6 +2844,7 @@
           <a:p>
             <a:fld id="{838F4B1E-BF7B-479A-B5D5-4B2ABDFFA63F}" type="slidenum">
               <a:rPr lang="en-US" smtClean="0"/>
+              <a:pPr/>
               <a:t>‹#›</a:t>
             </a:fld>
             <a:endParaRPr lang="en-US"/>
@@ -2910,7 +2933,8 @@
           <a:p>
             <a:fld id="{C62FF227-9BC3-4435-A4FE-70EB56FE81C2}" type="datetimeFigureOut">
               <a:rPr lang="en-US" smtClean="0"/>
-              <a:t>3/30/2015</a:t>
+              <a:pPr/>
+              <a:t>30/03/2015</a:t>
             </a:fld>
             <a:endParaRPr lang="en-US"/>
           </a:p>
@@ -2956,6 +2980,7 @@
           <a:p>
             <a:fld id="{838F4B1E-BF7B-479A-B5D5-4B2ABDFFA63F}" type="slidenum">
               <a:rPr lang="en-US" smtClean="0"/>
+              <a:pPr/>
               <a:t>‹#›</a:t>
             </a:fld>
             <a:endParaRPr lang="en-US"/>
@@ -3691,7 +3716,8 @@
           <a:p>
             <a:fld id="{C62FF227-9BC3-4435-A4FE-70EB56FE81C2}" type="datetimeFigureOut">
               <a:rPr lang="en-US" smtClean="0"/>
-              <a:t>3/30/2015</a:t>
+              <a:pPr/>
+              <a:t>30/03/2015</a:t>
             </a:fld>
             <a:endParaRPr lang="en-US"/>
           </a:p>
@@ -3775,6 +3801,7 @@
           <a:p>
             <a:fld id="{838F4B1E-BF7B-479A-B5D5-4B2ABDFFA63F}" type="slidenum">
               <a:rPr lang="en-US" smtClean="0"/>
+              <a:pPr/>
               <a:t>‹#›</a:t>
             </a:fld>
             <a:endParaRPr lang="en-US"/>
@@ -4204,11 +4231,7 @@
           <a:p>
             <a:r>
               <a:rPr lang="en-US" dirty="0" smtClean="0"/>
-              <a:t>ANGULARJS (Secon</a:t>
-            </a:r>
-            <a:r>
-              <a:rPr lang="en-US" dirty="0" smtClean="0"/>
-              <a:t>d meeting)</a:t>
+              <a:t>ANGULARJS (Second meeting)</a:t>
             </a:r>
             <a:endParaRPr lang="en-US" dirty="0"/>
           </a:p>
@@ -4249,17 +4272,8 @@
             </a:pPr>
             <a:r>
               <a:rPr lang="en-US" dirty="0" smtClean="0"/>
-              <a:t> </a:t>
-            </a:r>
-            <a:r>
-              <a:rPr lang="en-US" dirty="0" smtClean="0"/>
-              <a:t>D</a:t>
-            </a:r>
-            <a:r>
-              <a:rPr lang="en-US" dirty="0" smtClean="0"/>
-              <a:t>iscussing about exercise at first meeting (10’)</a:t>
-            </a:r>
-            <a:endParaRPr lang="en-US" dirty="0" smtClean="0"/>
+              <a:t> Discussing about exercise at first meeting (10’)</a:t>
+            </a:r>
           </a:p>
           <a:p>
             <a:pPr>
@@ -4268,11 +4282,7 @@
             </a:pPr>
             <a:r>
               <a:rPr lang="en-US" dirty="0" smtClean="0"/>
-              <a:t> </a:t>
-            </a:r>
-            <a:r>
-              <a:rPr lang="en-US" dirty="0" smtClean="0"/>
-              <a:t>Dealing with Scope (15’)</a:t>
+              <a:t> Dealing with Scope (15’)</a:t>
             </a:r>
           </a:p>
           <a:p>
@@ -4288,7 +4298,6 @@
               <a:rPr lang="en-US" dirty="0" smtClean="0"/>
               <a:t>Directive attributes (15’)</a:t>
             </a:r>
-            <a:endParaRPr lang="en-US" dirty="0" smtClean="0"/>
           </a:p>
           <a:p>
             <a:pPr>
@@ -4297,11 +4306,7 @@
             </a:pPr>
             <a:r>
               <a:rPr lang="en-US" dirty="0" smtClean="0"/>
-              <a:t> </a:t>
-            </a:r>
-            <a:r>
-              <a:rPr lang="en-US" dirty="0" smtClean="0"/>
-              <a:t>Communicating between components (30’)</a:t>
+              <a:t> Communicating between components (30’)</a:t>
             </a:r>
           </a:p>
           <a:p>
@@ -5129,7 +5134,7 @@
     </p:spTree>
     <p:extLst>
       <p:ext uri="{BB962C8B-B14F-4D97-AF65-F5344CB8AC3E}">
-        <p14:creationId xmlns:p14="http://schemas.microsoft.com/office/powerpoint/2010/main" val="2739760690"/>
+        <p14:creationId xmlns:p14="http://schemas.microsoft.com/office/powerpoint/2010/main" xmlns="" val="2739760690"/>
       </p:ext>
     </p:extLst>
   </p:cSld>
@@ -5201,6 +5206,24 @@
           <a:bodyPr/>
           <a:lstStyle/>
           <a:p>
+            <a:r>
+              <a:rPr lang="en-US" smtClean="0"/>
+              <a:t>@</a:t>
+            </a:r>
+            <a:endParaRPr lang="en-US" smtClean="0"/>
+          </a:p>
+          <a:p>
+            <a:r>
+              <a:rPr lang="en-US" smtClean="0"/>
+              <a:t>=</a:t>
+            </a:r>
+            <a:endParaRPr lang="en-US" smtClean="0"/>
+          </a:p>
+          <a:p>
+            <a:r>
+              <a:rPr lang="en-US" smtClean="0"/>
+              <a:t>&amp;</a:t>
+            </a:r>
             <a:endParaRPr lang="en-US" dirty="0"/>
           </a:p>
         </p:txBody>
@@ -5208,7 +5231,7 @@
     </p:spTree>
     <p:extLst>
       <p:ext uri="{BB962C8B-B14F-4D97-AF65-F5344CB8AC3E}">
-        <p14:creationId xmlns:p14="http://schemas.microsoft.com/office/powerpoint/2010/main" val="3076211517"/>
+        <p14:creationId xmlns:p14="http://schemas.microsoft.com/office/powerpoint/2010/main" xmlns="" val="3076211517"/>
       </p:ext>
     </p:extLst>
   </p:cSld>
@@ -5251,48 +5274,48 @@
           <a:lstStyle/>
           <a:p>
             <a:r>
-              <a:rPr lang="en-US" dirty="0" smtClean="0"/>
-              <a:t>F&amp;F Organization: coding (cont.)</a:t>
+              <a:rPr lang="en-US" smtClean="0"/>
+              <a:t>Directive attribute: @</a:t>
             </a:r>
             <a:endParaRPr lang="en-US" dirty="0"/>
           </a:p>
         </p:txBody>
       </p:sp>
-      <p:pic>
-        <p:nvPicPr>
-          <p:cNvPr id="3074" name="Picture 2"/>
-          <p:cNvPicPr>
-            <a:picLocks noGrp="1" noChangeAspect="1" noChangeArrowheads="1"/>
-          </p:cNvPicPr>
+      <p:sp>
+        <p:nvSpPr>
+          <p:cNvPr id="4" name="Content Placeholder 3"/>
+          <p:cNvSpPr>
+            <a:spLocks noGrp="1"/>
+          </p:cNvSpPr>
           <p:nvPr>
             <p:ph idx="1"/>
           </p:nvPr>
-        </p:nvPicPr>
-        <p:blipFill>
-          <a:blip r:embed="rId2"/>
-          <a:srcRect/>
-          <a:stretch>
-            <a:fillRect/>
-          </a:stretch>
-        </p:blipFill>
-        <p:spPr bwMode="auto">
-          <a:xfrm>
-            <a:off x="2743200" y="1371600"/>
-            <a:ext cx="4070175" cy="4651629"/>
-          </a:xfrm>
-          <a:prstGeom prst="rect">
-            <a:avLst/>
-          </a:prstGeom>
-          <a:noFill/>
-          <a:ln w="9525">
-            <a:noFill/>
-            <a:miter lim="800000"/>
-            <a:headEnd/>
-            <a:tailEnd/>
-          </a:ln>
-          <a:effectLst/>
-        </p:spPr>
-      </p:pic>
+        </p:nvSpPr>
+        <p:spPr/>
+        <p:txBody>
+          <a:bodyPr/>
+          <a:lstStyle/>
+          <a:p>
+            <a:r>
+              <a:rPr lang="en-US" smtClean="0"/>
+              <a:t>One-way communication between parent scope into directive’s isolated scope.</a:t>
+            </a:r>
+          </a:p>
+          <a:p>
+            <a:r>
+              <a:rPr lang="en-US" smtClean="0"/>
+              <a:t>Can use literal string or expression as parameter</a:t>
+            </a:r>
+          </a:p>
+          <a:p>
+            <a:r>
+              <a:rPr lang="en-US" smtClean="0"/>
+              <a:t>Attribute string binding</a:t>
+            </a:r>
+            <a:endParaRPr lang="en-US"/>
+          </a:p>
+        </p:txBody>
+      </p:sp>
     </p:spTree>
   </p:cSld>
   <p:clrMapOvr>
@@ -5301,121 +5324,7 @@
   <p:timing>
     <p:tnLst>
       <p:par>
-        <p:cTn id="1" dur="indefinite" restart="never" nodeType="tmRoot">
-          <p:childTnLst>
-            <p:seq concurrent="1" nextAc="seek">
-              <p:cTn id="2" dur="indefinite" nodeType="mainSeq">
-                <p:childTnLst>
-                  <p:par>
-                    <p:cTn id="3" fill="hold">
-                      <p:stCondLst>
-                        <p:cond delay="indefinite"/>
-                      </p:stCondLst>
-                      <p:childTnLst>
-                        <p:par>
-                          <p:cTn id="4" fill="hold">
-                            <p:stCondLst>
-                              <p:cond delay="0"/>
-                            </p:stCondLst>
-                            <p:childTnLst>
-                              <p:par>
-                                <p:cTn id="5" presetID="2" presetClass="entr" presetSubtype="4" fill="hold" nodeType="clickEffect">
-                                  <p:stCondLst>
-                                    <p:cond delay="0"/>
-                                  </p:stCondLst>
-                                  <p:childTnLst>
-                                    <p:set>
-                                      <p:cBhvr>
-                                        <p:cTn id="6" dur="1" fill="hold">
-                                          <p:stCondLst>
-                                            <p:cond delay="0"/>
-                                          </p:stCondLst>
-                                        </p:cTn>
-                                        <p:tgtEl>
-                                          <p:spTgt spid="3074"/>
-                                        </p:tgtEl>
-                                        <p:attrNameLst>
-                                          <p:attrName>style.visibility</p:attrName>
-                                        </p:attrNameLst>
-                                      </p:cBhvr>
-                                      <p:to>
-                                        <p:strVal val="visible"/>
-                                      </p:to>
-                                    </p:set>
-                                    <p:anim calcmode="lin" valueType="num">
-                                      <p:cBhvr additive="base">
-                                        <p:cTn id="7" dur="500" fill="hold"/>
-                                        <p:tgtEl>
-                                          <p:spTgt spid="3074"/>
-                                        </p:tgtEl>
-                                        <p:attrNameLst>
-                                          <p:attrName>ppt_x</p:attrName>
-                                        </p:attrNameLst>
-                                      </p:cBhvr>
-                                      <p:tavLst>
-                                        <p:tav tm="0">
-                                          <p:val>
-                                            <p:strVal val="#ppt_x"/>
-                                          </p:val>
-                                        </p:tav>
-                                        <p:tav tm="100000">
-                                          <p:val>
-                                            <p:strVal val="#ppt_x"/>
-                                          </p:val>
-                                        </p:tav>
-                                      </p:tavLst>
-                                    </p:anim>
-                                    <p:anim calcmode="lin" valueType="num">
-                                      <p:cBhvr additive="base">
-                                        <p:cTn id="8" dur="500" fill="hold"/>
-                                        <p:tgtEl>
-                                          <p:spTgt spid="3074"/>
-                                        </p:tgtEl>
-                                        <p:attrNameLst>
-                                          <p:attrName>ppt_y</p:attrName>
-                                        </p:attrNameLst>
-                                      </p:cBhvr>
-                                      <p:tavLst>
-                                        <p:tav tm="0">
-                                          <p:val>
-                                            <p:strVal val="1+#ppt_h/2"/>
-                                          </p:val>
-                                        </p:tav>
-                                        <p:tav tm="100000">
-                                          <p:val>
-                                            <p:strVal val="#ppt_y"/>
-                                          </p:val>
-                                        </p:tav>
-                                      </p:tavLst>
-                                    </p:anim>
-                                  </p:childTnLst>
-                                </p:cTn>
-                              </p:par>
-                            </p:childTnLst>
-                          </p:cTn>
-                        </p:par>
-                      </p:childTnLst>
-                    </p:cTn>
-                  </p:par>
-                </p:childTnLst>
-              </p:cTn>
-              <p:prevCondLst>
-                <p:cond evt="onPrev" delay="0">
-                  <p:tgtEl>
-                    <p:sldTgt/>
-                  </p:tgtEl>
-                </p:cond>
-              </p:prevCondLst>
-              <p:nextCondLst>
-                <p:cond evt="onNext" delay="0">
-                  <p:tgtEl>
-                    <p:sldTgt/>
-                  </p:tgtEl>
-                </p:cond>
-              </p:nextCondLst>
-            </p:seq>
-          </p:childTnLst>
-        </p:cTn>
+        <p:cTn id="1" dur="indefinite" restart="never" nodeType="tmRoot"/>
       </p:par>
     </p:tnLst>
   </p:timing>
@@ -5455,8 +5364,8 @@
           <a:lstStyle/>
           <a:p>
             <a:r>
-              <a:rPr lang="en-US" dirty="0" smtClean="0"/>
-              <a:t>Module</a:t>
+              <a:rPr lang="en-US" smtClean="0"/>
+              <a:t>Directive attribute: @</a:t>
             </a:r>
             <a:endParaRPr lang="en-US" dirty="0"/>
           </a:p>
@@ -5464,9 +5373,9 @@
       </p:sp>
       <p:pic>
         <p:nvPicPr>
-          <p:cNvPr id="4" name="Content Placeholder 3"/>
+          <p:cNvPr id="1026" name="Picture 2"/>
           <p:cNvPicPr>
-            <a:picLocks noGrp="1" noChangeAspect="1"/>
+            <a:picLocks noGrp="1" noChangeAspect="1" noChangeArrowheads="1"/>
           </p:cNvPicPr>
           <p:nvPr>
             <p:ph idx="1"/>
@@ -5474,97 +5383,700 @@
         </p:nvPicPr>
         <p:blipFill>
           <a:blip r:embed="rId2"/>
+          <a:srcRect/>
           <a:stretch>
             <a:fillRect/>
           </a:stretch>
         </p:blipFill>
-        <p:spPr>
+        <p:spPr bwMode="auto">
           <a:xfrm>
-            <a:off x="1219200" y="1524000"/>
-            <a:ext cx="7459116" cy="3400900"/>
+            <a:off x="1752600" y="1371601"/>
+            <a:ext cx="4782912" cy="2895600"/>
           </a:xfrm>
           <a:prstGeom prst="rect">
             <a:avLst/>
           </a:prstGeom>
+          <a:noFill/>
+          <a:ln w="9525">
+            <a:solidFill>
+              <a:schemeClr val="accent1"/>
+            </a:solidFill>
+            <a:miter lim="800000"/>
+            <a:headEnd/>
+            <a:tailEnd/>
+          </a:ln>
+          <a:effectLst/>
         </p:spPr>
       </p:pic>
-      <p:sp>
-        <p:nvSpPr>
-          <p:cNvPr id="5" name="Rectangle 4"/>
-          <p:cNvSpPr/>
+      <p:pic>
+        <p:nvPicPr>
+          <p:cNvPr id="1027" name="Picture 3"/>
+          <p:cNvPicPr>
+            <a:picLocks noChangeAspect="1" noChangeArrowheads="1"/>
+          </p:cNvPicPr>
           <p:nvPr/>
-        </p:nvSpPr>
-        <p:spPr>
+        </p:nvPicPr>
+        <p:blipFill>
+          <a:blip r:embed="rId3"/>
+          <a:srcRect/>
+          <a:stretch>
+            <a:fillRect/>
+          </a:stretch>
+        </p:blipFill>
+        <p:spPr bwMode="auto">
           <a:xfrm>
-            <a:off x="4800600" y="3781900"/>
-            <a:ext cx="2209800" cy="1828800"/>
+            <a:off x="1752600" y="4495800"/>
+            <a:ext cx="5334000" cy="2049694"/>
           </a:xfrm>
           <a:prstGeom prst="rect">
             <a:avLst/>
           </a:prstGeom>
+          <a:noFill/>
+          <a:ln w="9525">
+            <a:solidFill>
+              <a:schemeClr val="accent1"/>
+            </a:solidFill>
+            <a:miter lim="800000"/>
+            <a:headEnd/>
+            <a:tailEnd/>
+          </a:ln>
+          <a:effectLst/>
         </p:spPr>
-        <p:style>
-          <a:lnRef idx="2">
-            <a:schemeClr val="accent1">
-              <a:shade val="50000"/>
-            </a:schemeClr>
-          </a:lnRef>
-          <a:fillRef idx="1">
-            <a:schemeClr val="accent1"/>
-          </a:fillRef>
-          <a:effectRef idx="0">
-            <a:schemeClr val="accent1"/>
-          </a:effectRef>
-          <a:fontRef idx="minor">
-            <a:schemeClr val="lt1"/>
-          </a:fontRef>
-        </p:style>
+      </p:pic>
+    </p:spTree>
+    <p:extLst>
+      <p:ext uri="{BB962C8B-B14F-4D97-AF65-F5344CB8AC3E}">
+        <p14:creationId xmlns:p14="http://schemas.microsoft.com/office/powerpoint/2010/main" xmlns="" val="2655748647"/>
+      </p:ext>
+    </p:extLst>
+  </p:cSld>
+  <p:clrMapOvr>
+    <a:masterClrMapping/>
+  </p:clrMapOvr>
+  <p:timing>
+    <p:tnLst>
+      <p:par>
+        <p:cTn id="1" dur="indefinite" restart="never" nodeType="tmRoot"/>
+      </p:par>
+    </p:tnLst>
+  </p:timing>
+</p:sld>
+</file>
+
+<file path=ppt/slides/slide14.xml><?xml version="1.0" encoding="utf-8"?>
+<p:sld xmlns:a="http://schemas.openxmlformats.org/drawingml/2006/main" xmlns:r="http://schemas.openxmlformats.org/officeDocument/2006/relationships" xmlns:p="http://schemas.openxmlformats.org/presentationml/2006/main">
+  <p:cSld>
+    <p:spTree>
+      <p:nvGrpSpPr>
+        <p:cNvPr id="1" name=""/>
+        <p:cNvGrpSpPr/>
+        <p:nvPr/>
+      </p:nvGrpSpPr>
+      <p:grpSpPr>
+        <a:xfrm>
+          <a:off x="0" y="0"/>
+          <a:ext cx="0" cy="0"/>
+          <a:chOff x="0" y="0"/>
+          <a:chExt cx="0" cy="0"/>
+        </a:xfrm>
+      </p:grpSpPr>
+      <p:sp>
+        <p:nvSpPr>
+          <p:cNvPr id="2" name="Title 1"/>
+          <p:cNvSpPr>
+            <a:spLocks noGrp="1"/>
+          </p:cNvSpPr>
+          <p:nvPr>
+            <p:ph type="title"/>
+          </p:nvPr>
+        </p:nvSpPr>
+        <p:spPr/>
         <p:txBody>
-          <a:bodyPr rtlCol="0" anchor="ctr"/>
+          <a:bodyPr/>
           <a:lstStyle/>
           <a:p>
             <a:r>
-              <a:rPr lang="en-US" sz="2800" dirty="0" smtClean="0"/>
-              <a:t>Module</a:t>
-            </a:r>
-          </a:p>
-          <a:p>
-            <a:pPr marL="285750" indent="-285750">
-              <a:buFont typeface="Arial" panose="020B0604020202020204" pitchFamily="34" charset="0"/>
-              <a:buChar char="•"/>
-            </a:pPr>
-            <a:r>
-              <a:rPr lang="en-US" dirty="0" smtClean="0"/>
-              <a:t>Separated</a:t>
-            </a:r>
-          </a:p>
-          <a:p>
-            <a:pPr marL="285750" indent="-285750">
-              <a:buFont typeface="Arial" panose="020B0604020202020204" pitchFamily="34" charset="0"/>
-              <a:buChar char="•"/>
-            </a:pPr>
-            <a:r>
-              <a:rPr lang="en-US" dirty="0" smtClean="0"/>
-              <a:t>Injected</a:t>
-            </a:r>
-          </a:p>
-          <a:p>
-            <a:pPr marL="285750" indent="-285750">
-              <a:buFont typeface="Arial" panose="020B0604020202020204" pitchFamily="34" charset="0"/>
-              <a:buChar char="•"/>
-            </a:pPr>
-            <a:r>
-              <a:rPr lang="en-US" dirty="0" smtClean="0"/>
-              <a:t>…</a:t>
+              <a:rPr lang="en-US" smtClean="0"/>
+              <a:t>Directive attribute: =</a:t>
             </a:r>
             <a:endParaRPr lang="en-US" dirty="0"/>
+          </a:p>
+        </p:txBody>
+      </p:sp>
+      <p:sp>
+        <p:nvSpPr>
+          <p:cNvPr id="6" name="Content Placeholder 5"/>
+          <p:cNvSpPr>
+            <a:spLocks noGrp="1"/>
+          </p:cNvSpPr>
+          <p:nvPr>
+            <p:ph idx="1"/>
+          </p:nvPr>
+        </p:nvSpPr>
+        <p:spPr/>
+        <p:txBody>
+          <a:bodyPr/>
+          <a:lstStyle/>
+          <a:p>
+            <a:r>
+              <a:rPr lang="en-US" smtClean="0"/>
+              <a:t>T</a:t>
+            </a:r>
+            <a:r>
+              <a:rPr lang="en-US" smtClean="0"/>
+              <a:t>wo-way </a:t>
+            </a:r>
+            <a:r>
+              <a:rPr lang="en-US" smtClean="0"/>
+              <a:t>binding expression between the </a:t>
+            </a:r>
+            <a:r>
+              <a:rPr lang="en-US" smtClean="0"/>
+              <a:t>directive's </a:t>
+            </a:r>
+            <a:r>
+              <a:rPr lang="en-US" smtClean="0"/>
+              <a:t>isolated </a:t>
+            </a:r>
+            <a:r>
+              <a:rPr lang="en-US" smtClean="0"/>
+              <a:t>scope and the </a:t>
+            </a:r>
+            <a:r>
+              <a:rPr lang="en-US" smtClean="0"/>
+              <a:t>parent </a:t>
+            </a:r>
+            <a:r>
+              <a:rPr lang="en-US" smtClean="0"/>
+              <a:t>scope</a:t>
+            </a:r>
+          </a:p>
+          <a:p>
+            <a:r>
+              <a:rPr lang="en-US" smtClean="0"/>
+              <a:t>Changing from child scope will apply to parent scope and otherwise</a:t>
+            </a:r>
+          </a:p>
+          <a:p>
+            <a:r>
+              <a:rPr lang="en-US" smtClean="0"/>
+              <a:t>Two-way model binding</a:t>
+            </a:r>
+            <a:endParaRPr lang="en-US" smtClean="0"/>
+          </a:p>
+          <a:p>
+            <a:endParaRPr lang="en-US" smtClean="0"/>
+          </a:p>
+          <a:p>
+            <a:endParaRPr lang="en-US"/>
           </a:p>
         </p:txBody>
       </p:sp>
     </p:spTree>
     <p:extLst>
       <p:ext uri="{BB962C8B-B14F-4D97-AF65-F5344CB8AC3E}">
-        <p14:creationId xmlns:p14="http://schemas.microsoft.com/office/powerpoint/2010/main" val="2655748647"/>
+        <p14:creationId xmlns:p14="http://schemas.microsoft.com/office/powerpoint/2010/main" xmlns="" val="1943494689"/>
+      </p:ext>
+    </p:extLst>
+  </p:cSld>
+  <p:clrMapOvr>
+    <a:masterClrMapping/>
+  </p:clrMapOvr>
+  <p:timing>
+    <p:tnLst>
+      <p:par>
+        <p:cTn id="1" dur="indefinite" restart="never" nodeType="tmRoot"/>
+      </p:par>
+    </p:tnLst>
+  </p:timing>
+</p:sld>
+</file>
+
+<file path=ppt/slides/slide15.xml><?xml version="1.0" encoding="utf-8"?>
+<p:sld xmlns:a="http://schemas.openxmlformats.org/drawingml/2006/main" xmlns:r="http://schemas.openxmlformats.org/officeDocument/2006/relationships" xmlns:p="http://schemas.openxmlformats.org/presentationml/2006/main">
+  <p:cSld>
+    <p:spTree>
+      <p:nvGrpSpPr>
+        <p:cNvPr id="1" name=""/>
+        <p:cNvGrpSpPr/>
+        <p:nvPr/>
+      </p:nvGrpSpPr>
+      <p:grpSpPr>
+        <a:xfrm>
+          <a:off x="0" y="0"/>
+          <a:ext cx="0" cy="0"/>
+          <a:chOff x="0" y="0"/>
+          <a:chExt cx="0" cy="0"/>
+        </a:xfrm>
+      </p:grpSpPr>
+      <p:sp>
+        <p:nvSpPr>
+          <p:cNvPr id="2" name="Title 1"/>
+          <p:cNvSpPr>
+            <a:spLocks noGrp="1"/>
+          </p:cNvSpPr>
+          <p:nvPr>
+            <p:ph type="title"/>
+          </p:nvPr>
+        </p:nvSpPr>
+        <p:spPr/>
+        <p:txBody>
+          <a:bodyPr/>
+          <a:lstStyle/>
+          <a:p>
+            <a:r>
+              <a:rPr lang="en-US" smtClean="0"/>
+              <a:t>Directive attribute: =</a:t>
+            </a:r>
+            <a:endParaRPr lang="en-US" dirty="0"/>
+          </a:p>
+        </p:txBody>
+      </p:sp>
+      <p:pic>
+        <p:nvPicPr>
+          <p:cNvPr id="2050" name="Picture 2"/>
+          <p:cNvPicPr>
+            <a:picLocks noGrp="1" noChangeAspect="1" noChangeArrowheads="1"/>
+          </p:cNvPicPr>
+          <p:nvPr>
+            <p:ph idx="1"/>
+          </p:nvPr>
+        </p:nvPicPr>
+        <p:blipFill>
+          <a:blip r:embed="rId2"/>
+          <a:srcRect/>
+          <a:stretch>
+            <a:fillRect/>
+          </a:stretch>
+        </p:blipFill>
+        <p:spPr bwMode="auto">
+          <a:xfrm>
+            <a:off x="1371600" y="1371600"/>
+            <a:ext cx="3505200" cy="1871953"/>
+          </a:xfrm>
+          <a:prstGeom prst="rect">
+            <a:avLst/>
+          </a:prstGeom>
+          <a:noFill/>
+          <a:ln w="9525">
+            <a:noFill/>
+            <a:miter lim="800000"/>
+            <a:headEnd/>
+            <a:tailEnd/>
+          </a:ln>
+          <a:effectLst/>
+        </p:spPr>
+      </p:pic>
+      <p:pic>
+        <p:nvPicPr>
+          <p:cNvPr id="2051" name="Picture 3"/>
+          <p:cNvPicPr>
+            <a:picLocks noChangeAspect="1" noChangeArrowheads="1"/>
+          </p:cNvPicPr>
+          <p:nvPr/>
+        </p:nvPicPr>
+        <p:blipFill>
+          <a:blip r:embed="rId3"/>
+          <a:srcRect/>
+          <a:stretch>
+            <a:fillRect/>
+          </a:stretch>
+        </p:blipFill>
+        <p:spPr bwMode="auto">
+          <a:xfrm>
+            <a:off x="1371600" y="3352800"/>
+            <a:ext cx="4520682" cy="1447800"/>
+          </a:xfrm>
+          <a:prstGeom prst="rect">
+            <a:avLst/>
+          </a:prstGeom>
+          <a:noFill/>
+          <a:ln w="9525">
+            <a:noFill/>
+            <a:miter lim="800000"/>
+            <a:headEnd/>
+            <a:tailEnd/>
+          </a:ln>
+          <a:effectLst/>
+        </p:spPr>
+      </p:pic>
+    </p:spTree>
+    <p:extLst>
+      <p:ext uri="{BB962C8B-B14F-4D97-AF65-F5344CB8AC3E}">
+        <p14:creationId xmlns:p14="http://schemas.microsoft.com/office/powerpoint/2010/main" xmlns="" val="1943494689"/>
+      </p:ext>
+    </p:extLst>
+  </p:cSld>
+  <p:clrMapOvr>
+    <a:masterClrMapping/>
+  </p:clrMapOvr>
+  <p:timing>
+    <p:tnLst>
+      <p:par>
+        <p:cTn id="1" dur="indefinite" restart="never" nodeType="tmRoot"/>
+      </p:par>
+    </p:tnLst>
+  </p:timing>
+</p:sld>
+</file>
+
+<file path=ppt/slides/slide16.xml><?xml version="1.0" encoding="utf-8"?>
+<p:sld xmlns:a="http://schemas.openxmlformats.org/drawingml/2006/main" xmlns:r="http://schemas.openxmlformats.org/officeDocument/2006/relationships" xmlns:p="http://schemas.openxmlformats.org/presentationml/2006/main">
+  <p:cSld>
+    <p:spTree>
+      <p:nvGrpSpPr>
+        <p:cNvPr id="1" name=""/>
+        <p:cNvGrpSpPr/>
+        <p:nvPr/>
+      </p:nvGrpSpPr>
+      <p:grpSpPr>
+        <a:xfrm>
+          <a:off x="0" y="0"/>
+          <a:ext cx="0" cy="0"/>
+          <a:chOff x="0" y="0"/>
+          <a:chExt cx="0" cy="0"/>
+        </a:xfrm>
+      </p:grpSpPr>
+      <p:sp>
+        <p:nvSpPr>
+          <p:cNvPr id="2" name="Title 1"/>
+          <p:cNvSpPr>
+            <a:spLocks noGrp="1"/>
+          </p:cNvSpPr>
+          <p:nvPr>
+            <p:ph type="title"/>
+          </p:nvPr>
+        </p:nvSpPr>
+        <p:spPr/>
+        <p:txBody>
+          <a:bodyPr/>
+          <a:lstStyle/>
+          <a:p>
+            <a:r>
+              <a:rPr lang="en-US" smtClean="0"/>
+              <a:t>Directive attribute: &amp;</a:t>
+            </a:r>
+            <a:endParaRPr lang="en-US" dirty="0"/>
+          </a:p>
+        </p:txBody>
+      </p:sp>
+      <p:sp>
+        <p:nvSpPr>
+          <p:cNvPr id="6" name="Content Placeholder 5"/>
+          <p:cNvSpPr>
+            <a:spLocks noGrp="1"/>
+          </p:cNvSpPr>
+          <p:nvPr>
+            <p:ph idx="1"/>
+          </p:nvPr>
+        </p:nvSpPr>
+        <p:spPr/>
+        <p:txBody>
+          <a:bodyPr/>
+          <a:lstStyle/>
+          <a:p>
+            <a:r>
+              <a:rPr lang="en-US" smtClean="0"/>
+              <a:t>Provides </a:t>
+            </a:r>
+            <a:r>
+              <a:rPr lang="en-US" smtClean="0"/>
+              <a:t>a way to execute an expression in the context of the </a:t>
+            </a:r>
+            <a:r>
+              <a:rPr lang="en-US" smtClean="0"/>
+              <a:t>parent </a:t>
+            </a:r>
+            <a:r>
+              <a:rPr lang="en-US" smtClean="0"/>
+              <a:t>scope</a:t>
+            </a:r>
+            <a:endParaRPr lang="en-US" smtClean="0"/>
+          </a:p>
+          <a:p>
+            <a:r>
+              <a:rPr lang="en-US" smtClean="0"/>
+              <a:t>Imaging callback</a:t>
+            </a:r>
+          </a:p>
+          <a:p>
+            <a:r>
+              <a:rPr lang="en-US" smtClean="0"/>
+              <a:t>Callback method binding</a:t>
+            </a:r>
+            <a:endParaRPr lang="en-US"/>
+          </a:p>
+        </p:txBody>
+      </p:sp>
+    </p:spTree>
+    <p:extLst>
+      <p:ext uri="{BB962C8B-B14F-4D97-AF65-F5344CB8AC3E}">
+        <p14:creationId xmlns:p14="http://schemas.microsoft.com/office/powerpoint/2010/main" xmlns="" val="1943494689"/>
+      </p:ext>
+    </p:extLst>
+  </p:cSld>
+  <p:clrMapOvr>
+    <a:masterClrMapping/>
+  </p:clrMapOvr>
+  <p:timing>
+    <p:tnLst>
+      <p:par>
+        <p:cTn id="1" dur="indefinite" restart="never" nodeType="tmRoot"/>
+      </p:par>
+    </p:tnLst>
+  </p:timing>
+</p:sld>
+</file>
+
+<file path=ppt/slides/slide17.xml><?xml version="1.0" encoding="utf-8"?>
+<p:sld xmlns:a="http://schemas.openxmlformats.org/drawingml/2006/main" xmlns:r="http://schemas.openxmlformats.org/officeDocument/2006/relationships" xmlns:p="http://schemas.openxmlformats.org/presentationml/2006/main">
+  <p:cSld>
+    <p:spTree>
+      <p:nvGrpSpPr>
+        <p:cNvPr id="1" name=""/>
+        <p:cNvGrpSpPr/>
+        <p:nvPr/>
+      </p:nvGrpSpPr>
+      <p:grpSpPr>
+        <a:xfrm>
+          <a:off x="0" y="0"/>
+          <a:ext cx="0" cy="0"/>
+          <a:chOff x="0" y="0"/>
+          <a:chExt cx="0" cy="0"/>
+        </a:xfrm>
+      </p:grpSpPr>
+      <p:sp>
+        <p:nvSpPr>
+          <p:cNvPr id="2" name="Title 1"/>
+          <p:cNvSpPr>
+            <a:spLocks noGrp="1"/>
+          </p:cNvSpPr>
+          <p:nvPr>
+            <p:ph type="title"/>
+          </p:nvPr>
+        </p:nvSpPr>
+        <p:spPr/>
+        <p:txBody>
+          <a:bodyPr/>
+          <a:lstStyle/>
+          <a:p>
+            <a:r>
+              <a:rPr lang="en-US" smtClean="0"/>
+              <a:t>Directive attribute: &amp;</a:t>
+            </a:r>
+            <a:endParaRPr lang="en-US" dirty="0"/>
+          </a:p>
+        </p:txBody>
+      </p:sp>
+      <p:pic>
+        <p:nvPicPr>
+          <p:cNvPr id="3074" name="Picture 2"/>
+          <p:cNvPicPr>
+            <a:picLocks noGrp="1" noChangeAspect="1" noChangeArrowheads="1"/>
+          </p:cNvPicPr>
+          <p:nvPr>
+            <p:ph idx="1"/>
+          </p:nvPr>
+        </p:nvPicPr>
+        <p:blipFill>
+          <a:blip r:embed="rId2"/>
+          <a:srcRect/>
+          <a:stretch>
+            <a:fillRect/>
+          </a:stretch>
+        </p:blipFill>
+        <p:spPr bwMode="auto">
+          <a:xfrm>
+            <a:off x="152400" y="1447800"/>
+            <a:ext cx="6248400" cy="4966678"/>
+          </a:xfrm>
+          <a:prstGeom prst="rect">
+            <a:avLst/>
+          </a:prstGeom>
+          <a:noFill/>
+          <a:ln w="9525">
+            <a:solidFill>
+              <a:schemeClr val="accent1"/>
+            </a:solidFill>
+            <a:miter lim="800000"/>
+            <a:headEnd/>
+            <a:tailEnd/>
+          </a:ln>
+          <a:effectLst/>
+        </p:spPr>
+      </p:pic>
+      <p:pic>
+        <p:nvPicPr>
+          <p:cNvPr id="3075" name="Picture 3"/>
+          <p:cNvPicPr>
+            <a:picLocks noChangeAspect="1" noChangeArrowheads="1"/>
+          </p:cNvPicPr>
+          <p:nvPr/>
+        </p:nvPicPr>
+        <p:blipFill>
+          <a:blip r:embed="rId3"/>
+          <a:srcRect/>
+          <a:stretch>
+            <a:fillRect/>
+          </a:stretch>
+        </p:blipFill>
+        <p:spPr bwMode="auto">
+          <a:xfrm>
+            <a:off x="4038600" y="2362200"/>
+            <a:ext cx="4714875" cy="1095375"/>
+          </a:xfrm>
+          <a:prstGeom prst="rect">
+            <a:avLst/>
+          </a:prstGeom>
+          <a:noFill/>
+          <a:ln w="9525">
+            <a:solidFill>
+              <a:schemeClr val="accent1"/>
+            </a:solidFill>
+            <a:miter lim="800000"/>
+            <a:headEnd/>
+            <a:tailEnd/>
+          </a:ln>
+          <a:effectLst/>
+        </p:spPr>
+      </p:pic>
+      <p:pic>
+        <p:nvPicPr>
+          <p:cNvPr id="3076" name="Picture 4"/>
+          <p:cNvPicPr>
+            <a:picLocks noChangeAspect="1" noChangeArrowheads="1"/>
+          </p:cNvPicPr>
+          <p:nvPr/>
+        </p:nvPicPr>
+        <p:blipFill>
+          <a:blip r:embed="rId4"/>
+          <a:srcRect/>
+          <a:stretch>
+            <a:fillRect/>
+          </a:stretch>
+        </p:blipFill>
+        <p:spPr bwMode="auto">
+          <a:xfrm>
+            <a:off x="3276600" y="3962400"/>
+            <a:ext cx="5657850" cy="752475"/>
+          </a:xfrm>
+          <a:prstGeom prst="rect">
+            <a:avLst/>
+          </a:prstGeom>
+          <a:noFill/>
+          <a:ln w="9525">
+            <a:solidFill>
+              <a:schemeClr val="accent1"/>
+            </a:solidFill>
+            <a:miter lim="800000"/>
+            <a:headEnd/>
+            <a:tailEnd/>
+          </a:ln>
+          <a:effectLst/>
+        </p:spPr>
+      </p:pic>
+    </p:spTree>
+    <p:extLst>
+      <p:ext uri="{BB962C8B-B14F-4D97-AF65-F5344CB8AC3E}">
+        <p14:creationId xmlns:p14="http://schemas.microsoft.com/office/powerpoint/2010/main" xmlns="" val="1943494689"/>
+      </p:ext>
+    </p:extLst>
+  </p:cSld>
+  <p:clrMapOvr>
+    <a:masterClrMapping/>
+  </p:clrMapOvr>
+  <p:timing>
+    <p:tnLst>
+      <p:par>
+        <p:cTn id="1" dur="indefinite" restart="never" nodeType="tmRoot"/>
+      </p:par>
+    </p:tnLst>
+  </p:timing>
+</p:sld>
+</file>
+
+<file path=ppt/slides/slide18.xml><?xml version="1.0" encoding="utf-8"?>
+<p:sld xmlns:a="http://schemas.openxmlformats.org/drawingml/2006/main" xmlns:r="http://schemas.openxmlformats.org/officeDocument/2006/relationships" xmlns:p="http://schemas.openxmlformats.org/presentationml/2006/main">
+  <p:cSld>
+    <p:spTree>
+      <p:nvGrpSpPr>
+        <p:cNvPr id="1" name=""/>
+        <p:cNvGrpSpPr/>
+        <p:nvPr/>
+      </p:nvGrpSpPr>
+      <p:grpSpPr>
+        <a:xfrm>
+          <a:off x="0" y="0"/>
+          <a:ext cx="0" cy="0"/>
+          <a:chOff x="0" y="0"/>
+          <a:chExt cx="0" cy="0"/>
+        </a:xfrm>
+      </p:grpSpPr>
+      <p:sp>
+        <p:nvSpPr>
+          <p:cNvPr id="2" name="Title 1"/>
+          <p:cNvSpPr>
+            <a:spLocks noGrp="1"/>
+          </p:cNvSpPr>
+          <p:nvPr>
+            <p:ph type="title"/>
+          </p:nvPr>
+        </p:nvSpPr>
+        <p:spPr/>
+        <p:txBody>
+          <a:bodyPr>
+            <a:normAutofit fontScale="90000"/>
+          </a:bodyPr>
+          <a:lstStyle/>
+          <a:p>
+            <a:r>
+              <a:rPr lang="en-US" dirty="0" smtClean="0"/>
+              <a:t>II) Communicating between components (need to practice)</a:t>
+            </a:r>
+            <a:endParaRPr lang="en-US" dirty="0"/>
+          </a:p>
+        </p:txBody>
+      </p:sp>
+      <p:sp>
+        <p:nvSpPr>
+          <p:cNvPr id="3" name="Content Placeholder 2"/>
+          <p:cNvSpPr>
+            <a:spLocks noGrp="1"/>
+          </p:cNvSpPr>
+          <p:nvPr>
+            <p:ph idx="1"/>
+          </p:nvPr>
+        </p:nvSpPr>
+        <p:spPr/>
+        <p:txBody>
+          <a:bodyPr/>
+          <a:lstStyle/>
+          <a:p>
+            <a:r>
+              <a:rPr lang="en-US" dirty="0" smtClean="0"/>
+              <a:t>Using inherited scope</a:t>
+            </a:r>
+          </a:p>
+          <a:p>
+            <a:r>
+              <a:rPr lang="en-US" dirty="0" smtClean="0"/>
+              <a:t>Using event</a:t>
+            </a:r>
+            <a:endParaRPr lang="en-US" dirty="0"/>
+          </a:p>
+          <a:p>
+            <a:r>
+              <a:rPr lang="en-US" dirty="0" smtClean="0"/>
+              <a:t>Using service</a:t>
+            </a:r>
+            <a:endParaRPr lang="en-US" dirty="0"/>
+          </a:p>
+        </p:txBody>
+      </p:sp>
+    </p:spTree>
+    <p:extLst>
+      <p:ext uri="{BB962C8B-B14F-4D97-AF65-F5344CB8AC3E}">
+        <p14:creationId xmlns:p14="http://schemas.microsoft.com/office/powerpoint/2010/main" xmlns="" val="412149181"/>
       </p:ext>
     </p:extLst>
   </p:cSld>
@@ -5605,663 +6117,6 @@
                                           </p:stCondLst>
                                         </p:cTn>
                                         <p:tgtEl>
-                                          <p:spTgt spid="4"/>
-                                        </p:tgtEl>
-                                        <p:attrNameLst>
-                                          <p:attrName>style.visibility</p:attrName>
-                                        </p:attrNameLst>
-                                      </p:cBhvr>
-                                      <p:to>
-                                        <p:strVal val="visible"/>
-                                      </p:to>
-                                    </p:set>
-                                    <p:anim calcmode="lin" valueType="num">
-                                      <p:cBhvr additive="base">
-                                        <p:cTn id="7" dur="500" fill="hold"/>
-                                        <p:tgtEl>
-                                          <p:spTgt spid="4"/>
-                                        </p:tgtEl>
-                                        <p:attrNameLst>
-                                          <p:attrName>ppt_x</p:attrName>
-                                        </p:attrNameLst>
-                                      </p:cBhvr>
-                                      <p:tavLst>
-                                        <p:tav tm="0">
-                                          <p:val>
-                                            <p:strVal val="#ppt_x"/>
-                                          </p:val>
-                                        </p:tav>
-                                        <p:tav tm="100000">
-                                          <p:val>
-                                            <p:strVal val="#ppt_x"/>
-                                          </p:val>
-                                        </p:tav>
-                                      </p:tavLst>
-                                    </p:anim>
-                                    <p:anim calcmode="lin" valueType="num">
-                                      <p:cBhvr additive="base">
-                                        <p:cTn id="8" dur="500" fill="hold"/>
-                                        <p:tgtEl>
-                                          <p:spTgt spid="4"/>
-                                        </p:tgtEl>
-                                        <p:attrNameLst>
-                                          <p:attrName>ppt_y</p:attrName>
-                                        </p:attrNameLst>
-                                      </p:cBhvr>
-                                      <p:tavLst>
-                                        <p:tav tm="0">
-                                          <p:val>
-                                            <p:strVal val="1+#ppt_h/2"/>
-                                          </p:val>
-                                        </p:tav>
-                                        <p:tav tm="100000">
-                                          <p:val>
-                                            <p:strVal val="#ppt_y"/>
-                                          </p:val>
-                                        </p:tav>
-                                      </p:tavLst>
-                                    </p:anim>
-                                  </p:childTnLst>
-                                </p:cTn>
-                              </p:par>
-                            </p:childTnLst>
-                          </p:cTn>
-                        </p:par>
-                      </p:childTnLst>
-                    </p:cTn>
-                  </p:par>
-                  <p:par>
-                    <p:cTn id="9" fill="hold">
-                      <p:stCondLst>
-                        <p:cond delay="indefinite"/>
-                      </p:stCondLst>
-                      <p:childTnLst>
-                        <p:par>
-                          <p:cTn id="10" fill="hold">
-                            <p:stCondLst>
-                              <p:cond delay="0"/>
-                            </p:stCondLst>
-                            <p:childTnLst>
-                              <p:par>
-                                <p:cTn id="11" presetID="2" presetClass="entr" presetSubtype="4" fill="hold" grpId="0" nodeType="clickEffect">
-                                  <p:stCondLst>
-                                    <p:cond delay="0"/>
-                                  </p:stCondLst>
-                                  <p:childTnLst>
-                                    <p:set>
-                                      <p:cBhvr>
-                                        <p:cTn id="12" dur="1" fill="hold">
-                                          <p:stCondLst>
-                                            <p:cond delay="0"/>
-                                          </p:stCondLst>
-                                        </p:cTn>
-                                        <p:tgtEl>
-                                          <p:spTgt spid="5"/>
-                                        </p:tgtEl>
-                                        <p:attrNameLst>
-                                          <p:attrName>style.visibility</p:attrName>
-                                        </p:attrNameLst>
-                                      </p:cBhvr>
-                                      <p:to>
-                                        <p:strVal val="visible"/>
-                                      </p:to>
-                                    </p:set>
-                                    <p:anim calcmode="lin" valueType="num">
-                                      <p:cBhvr additive="base">
-                                        <p:cTn id="13" dur="500" fill="hold"/>
-                                        <p:tgtEl>
-                                          <p:spTgt spid="5"/>
-                                        </p:tgtEl>
-                                        <p:attrNameLst>
-                                          <p:attrName>ppt_x</p:attrName>
-                                        </p:attrNameLst>
-                                      </p:cBhvr>
-                                      <p:tavLst>
-                                        <p:tav tm="0">
-                                          <p:val>
-                                            <p:strVal val="#ppt_x"/>
-                                          </p:val>
-                                        </p:tav>
-                                        <p:tav tm="100000">
-                                          <p:val>
-                                            <p:strVal val="#ppt_x"/>
-                                          </p:val>
-                                        </p:tav>
-                                      </p:tavLst>
-                                    </p:anim>
-                                    <p:anim calcmode="lin" valueType="num">
-                                      <p:cBhvr additive="base">
-                                        <p:cTn id="14" dur="500" fill="hold"/>
-                                        <p:tgtEl>
-                                          <p:spTgt spid="5"/>
-                                        </p:tgtEl>
-                                        <p:attrNameLst>
-                                          <p:attrName>ppt_y</p:attrName>
-                                        </p:attrNameLst>
-                                      </p:cBhvr>
-                                      <p:tavLst>
-                                        <p:tav tm="0">
-                                          <p:val>
-                                            <p:strVal val="1+#ppt_h/2"/>
-                                          </p:val>
-                                        </p:tav>
-                                        <p:tav tm="100000">
-                                          <p:val>
-                                            <p:strVal val="#ppt_y"/>
-                                          </p:val>
-                                        </p:tav>
-                                      </p:tavLst>
-                                    </p:anim>
-                                  </p:childTnLst>
-                                </p:cTn>
-                              </p:par>
-                            </p:childTnLst>
-                          </p:cTn>
-                        </p:par>
-                      </p:childTnLst>
-                    </p:cTn>
-                  </p:par>
-                </p:childTnLst>
-              </p:cTn>
-              <p:prevCondLst>
-                <p:cond evt="onPrev" delay="0">
-                  <p:tgtEl>
-                    <p:sldTgt/>
-                  </p:tgtEl>
-                </p:cond>
-              </p:prevCondLst>
-              <p:nextCondLst>
-                <p:cond evt="onNext" delay="0">
-                  <p:tgtEl>
-                    <p:sldTgt/>
-                  </p:tgtEl>
-                </p:cond>
-              </p:nextCondLst>
-            </p:seq>
-          </p:childTnLst>
-        </p:cTn>
-      </p:par>
-    </p:tnLst>
-    <p:bldLst>
-      <p:bldP spid="5" grpId="0" animBg="1"/>
-    </p:bldLst>
-  </p:timing>
-</p:sld>
-</file>
-
-<file path=ppt/slides/slide14.xml><?xml version="1.0" encoding="utf-8"?>
-<p:sld xmlns:a="http://schemas.openxmlformats.org/drawingml/2006/main" xmlns:r="http://schemas.openxmlformats.org/officeDocument/2006/relationships" xmlns:p="http://schemas.openxmlformats.org/presentationml/2006/main">
-  <p:cSld>
-    <p:spTree>
-      <p:nvGrpSpPr>
-        <p:cNvPr id="1" name=""/>
-        <p:cNvGrpSpPr/>
-        <p:nvPr/>
-      </p:nvGrpSpPr>
-      <p:grpSpPr>
-        <a:xfrm>
-          <a:off x="0" y="0"/>
-          <a:ext cx="0" cy="0"/>
-          <a:chOff x="0" y="0"/>
-          <a:chExt cx="0" cy="0"/>
-        </a:xfrm>
-      </p:grpSpPr>
-      <p:sp>
-        <p:nvSpPr>
-          <p:cNvPr id="2" name="Title 1"/>
-          <p:cNvSpPr>
-            <a:spLocks noGrp="1"/>
-          </p:cNvSpPr>
-          <p:nvPr>
-            <p:ph type="title"/>
-          </p:nvPr>
-        </p:nvSpPr>
-        <p:spPr/>
-        <p:txBody>
-          <a:bodyPr/>
-          <a:lstStyle/>
-          <a:p>
-            <a:r>
-              <a:rPr lang="en-US" dirty="0" smtClean="0"/>
-              <a:t>Module (</a:t>
-            </a:r>
-            <a:r>
-              <a:rPr lang="en-US" dirty="0" err="1" smtClean="0"/>
-              <a:t>cont</a:t>
-            </a:r>
-            <a:r>
-              <a:rPr lang="en-US" dirty="0" smtClean="0"/>
-              <a:t>)</a:t>
-            </a:r>
-            <a:endParaRPr lang="en-US" dirty="0"/>
-          </a:p>
-        </p:txBody>
-      </p:sp>
-      <p:pic>
-        <p:nvPicPr>
-          <p:cNvPr id="4" name="Content Placeholder 3"/>
-          <p:cNvPicPr>
-            <a:picLocks noGrp="1" noChangeAspect="1"/>
-          </p:cNvPicPr>
-          <p:nvPr>
-            <p:ph idx="1"/>
-          </p:nvPr>
-        </p:nvPicPr>
-        <p:blipFill>
-          <a:blip r:embed="rId2"/>
-          <a:stretch>
-            <a:fillRect/>
-          </a:stretch>
-        </p:blipFill>
-        <p:spPr>
-          <a:xfrm>
-            <a:off x="4346458" y="1628465"/>
-            <a:ext cx="1676634" cy="4439270"/>
-          </a:xfrm>
-          <a:prstGeom prst="rect">
-            <a:avLst/>
-          </a:prstGeom>
-        </p:spPr>
-      </p:pic>
-      <p:sp>
-        <p:nvSpPr>
-          <p:cNvPr id="5" name="Right Arrow 4"/>
-          <p:cNvSpPr/>
-          <p:nvPr/>
-        </p:nvSpPr>
-        <p:spPr>
-          <a:xfrm>
-            <a:off x="1600200" y="2590800"/>
-            <a:ext cx="2590800" cy="1676400"/>
-          </a:xfrm>
-          <a:prstGeom prst="rightArrow">
-            <a:avLst/>
-          </a:prstGeom>
-        </p:spPr>
-        <p:style>
-          <a:lnRef idx="2">
-            <a:schemeClr val="accent1">
-              <a:shade val="50000"/>
-            </a:schemeClr>
-          </a:lnRef>
-          <a:fillRef idx="1">
-            <a:schemeClr val="accent1"/>
-          </a:fillRef>
-          <a:effectRef idx="0">
-            <a:schemeClr val="accent1"/>
-          </a:effectRef>
-          <a:fontRef idx="minor">
-            <a:schemeClr val="lt1"/>
-          </a:fontRef>
-        </p:style>
-        <p:txBody>
-          <a:bodyPr rtlCol="0" anchor="ctr"/>
-          <a:lstStyle/>
-          <a:p>
-            <a:pPr algn="ctr"/>
-            <a:r>
-              <a:rPr lang="en-US" dirty="0" smtClean="0"/>
-              <a:t>Any suggestion?</a:t>
-            </a:r>
-            <a:endParaRPr lang="en-US" dirty="0"/>
-          </a:p>
-        </p:txBody>
-      </p:sp>
-    </p:spTree>
-    <p:extLst>
-      <p:ext uri="{BB962C8B-B14F-4D97-AF65-F5344CB8AC3E}">
-        <p14:creationId xmlns:p14="http://schemas.microsoft.com/office/powerpoint/2010/main" val="1943494689"/>
-      </p:ext>
-    </p:extLst>
-  </p:cSld>
-  <p:clrMapOvr>
-    <a:masterClrMapping/>
-  </p:clrMapOvr>
-  <p:timing>
-    <p:tnLst>
-      <p:par>
-        <p:cTn id="1" dur="indefinite" restart="never" nodeType="tmRoot">
-          <p:childTnLst>
-            <p:seq concurrent="1" nextAc="seek">
-              <p:cTn id="2" dur="indefinite" nodeType="mainSeq">
-                <p:childTnLst>
-                  <p:par>
-                    <p:cTn id="3" fill="hold">
-                      <p:stCondLst>
-                        <p:cond delay="indefinite"/>
-                      </p:stCondLst>
-                      <p:childTnLst>
-                        <p:par>
-                          <p:cTn id="4" fill="hold">
-                            <p:stCondLst>
-                              <p:cond delay="0"/>
-                            </p:stCondLst>
-                            <p:childTnLst>
-                              <p:par>
-                                <p:cTn id="5" presetID="2" presetClass="entr" presetSubtype="4" fill="hold" nodeType="clickEffect">
-                                  <p:stCondLst>
-                                    <p:cond delay="0"/>
-                                  </p:stCondLst>
-                                  <p:childTnLst>
-                                    <p:set>
-                                      <p:cBhvr>
-                                        <p:cTn id="6" dur="1" fill="hold">
-                                          <p:stCondLst>
-                                            <p:cond delay="0"/>
-                                          </p:stCondLst>
-                                        </p:cTn>
-                                        <p:tgtEl>
-                                          <p:spTgt spid="4"/>
-                                        </p:tgtEl>
-                                        <p:attrNameLst>
-                                          <p:attrName>style.visibility</p:attrName>
-                                        </p:attrNameLst>
-                                      </p:cBhvr>
-                                      <p:to>
-                                        <p:strVal val="visible"/>
-                                      </p:to>
-                                    </p:set>
-                                    <p:anim calcmode="lin" valueType="num">
-                                      <p:cBhvr additive="base">
-                                        <p:cTn id="7" dur="500" fill="hold"/>
-                                        <p:tgtEl>
-                                          <p:spTgt spid="4"/>
-                                        </p:tgtEl>
-                                        <p:attrNameLst>
-                                          <p:attrName>ppt_x</p:attrName>
-                                        </p:attrNameLst>
-                                      </p:cBhvr>
-                                      <p:tavLst>
-                                        <p:tav tm="0">
-                                          <p:val>
-                                            <p:strVal val="#ppt_x"/>
-                                          </p:val>
-                                        </p:tav>
-                                        <p:tav tm="100000">
-                                          <p:val>
-                                            <p:strVal val="#ppt_x"/>
-                                          </p:val>
-                                        </p:tav>
-                                      </p:tavLst>
-                                    </p:anim>
-                                    <p:anim calcmode="lin" valueType="num">
-                                      <p:cBhvr additive="base">
-                                        <p:cTn id="8" dur="500" fill="hold"/>
-                                        <p:tgtEl>
-                                          <p:spTgt spid="4"/>
-                                        </p:tgtEl>
-                                        <p:attrNameLst>
-                                          <p:attrName>ppt_y</p:attrName>
-                                        </p:attrNameLst>
-                                      </p:cBhvr>
-                                      <p:tavLst>
-                                        <p:tav tm="0">
-                                          <p:val>
-                                            <p:strVal val="1+#ppt_h/2"/>
-                                          </p:val>
-                                        </p:tav>
-                                        <p:tav tm="100000">
-                                          <p:val>
-                                            <p:strVal val="#ppt_y"/>
-                                          </p:val>
-                                        </p:tav>
-                                      </p:tavLst>
-                                    </p:anim>
-                                  </p:childTnLst>
-                                </p:cTn>
-                              </p:par>
-                            </p:childTnLst>
-                          </p:cTn>
-                        </p:par>
-                      </p:childTnLst>
-                    </p:cTn>
-                  </p:par>
-                  <p:par>
-                    <p:cTn id="9" fill="hold">
-                      <p:stCondLst>
-                        <p:cond delay="indefinite"/>
-                      </p:stCondLst>
-                      <p:childTnLst>
-                        <p:par>
-                          <p:cTn id="10" fill="hold">
-                            <p:stCondLst>
-                              <p:cond delay="0"/>
-                            </p:stCondLst>
-                            <p:childTnLst>
-                              <p:par>
-                                <p:cTn id="11" presetID="2" presetClass="entr" presetSubtype="4" fill="hold" grpId="0" nodeType="clickEffect">
-                                  <p:stCondLst>
-                                    <p:cond delay="0"/>
-                                  </p:stCondLst>
-                                  <p:childTnLst>
-                                    <p:set>
-                                      <p:cBhvr>
-                                        <p:cTn id="12" dur="1" fill="hold">
-                                          <p:stCondLst>
-                                            <p:cond delay="0"/>
-                                          </p:stCondLst>
-                                        </p:cTn>
-                                        <p:tgtEl>
-                                          <p:spTgt spid="5"/>
-                                        </p:tgtEl>
-                                        <p:attrNameLst>
-                                          <p:attrName>style.visibility</p:attrName>
-                                        </p:attrNameLst>
-                                      </p:cBhvr>
-                                      <p:to>
-                                        <p:strVal val="visible"/>
-                                      </p:to>
-                                    </p:set>
-                                    <p:anim calcmode="lin" valueType="num">
-                                      <p:cBhvr additive="base">
-                                        <p:cTn id="13" dur="500" fill="hold"/>
-                                        <p:tgtEl>
-                                          <p:spTgt spid="5"/>
-                                        </p:tgtEl>
-                                        <p:attrNameLst>
-                                          <p:attrName>ppt_x</p:attrName>
-                                        </p:attrNameLst>
-                                      </p:cBhvr>
-                                      <p:tavLst>
-                                        <p:tav tm="0">
-                                          <p:val>
-                                            <p:strVal val="#ppt_x"/>
-                                          </p:val>
-                                        </p:tav>
-                                        <p:tav tm="100000">
-                                          <p:val>
-                                            <p:strVal val="#ppt_x"/>
-                                          </p:val>
-                                        </p:tav>
-                                      </p:tavLst>
-                                    </p:anim>
-                                    <p:anim calcmode="lin" valueType="num">
-                                      <p:cBhvr additive="base">
-                                        <p:cTn id="14" dur="500" fill="hold"/>
-                                        <p:tgtEl>
-                                          <p:spTgt spid="5"/>
-                                        </p:tgtEl>
-                                        <p:attrNameLst>
-                                          <p:attrName>ppt_y</p:attrName>
-                                        </p:attrNameLst>
-                                      </p:cBhvr>
-                                      <p:tavLst>
-                                        <p:tav tm="0">
-                                          <p:val>
-                                            <p:strVal val="1+#ppt_h/2"/>
-                                          </p:val>
-                                        </p:tav>
-                                        <p:tav tm="100000">
-                                          <p:val>
-                                            <p:strVal val="#ppt_y"/>
-                                          </p:val>
-                                        </p:tav>
-                                      </p:tavLst>
-                                    </p:anim>
-                                  </p:childTnLst>
-                                </p:cTn>
-                              </p:par>
-                            </p:childTnLst>
-                          </p:cTn>
-                        </p:par>
-                      </p:childTnLst>
-                    </p:cTn>
-                  </p:par>
-                </p:childTnLst>
-              </p:cTn>
-              <p:prevCondLst>
-                <p:cond evt="onPrev" delay="0">
-                  <p:tgtEl>
-                    <p:sldTgt/>
-                  </p:tgtEl>
-                </p:cond>
-              </p:prevCondLst>
-              <p:nextCondLst>
-                <p:cond evt="onNext" delay="0">
-                  <p:tgtEl>
-                    <p:sldTgt/>
-                  </p:tgtEl>
-                </p:cond>
-              </p:nextCondLst>
-            </p:seq>
-          </p:childTnLst>
-        </p:cTn>
-      </p:par>
-    </p:tnLst>
-    <p:bldLst>
-      <p:bldP spid="5" grpId="0" animBg="1"/>
-    </p:bldLst>
-  </p:timing>
-</p:sld>
-</file>
-
-<file path=ppt/slides/slide15.xml><?xml version="1.0" encoding="utf-8"?>
-<p:sld xmlns:a="http://schemas.openxmlformats.org/drawingml/2006/main" xmlns:r="http://schemas.openxmlformats.org/officeDocument/2006/relationships" xmlns:p="http://schemas.openxmlformats.org/presentationml/2006/main">
-  <p:cSld>
-    <p:spTree>
-      <p:nvGrpSpPr>
-        <p:cNvPr id="1" name=""/>
-        <p:cNvGrpSpPr/>
-        <p:nvPr/>
-      </p:nvGrpSpPr>
-      <p:grpSpPr>
-        <a:xfrm>
-          <a:off x="0" y="0"/>
-          <a:ext cx="0" cy="0"/>
-          <a:chOff x="0" y="0"/>
-          <a:chExt cx="0" cy="0"/>
-        </a:xfrm>
-      </p:grpSpPr>
-      <p:sp>
-        <p:nvSpPr>
-          <p:cNvPr id="2" name="Title 1"/>
-          <p:cNvSpPr>
-            <a:spLocks noGrp="1"/>
-          </p:cNvSpPr>
-          <p:nvPr>
-            <p:ph type="title"/>
-          </p:nvPr>
-        </p:nvSpPr>
-        <p:spPr/>
-        <p:txBody>
-          <a:bodyPr>
-            <a:normAutofit fontScale="90000"/>
-          </a:bodyPr>
-          <a:lstStyle/>
-          <a:p>
-            <a:r>
-              <a:rPr lang="en-US" dirty="0" smtClean="0"/>
-              <a:t>II) </a:t>
-            </a:r>
-            <a:r>
-              <a:rPr lang="en-US" dirty="0" smtClean="0"/>
-              <a:t>Communicating between components (need to practice)</a:t>
-            </a:r>
-            <a:endParaRPr lang="en-US" dirty="0"/>
-          </a:p>
-        </p:txBody>
-      </p:sp>
-      <p:sp>
-        <p:nvSpPr>
-          <p:cNvPr id="3" name="Content Placeholder 2"/>
-          <p:cNvSpPr>
-            <a:spLocks noGrp="1"/>
-          </p:cNvSpPr>
-          <p:nvPr>
-            <p:ph idx="1"/>
-          </p:nvPr>
-        </p:nvSpPr>
-        <p:spPr/>
-        <p:txBody>
-          <a:bodyPr/>
-          <a:lstStyle/>
-          <a:p>
-            <a:r>
-              <a:rPr lang="en-US" dirty="0" smtClean="0"/>
-              <a:t>Using inherited scope</a:t>
-            </a:r>
-            <a:endParaRPr lang="en-US" dirty="0" smtClean="0"/>
-          </a:p>
-          <a:p>
-            <a:r>
-              <a:rPr lang="en-US" dirty="0" smtClean="0"/>
-              <a:t>Using event</a:t>
-            </a:r>
-            <a:endParaRPr lang="en-US" dirty="0"/>
-          </a:p>
-          <a:p>
-            <a:r>
-              <a:rPr lang="en-US" dirty="0" smtClean="0"/>
-              <a:t>Using service</a:t>
-            </a:r>
-            <a:endParaRPr lang="en-US" dirty="0"/>
-          </a:p>
-        </p:txBody>
-      </p:sp>
-    </p:spTree>
-    <p:extLst>
-      <p:ext uri="{BB962C8B-B14F-4D97-AF65-F5344CB8AC3E}">
-        <p14:creationId xmlns:p14="http://schemas.microsoft.com/office/powerpoint/2010/main" val="412149181"/>
-      </p:ext>
-    </p:extLst>
-  </p:cSld>
-  <p:clrMapOvr>
-    <a:masterClrMapping/>
-  </p:clrMapOvr>
-  <p:timing>
-    <p:tnLst>
-      <p:par>
-        <p:cTn id="1" dur="indefinite" restart="never" nodeType="tmRoot">
-          <p:childTnLst>
-            <p:seq concurrent="1" nextAc="seek">
-              <p:cTn id="2" dur="indefinite" nodeType="mainSeq">
-                <p:childTnLst>
-                  <p:par>
-                    <p:cTn id="3" fill="hold">
-                      <p:stCondLst>
-                        <p:cond delay="indefinite"/>
-                      </p:stCondLst>
-                      <p:childTnLst>
-                        <p:par>
-                          <p:cTn id="4" fill="hold">
-                            <p:stCondLst>
-                              <p:cond delay="0"/>
-                            </p:stCondLst>
-                            <p:childTnLst>
-                              <p:par>
-                                <p:cTn id="5" presetID="2" presetClass="entr" presetSubtype="4" fill="hold" nodeType="clickEffect">
-                                  <p:stCondLst>
-                                    <p:cond delay="0"/>
-                                  </p:stCondLst>
-                                  <p:childTnLst>
-                                    <p:set>
-                                      <p:cBhvr>
-                                        <p:cTn id="6" dur="1" fill="hold">
-                                          <p:stCondLst>
-                                            <p:cond delay="0"/>
-                                          </p:stCondLst>
-                                        </p:cTn>
-                                        <p:tgtEl>
                                           <p:spTgt spid="3">
                                             <p:txEl>
                                               <p:pRg st="0" end="0"/>
@@ -6570,7 +6425,7 @@
 </p:sld>
 </file>
 
-<file path=ppt/slides/slide16.xml><?xml version="1.0" encoding="utf-8"?>
+<file path=ppt/slides/slide19.xml><?xml version="1.0" encoding="utf-8"?>
 <p:sld xmlns:a="http://schemas.openxmlformats.org/drawingml/2006/main" xmlns:r="http://schemas.openxmlformats.org/officeDocument/2006/relationships" xmlns:p="http://schemas.openxmlformats.org/presentationml/2006/main">
   <p:cSld>
     <p:spTree>
@@ -6790,7 +6645,7 @@
     </p:spTree>
     <p:extLst>
       <p:ext uri="{BB962C8B-B14F-4D97-AF65-F5344CB8AC3E}">
-        <p14:creationId xmlns:p14="http://schemas.microsoft.com/office/powerpoint/2010/main" val="2895118297"/>
+        <p14:creationId xmlns:p14="http://schemas.microsoft.com/office/powerpoint/2010/main" xmlns="" val="2895118297"/>
       </p:ext>
     </p:extLst>
   </p:cSld>
@@ -7289,621 +7144,6 @@
 </p:sld>
 </file>
 
-<file path=ppt/slides/slide17.xml><?xml version="1.0" encoding="utf-8"?>
-<p:sld xmlns:a="http://schemas.openxmlformats.org/drawingml/2006/main" xmlns:r="http://schemas.openxmlformats.org/officeDocument/2006/relationships" xmlns:p="http://schemas.openxmlformats.org/presentationml/2006/main">
-  <p:cSld>
-    <p:spTree>
-      <p:nvGrpSpPr>
-        <p:cNvPr id="1" name=""/>
-        <p:cNvGrpSpPr/>
-        <p:nvPr/>
-      </p:nvGrpSpPr>
-      <p:grpSpPr>
-        <a:xfrm>
-          <a:off x="0" y="0"/>
-          <a:ext cx="0" cy="0"/>
-          <a:chOff x="0" y="0"/>
-          <a:chExt cx="0" cy="0"/>
-        </a:xfrm>
-      </p:grpSpPr>
-      <p:sp>
-        <p:nvSpPr>
-          <p:cNvPr id="2" name="Title 1"/>
-          <p:cNvSpPr>
-            <a:spLocks noGrp="1"/>
-          </p:cNvSpPr>
-          <p:nvPr>
-            <p:ph type="title"/>
-          </p:nvPr>
-        </p:nvSpPr>
-        <p:spPr/>
-        <p:txBody>
-          <a:bodyPr/>
-          <a:lstStyle/>
-          <a:p>
-            <a:r>
-              <a:rPr lang="en-US" dirty="0" smtClean="0"/>
-              <a:t>What is directive (</a:t>
-            </a:r>
-            <a:r>
-              <a:rPr lang="en-US" dirty="0" err="1" smtClean="0"/>
-              <a:t>cont</a:t>
-            </a:r>
-            <a:r>
-              <a:rPr lang="en-US" dirty="0" smtClean="0"/>
-              <a:t>)</a:t>
-            </a:r>
-            <a:endParaRPr lang="en-US" dirty="0"/>
-          </a:p>
-        </p:txBody>
-      </p:sp>
-      <p:pic>
-        <p:nvPicPr>
-          <p:cNvPr id="4" name="Content Placeholder 3"/>
-          <p:cNvPicPr>
-            <a:picLocks noGrp="1" noChangeAspect="1"/>
-          </p:cNvPicPr>
-          <p:nvPr>
-            <p:ph idx="1"/>
-          </p:nvPr>
-        </p:nvPicPr>
-        <p:blipFill>
-          <a:blip r:embed="rId2"/>
-          <a:stretch>
-            <a:fillRect/>
-          </a:stretch>
-        </p:blipFill>
-        <p:spPr>
-          <a:xfrm>
-            <a:off x="1902954" y="1990466"/>
-            <a:ext cx="6563641" cy="3715268"/>
-          </a:xfrm>
-          <a:prstGeom prst="rect">
-            <a:avLst/>
-          </a:prstGeom>
-        </p:spPr>
-      </p:pic>
-    </p:spTree>
-    <p:extLst>
-      <p:ext uri="{BB962C8B-B14F-4D97-AF65-F5344CB8AC3E}">
-        <p14:creationId xmlns:p14="http://schemas.microsoft.com/office/powerpoint/2010/main" val="2587798499"/>
-      </p:ext>
-    </p:extLst>
-  </p:cSld>
-  <p:clrMapOvr>
-    <a:masterClrMapping/>
-  </p:clrMapOvr>
-  <p:timing>
-    <p:tnLst>
-      <p:par>
-        <p:cTn id="1" dur="indefinite" restart="never" nodeType="tmRoot">
-          <p:childTnLst>
-            <p:seq concurrent="1" nextAc="seek">
-              <p:cTn id="2" dur="indefinite" nodeType="mainSeq">
-                <p:childTnLst>
-                  <p:par>
-                    <p:cTn id="3" fill="hold">
-                      <p:stCondLst>
-                        <p:cond delay="indefinite"/>
-                      </p:stCondLst>
-                      <p:childTnLst>
-                        <p:par>
-                          <p:cTn id="4" fill="hold">
-                            <p:stCondLst>
-                              <p:cond delay="0"/>
-                            </p:stCondLst>
-                            <p:childTnLst>
-                              <p:par>
-                                <p:cTn id="5" presetID="2" presetClass="entr" presetSubtype="4" fill="hold" nodeType="clickEffect">
-                                  <p:stCondLst>
-                                    <p:cond delay="0"/>
-                                  </p:stCondLst>
-                                  <p:childTnLst>
-                                    <p:set>
-                                      <p:cBhvr>
-                                        <p:cTn id="6" dur="1" fill="hold">
-                                          <p:stCondLst>
-                                            <p:cond delay="0"/>
-                                          </p:stCondLst>
-                                        </p:cTn>
-                                        <p:tgtEl>
-                                          <p:spTgt spid="4"/>
-                                        </p:tgtEl>
-                                        <p:attrNameLst>
-                                          <p:attrName>style.visibility</p:attrName>
-                                        </p:attrNameLst>
-                                      </p:cBhvr>
-                                      <p:to>
-                                        <p:strVal val="visible"/>
-                                      </p:to>
-                                    </p:set>
-                                    <p:anim calcmode="lin" valueType="num">
-                                      <p:cBhvr additive="base">
-                                        <p:cTn id="7" dur="500" fill="hold"/>
-                                        <p:tgtEl>
-                                          <p:spTgt spid="4"/>
-                                        </p:tgtEl>
-                                        <p:attrNameLst>
-                                          <p:attrName>ppt_x</p:attrName>
-                                        </p:attrNameLst>
-                                      </p:cBhvr>
-                                      <p:tavLst>
-                                        <p:tav tm="0">
-                                          <p:val>
-                                            <p:strVal val="#ppt_x"/>
-                                          </p:val>
-                                        </p:tav>
-                                        <p:tav tm="100000">
-                                          <p:val>
-                                            <p:strVal val="#ppt_x"/>
-                                          </p:val>
-                                        </p:tav>
-                                      </p:tavLst>
-                                    </p:anim>
-                                    <p:anim calcmode="lin" valueType="num">
-                                      <p:cBhvr additive="base">
-                                        <p:cTn id="8" dur="500" fill="hold"/>
-                                        <p:tgtEl>
-                                          <p:spTgt spid="4"/>
-                                        </p:tgtEl>
-                                        <p:attrNameLst>
-                                          <p:attrName>ppt_y</p:attrName>
-                                        </p:attrNameLst>
-                                      </p:cBhvr>
-                                      <p:tavLst>
-                                        <p:tav tm="0">
-                                          <p:val>
-                                            <p:strVal val="1+#ppt_h/2"/>
-                                          </p:val>
-                                        </p:tav>
-                                        <p:tav tm="100000">
-                                          <p:val>
-                                            <p:strVal val="#ppt_y"/>
-                                          </p:val>
-                                        </p:tav>
-                                      </p:tavLst>
-                                    </p:anim>
-                                  </p:childTnLst>
-                                </p:cTn>
-                              </p:par>
-                            </p:childTnLst>
-                          </p:cTn>
-                        </p:par>
-                      </p:childTnLst>
-                    </p:cTn>
-                  </p:par>
-                </p:childTnLst>
-              </p:cTn>
-              <p:prevCondLst>
-                <p:cond evt="onPrev" delay="0">
-                  <p:tgtEl>
-                    <p:sldTgt/>
-                  </p:tgtEl>
-                </p:cond>
-              </p:prevCondLst>
-              <p:nextCondLst>
-                <p:cond evt="onNext" delay="0">
-                  <p:tgtEl>
-                    <p:sldTgt/>
-                  </p:tgtEl>
-                </p:cond>
-              </p:nextCondLst>
-            </p:seq>
-          </p:childTnLst>
-        </p:cTn>
-      </p:par>
-    </p:tnLst>
-  </p:timing>
-</p:sld>
-</file>
-
-<file path=ppt/slides/slide18.xml><?xml version="1.0" encoding="utf-8"?>
-<p:sld xmlns:a="http://schemas.openxmlformats.org/drawingml/2006/main" xmlns:r="http://schemas.openxmlformats.org/officeDocument/2006/relationships" xmlns:p="http://schemas.openxmlformats.org/presentationml/2006/main">
-  <p:cSld>
-    <p:spTree>
-      <p:nvGrpSpPr>
-        <p:cNvPr id="1" name=""/>
-        <p:cNvGrpSpPr/>
-        <p:nvPr/>
-      </p:nvGrpSpPr>
-      <p:grpSpPr>
-        <a:xfrm>
-          <a:off x="0" y="0"/>
-          <a:ext cx="0" cy="0"/>
-          <a:chOff x="0" y="0"/>
-          <a:chExt cx="0" cy="0"/>
-        </a:xfrm>
-      </p:grpSpPr>
-      <p:sp>
-        <p:nvSpPr>
-          <p:cNvPr id="2" name="Title 1"/>
-          <p:cNvSpPr>
-            <a:spLocks noGrp="1"/>
-          </p:cNvSpPr>
-          <p:nvPr>
-            <p:ph type="title"/>
-          </p:nvPr>
-        </p:nvSpPr>
-        <p:spPr/>
-        <p:txBody>
-          <a:bodyPr/>
-          <a:lstStyle/>
-          <a:p>
-            <a:r>
-              <a:rPr lang="en-US" dirty="0" smtClean="0"/>
-              <a:t>When should use Directive?</a:t>
-            </a:r>
-            <a:endParaRPr lang="en-US" dirty="0"/>
-          </a:p>
-        </p:txBody>
-      </p:sp>
-      <p:sp>
-        <p:nvSpPr>
-          <p:cNvPr id="3" name="Content Placeholder 2"/>
-          <p:cNvSpPr>
-            <a:spLocks noGrp="1"/>
-          </p:cNvSpPr>
-          <p:nvPr>
-            <p:ph idx="1"/>
-          </p:nvPr>
-        </p:nvSpPr>
-        <p:spPr/>
-        <p:txBody>
-          <a:bodyPr/>
-          <a:lstStyle/>
-          <a:p>
-            <a:r>
-              <a:rPr lang="en-US" dirty="0" smtClean="0"/>
-              <a:t>Please give your idea!</a:t>
-            </a:r>
-            <a:endParaRPr lang="en-US" dirty="0"/>
-          </a:p>
-        </p:txBody>
-      </p:sp>
-    </p:spTree>
-    <p:extLst>
-      <p:ext uri="{BB962C8B-B14F-4D97-AF65-F5344CB8AC3E}">
-        <p14:creationId xmlns:p14="http://schemas.microsoft.com/office/powerpoint/2010/main" val="101334705"/>
-      </p:ext>
-    </p:extLst>
-  </p:cSld>
-  <p:clrMapOvr>
-    <a:masterClrMapping/>
-  </p:clrMapOvr>
-  <p:timing>
-    <p:tnLst>
-      <p:par>
-        <p:cTn id="1" dur="indefinite" restart="never" nodeType="tmRoot">
-          <p:childTnLst>
-            <p:seq concurrent="1" nextAc="seek">
-              <p:cTn id="2" dur="indefinite" nodeType="mainSeq">
-                <p:childTnLst>
-                  <p:par>
-                    <p:cTn id="3" fill="hold">
-                      <p:stCondLst>
-                        <p:cond delay="indefinite"/>
-                      </p:stCondLst>
-                      <p:childTnLst>
-                        <p:par>
-                          <p:cTn id="4" fill="hold">
-                            <p:stCondLst>
-                              <p:cond delay="0"/>
-                            </p:stCondLst>
-                            <p:childTnLst>
-                              <p:par>
-                                <p:cTn id="5" presetID="2" presetClass="entr" presetSubtype="4" fill="hold" nodeType="clickEffect">
-                                  <p:stCondLst>
-                                    <p:cond delay="0"/>
-                                  </p:stCondLst>
-                                  <p:childTnLst>
-                                    <p:set>
-                                      <p:cBhvr>
-                                        <p:cTn id="6" dur="1" fill="hold">
-                                          <p:stCondLst>
-                                            <p:cond delay="0"/>
-                                          </p:stCondLst>
-                                        </p:cTn>
-                                        <p:tgtEl>
-                                          <p:spTgt spid="3">
-                                            <p:txEl>
-                                              <p:pRg st="0" end="0"/>
-                                            </p:txEl>
-                                          </p:spTgt>
-                                        </p:tgtEl>
-                                        <p:attrNameLst>
-                                          <p:attrName>style.visibility</p:attrName>
-                                        </p:attrNameLst>
-                                      </p:cBhvr>
-                                      <p:to>
-                                        <p:strVal val="visible"/>
-                                      </p:to>
-                                    </p:set>
-                                    <p:anim calcmode="lin" valueType="num">
-                                      <p:cBhvr additive="base">
-                                        <p:cTn id="7" dur="500" fill="hold"/>
-                                        <p:tgtEl>
-                                          <p:spTgt spid="3">
-                                            <p:txEl>
-                                              <p:pRg st="0" end="0"/>
-                                            </p:txEl>
-                                          </p:spTgt>
-                                        </p:tgtEl>
-                                        <p:attrNameLst>
-                                          <p:attrName>ppt_x</p:attrName>
-                                        </p:attrNameLst>
-                                      </p:cBhvr>
-                                      <p:tavLst>
-                                        <p:tav tm="0">
-                                          <p:val>
-                                            <p:strVal val="#ppt_x"/>
-                                          </p:val>
-                                        </p:tav>
-                                        <p:tav tm="100000">
-                                          <p:val>
-                                            <p:strVal val="#ppt_x"/>
-                                          </p:val>
-                                        </p:tav>
-                                      </p:tavLst>
-                                    </p:anim>
-                                    <p:anim calcmode="lin" valueType="num">
-                                      <p:cBhvr additive="base">
-                                        <p:cTn id="8" dur="500" fill="hold"/>
-                                        <p:tgtEl>
-                                          <p:spTgt spid="3">
-                                            <p:txEl>
-                                              <p:pRg st="0" end="0"/>
-                                            </p:txEl>
-                                          </p:spTgt>
-                                        </p:tgtEl>
-                                        <p:attrNameLst>
-                                          <p:attrName>ppt_y</p:attrName>
-                                        </p:attrNameLst>
-                                      </p:cBhvr>
-                                      <p:tavLst>
-                                        <p:tav tm="0">
-                                          <p:val>
-                                            <p:strVal val="1+#ppt_h/2"/>
-                                          </p:val>
-                                        </p:tav>
-                                        <p:tav tm="100000">
-                                          <p:val>
-                                            <p:strVal val="#ppt_y"/>
-                                          </p:val>
-                                        </p:tav>
-                                      </p:tavLst>
-                                    </p:anim>
-                                  </p:childTnLst>
-                                </p:cTn>
-                              </p:par>
-                            </p:childTnLst>
-                          </p:cTn>
-                        </p:par>
-                      </p:childTnLst>
-                    </p:cTn>
-                  </p:par>
-                </p:childTnLst>
-              </p:cTn>
-              <p:prevCondLst>
-                <p:cond evt="onPrev" delay="0">
-                  <p:tgtEl>
-                    <p:sldTgt/>
-                  </p:tgtEl>
-                </p:cond>
-              </p:prevCondLst>
-              <p:nextCondLst>
-                <p:cond evt="onNext" delay="0">
-                  <p:tgtEl>
-                    <p:sldTgt/>
-                  </p:tgtEl>
-                </p:cond>
-              </p:nextCondLst>
-            </p:seq>
-          </p:childTnLst>
-        </p:cTn>
-      </p:par>
-    </p:tnLst>
-  </p:timing>
-</p:sld>
-</file>
-
-<file path=ppt/slides/slide19.xml><?xml version="1.0" encoding="utf-8"?>
-<p:sld xmlns:a="http://schemas.openxmlformats.org/drawingml/2006/main" xmlns:r="http://schemas.openxmlformats.org/officeDocument/2006/relationships" xmlns:p="http://schemas.openxmlformats.org/presentationml/2006/main">
-  <p:cSld>
-    <p:spTree>
-      <p:nvGrpSpPr>
-        <p:cNvPr id="1" name=""/>
-        <p:cNvGrpSpPr/>
-        <p:nvPr/>
-      </p:nvGrpSpPr>
-      <p:grpSpPr>
-        <a:xfrm>
-          <a:off x="0" y="0"/>
-          <a:ext cx="0" cy="0"/>
-          <a:chOff x="0" y="0"/>
-          <a:chExt cx="0" cy="0"/>
-        </a:xfrm>
-      </p:grpSpPr>
-      <p:sp>
-        <p:nvSpPr>
-          <p:cNvPr id="2" name="Title 1"/>
-          <p:cNvSpPr>
-            <a:spLocks noGrp="1"/>
-          </p:cNvSpPr>
-          <p:nvPr>
-            <p:ph type="title"/>
-          </p:nvPr>
-        </p:nvSpPr>
-        <p:spPr/>
-        <p:txBody>
-          <a:bodyPr/>
-          <a:lstStyle/>
-          <a:p>
-            <a:r>
-              <a:rPr lang="en-US" dirty="0" smtClean="0"/>
-              <a:t>Directive: controller vs link</a:t>
-            </a:r>
-            <a:endParaRPr lang="en-US" dirty="0"/>
-          </a:p>
-        </p:txBody>
-      </p:sp>
-      <p:pic>
-        <p:nvPicPr>
-          <p:cNvPr id="4" name="Picture 3"/>
-          <p:cNvPicPr>
-            <a:picLocks noChangeAspect="1"/>
-          </p:cNvPicPr>
-          <p:nvPr/>
-        </p:nvPicPr>
-        <p:blipFill>
-          <a:blip r:embed="rId2"/>
-          <a:stretch>
-            <a:fillRect/>
-          </a:stretch>
-        </p:blipFill>
-        <p:spPr>
-          <a:xfrm>
-            <a:off x="2819400" y="1219200"/>
-            <a:ext cx="2806080" cy="5410699"/>
-          </a:xfrm>
-          <a:prstGeom prst="rect">
-            <a:avLst/>
-          </a:prstGeom>
-        </p:spPr>
-      </p:pic>
-    </p:spTree>
-    <p:extLst>
-      <p:ext uri="{BB962C8B-B14F-4D97-AF65-F5344CB8AC3E}">
-        <p14:creationId xmlns:p14="http://schemas.microsoft.com/office/powerpoint/2010/main" val="2214238930"/>
-      </p:ext>
-    </p:extLst>
-  </p:cSld>
-  <p:clrMapOvr>
-    <a:masterClrMapping/>
-  </p:clrMapOvr>
-  <p:timing>
-    <p:tnLst>
-      <p:par>
-        <p:cTn id="1" dur="indefinite" restart="never" nodeType="tmRoot">
-          <p:childTnLst>
-            <p:seq concurrent="1" nextAc="seek">
-              <p:cTn id="2" dur="indefinite" nodeType="mainSeq">
-                <p:childTnLst>
-                  <p:par>
-                    <p:cTn id="3" fill="hold">
-                      <p:stCondLst>
-                        <p:cond delay="indefinite"/>
-                      </p:stCondLst>
-                      <p:childTnLst>
-                        <p:par>
-                          <p:cTn id="4" fill="hold">
-                            <p:stCondLst>
-                              <p:cond delay="0"/>
-                            </p:stCondLst>
-                            <p:childTnLst>
-                              <p:par>
-                                <p:cTn id="5" presetID="2" presetClass="entr" presetSubtype="4" fill="hold" nodeType="clickEffect">
-                                  <p:stCondLst>
-                                    <p:cond delay="0"/>
-                                  </p:stCondLst>
-                                  <p:childTnLst>
-                                    <p:set>
-                                      <p:cBhvr>
-                                        <p:cTn id="6" dur="1" fill="hold">
-                                          <p:stCondLst>
-                                            <p:cond delay="0"/>
-                                          </p:stCondLst>
-                                        </p:cTn>
-                                        <p:tgtEl>
-                                          <p:spTgt spid="4"/>
-                                        </p:tgtEl>
-                                        <p:attrNameLst>
-                                          <p:attrName>style.visibility</p:attrName>
-                                        </p:attrNameLst>
-                                      </p:cBhvr>
-                                      <p:to>
-                                        <p:strVal val="visible"/>
-                                      </p:to>
-                                    </p:set>
-                                    <p:anim calcmode="lin" valueType="num">
-                                      <p:cBhvr additive="base">
-                                        <p:cTn id="7" dur="500" fill="hold"/>
-                                        <p:tgtEl>
-                                          <p:spTgt spid="4"/>
-                                        </p:tgtEl>
-                                        <p:attrNameLst>
-                                          <p:attrName>ppt_x</p:attrName>
-                                        </p:attrNameLst>
-                                      </p:cBhvr>
-                                      <p:tavLst>
-                                        <p:tav tm="0">
-                                          <p:val>
-                                            <p:strVal val="#ppt_x"/>
-                                          </p:val>
-                                        </p:tav>
-                                        <p:tav tm="100000">
-                                          <p:val>
-                                            <p:strVal val="#ppt_x"/>
-                                          </p:val>
-                                        </p:tav>
-                                      </p:tavLst>
-                                    </p:anim>
-                                    <p:anim calcmode="lin" valueType="num">
-                                      <p:cBhvr additive="base">
-                                        <p:cTn id="8" dur="500" fill="hold"/>
-                                        <p:tgtEl>
-                                          <p:spTgt spid="4"/>
-                                        </p:tgtEl>
-                                        <p:attrNameLst>
-                                          <p:attrName>ppt_y</p:attrName>
-                                        </p:attrNameLst>
-                                      </p:cBhvr>
-                                      <p:tavLst>
-                                        <p:tav tm="0">
-                                          <p:val>
-                                            <p:strVal val="1+#ppt_h/2"/>
-                                          </p:val>
-                                        </p:tav>
-                                        <p:tav tm="100000">
-                                          <p:val>
-                                            <p:strVal val="#ppt_y"/>
-                                          </p:val>
-                                        </p:tav>
-                                      </p:tavLst>
-                                    </p:anim>
-                                  </p:childTnLst>
-                                </p:cTn>
-                              </p:par>
-                            </p:childTnLst>
-                          </p:cTn>
-                        </p:par>
-                      </p:childTnLst>
-                    </p:cTn>
-                  </p:par>
-                </p:childTnLst>
-              </p:cTn>
-              <p:prevCondLst>
-                <p:cond evt="onPrev" delay="0">
-                  <p:tgtEl>
-                    <p:sldTgt/>
-                  </p:tgtEl>
-                </p:cond>
-              </p:prevCondLst>
-              <p:nextCondLst>
-                <p:cond evt="onNext" delay="0">
-                  <p:tgtEl>
-                    <p:sldTgt/>
-                  </p:tgtEl>
-                </p:cond>
-              </p:nextCondLst>
-            </p:seq>
-          </p:childTnLst>
-        </p:cTn>
-      </p:par>
-    </p:tnLst>
-  </p:timing>
-</p:sld>
-</file>
-
 <file path=ppt/slides/slide2.xml><?xml version="1.0" encoding="utf-8"?>
 <p:sld xmlns:a="http://schemas.openxmlformats.org/drawingml/2006/main" xmlns:r="http://schemas.openxmlformats.org/officeDocument/2006/relationships" xmlns:p="http://schemas.openxmlformats.org/presentationml/2006/main">
   <p:cSld>
@@ -7976,7 +7216,7 @@
     </p:spTree>
     <p:extLst>
       <p:ext uri="{BB962C8B-B14F-4D97-AF65-F5344CB8AC3E}">
-        <p14:creationId xmlns:p14="http://schemas.microsoft.com/office/powerpoint/2010/main" val="373635289"/>
+        <p14:creationId xmlns:p14="http://schemas.microsoft.com/office/powerpoint/2010/main" xmlns="" val="373635289"/>
       </p:ext>
     </p:extLst>
   </p:cSld>
@@ -8022,14 +7262,12 @@
         </p:nvSpPr>
         <p:spPr/>
         <p:txBody>
-          <a:bodyPr>
-            <a:normAutofit fontScale="90000"/>
-          </a:bodyPr>
+          <a:bodyPr/>
           <a:lstStyle/>
           <a:p>
             <a:r>
               <a:rPr lang="en-US" dirty="0" smtClean="0"/>
-              <a:t>Directive: controller vs link (</a:t>
+              <a:t>What is directive (</a:t>
             </a:r>
             <a:r>
               <a:rPr lang="en-US" dirty="0" err="1" smtClean="0"/>
@@ -8043,58 +7281,36 @@
           </a:p>
         </p:txBody>
       </p:sp>
-      <p:sp>
-        <p:nvSpPr>
-          <p:cNvPr id="5" name="Content Placeholder 2"/>
-          <p:cNvSpPr>
-            <a:spLocks noGrp="1"/>
-          </p:cNvSpPr>
+      <p:pic>
+        <p:nvPicPr>
+          <p:cNvPr id="4" name="Content Placeholder 3"/>
+          <p:cNvPicPr>
+            <a:picLocks noGrp="1" noChangeAspect="1"/>
+          </p:cNvPicPr>
           <p:nvPr>
             <p:ph idx="1"/>
           </p:nvPr>
-        </p:nvSpPr>
+        </p:nvPicPr>
+        <p:blipFill>
+          <a:blip r:embed="rId2"/>
+          <a:stretch>
+            <a:fillRect/>
+          </a:stretch>
+        </p:blipFill>
         <p:spPr>
           <a:xfrm>
-            <a:off x="1435608" y="1447800"/>
-            <a:ext cx="7498080" cy="4800600"/>
+            <a:off x="1902954" y="1990466"/>
+            <a:ext cx="6563641" cy="3715268"/>
           </a:xfrm>
+          <a:prstGeom prst="rect">
+            <a:avLst/>
+          </a:prstGeom>
         </p:spPr>
-        <p:txBody>
-          <a:bodyPr/>
-          <a:lstStyle/>
-          <a:p>
-            <a:r>
-              <a:rPr lang="en-US" dirty="0" smtClean="0"/>
-              <a:t>Best practice:</a:t>
-            </a:r>
-          </a:p>
-          <a:p>
-            <a:pPr marL="82296" indent="0">
-              <a:buNone/>
-            </a:pPr>
-            <a:r>
-              <a:rPr lang="en-US" dirty="0" smtClean="0">
-                <a:solidFill>
-                  <a:srgbClr val="FF0000"/>
-                </a:solidFill>
-              </a:rPr>
-              <a:t>“Using </a:t>
-            </a:r>
-            <a:r>
-              <a:rPr lang="en-US" dirty="0">
-                <a:solidFill>
-                  <a:srgbClr val="FF0000"/>
-                </a:solidFill>
-              </a:rPr>
-              <a:t>controller when you want to expose an API to other directives. Otherwise use link.”</a:t>
-            </a:r>
-          </a:p>
-        </p:txBody>
-      </p:sp>
+      </p:pic>
     </p:spTree>
     <p:extLst>
       <p:ext uri="{BB962C8B-B14F-4D97-AF65-F5344CB8AC3E}">
-        <p14:creationId xmlns:p14="http://schemas.microsoft.com/office/powerpoint/2010/main" val="1482110633"/>
+        <p14:creationId xmlns:p14="http://schemas.microsoft.com/office/powerpoint/2010/main" xmlns="" val="2587798499"/>
       </p:ext>
     </p:extLst>
   </p:cSld>
@@ -8135,11 +7351,7 @@
                                           </p:stCondLst>
                                         </p:cTn>
                                         <p:tgtEl>
-                                          <p:spTgt spid="5">
-                                            <p:txEl>
-                                              <p:pRg st="0" end="0"/>
-                                            </p:txEl>
-                                          </p:spTgt>
+                                          <p:spTgt spid="4"/>
                                         </p:tgtEl>
                                         <p:attrNameLst>
                                           <p:attrName>style.visibility</p:attrName>
@@ -8153,11 +7365,7 @@
                                       <p:cBhvr additive="base">
                                         <p:cTn id="7" dur="500" fill="hold"/>
                                         <p:tgtEl>
-                                          <p:spTgt spid="5">
-                                            <p:txEl>
-                                              <p:pRg st="0" end="0"/>
-                                            </p:txEl>
-                                          </p:spTgt>
+                                          <p:spTgt spid="4"/>
                                         </p:tgtEl>
                                         <p:attrNameLst>
                                           <p:attrName>ppt_x</p:attrName>
@@ -8180,114 +7388,7 @@
                                       <p:cBhvr additive="base">
                                         <p:cTn id="8" dur="500" fill="hold"/>
                                         <p:tgtEl>
-                                          <p:spTgt spid="5">
-                                            <p:txEl>
-                                              <p:pRg st="0" end="0"/>
-                                            </p:txEl>
-                                          </p:spTgt>
-                                        </p:tgtEl>
-                                        <p:attrNameLst>
-                                          <p:attrName>ppt_y</p:attrName>
-                                        </p:attrNameLst>
-                                      </p:cBhvr>
-                                      <p:tavLst>
-                                        <p:tav tm="0">
-                                          <p:val>
-                                            <p:strVal val="1+#ppt_h/2"/>
-                                          </p:val>
-                                        </p:tav>
-                                        <p:tav tm="100000">
-                                          <p:val>
-                                            <p:strVal val="#ppt_y"/>
-                                          </p:val>
-                                        </p:tav>
-                                      </p:tavLst>
-                                    </p:anim>
-                                  </p:childTnLst>
-                                </p:cTn>
-                              </p:par>
-                            </p:childTnLst>
-                          </p:cTn>
-                        </p:par>
-                      </p:childTnLst>
-                    </p:cTn>
-                  </p:par>
-                  <p:par>
-                    <p:cTn id="9" fill="hold">
-                      <p:stCondLst>
-                        <p:cond delay="indefinite"/>
-                      </p:stCondLst>
-                      <p:childTnLst>
-                        <p:par>
-                          <p:cTn id="10" fill="hold">
-                            <p:stCondLst>
-                              <p:cond delay="0"/>
-                            </p:stCondLst>
-                            <p:childTnLst>
-                              <p:par>
-                                <p:cTn id="11" presetID="2" presetClass="entr" presetSubtype="4" fill="hold" nodeType="clickEffect">
-                                  <p:stCondLst>
-                                    <p:cond delay="0"/>
-                                  </p:stCondLst>
-                                  <p:childTnLst>
-                                    <p:set>
-                                      <p:cBhvr>
-                                        <p:cTn id="12" dur="1" fill="hold">
-                                          <p:stCondLst>
-                                            <p:cond delay="0"/>
-                                          </p:stCondLst>
-                                        </p:cTn>
-                                        <p:tgtEl>
-                                          <p:spTgt spid="5">
-                                            <p:txEl>
-                                              <p:pRg st="1" end="1"/>
-                                            </p:txEl>
-                                          </p:spTgt>
-                                        </p:tgtEl>
-                                        <p:attrNameLst>
-                                          <p:attrName>style.visibility</p:attrName>
-                                        </p:attrNameLst>
-                                      </p:cBhvr>
-                                      <p:to>
-                                        <p:strVal val="visible"/>
-                                      </p:to>
-                                    </p:set>
-                                    <p:anim calcmode="lin" valueType="num">
-                                      <p:cBhvr additive="base">
-                                        <p:cTn id="13" dur="500" fill="hold"/>
-                                        <p:tgtEl>
-                                          <p:spTgt spid="5">
-                                            <p:txEl>
-                                              <p:pRg st="1" end="1"/>
-                                            </p:txEl>
-                                          </p:spTgt>
-                                        </p:tgtEl>
-                                        <p:attrNameLst>
-                                          <p:attrName>ppt_x</p:attrName>
-                                        </p:attrNameLst>
-                                      </p:cBhvr>
-                                      <p:tavLst>
-                                        <p:tav tm="0">
-                                          <p:val>
-                                            <p:strVal val="#ppt_x"/>
-                                          </p:val>
-                                        </p:tav>
-                                        <p:tav tm="100000">
-                                          <p:val>
-                                            <p:strVal val="#ppt_x"/>
-                                          </p:val>
-                                        </p:tav>
-                                      </p:tavLst>
-                                    </p:anim>
-                                    <p:anim calcmode="lin" valueType="num">
-                                      <p:cBhvr additive="base">
-                                        <p:cTn id="14" dur="500" fill="hold"/>
-                                        <p:tgtEl>
-                                          <p:spTgt spid="5">
-                                            <p:txEl>
-                                              <p:pRg st="1" end="1"/>
-                                            </p:txEl>
-                                          </p:spTgt>
+                                          <p:spTgt spid="4"/>
                                         </p:tgtEl>
                                         <p:attrNameLst>
                                           <p:attrName>ppt_y</p:attrName>
@@ -8374,66 +7475,39 @@
           <a:p>
             <a:r>
               <a:rPr lang="en-US" dirty="0" smtClean="0"/>
-              <a:t>Directive: require controller(s)</a:t>
+              <a:t>When should use Directive?</a:t>
             </a:r>
             <a:endParaRPr lang="en-US" dirty="0"/>
           </a:p>
         </p:txBody>
       </p:sp>
-      <p:pic>
-        <p:nvPicPr>
-          <p:cNvPr id="4" name="Content Placeholder 3"/>
-          <p:cNvPicPr>
-            <a:picLocks noGrp="1" noChangeAspect="1"/>
-          </p:cNvPicPr>
+      <p:sp>
+        <p:nvSpPr>
+          <p:cNvPr id="3" name="Content Placeholder 2"/>
+          <p:cNvSpPr>
+            <a:spLocks noGrp="1"/>
+          </p:cNvSpPr>
           <p:nvPr>
             <p:ph idx="1"/>
           </p:nvPr>
-        </p:nvPicPr>
-        <p:blipFill>
-          <a:blip r:embed="rId2"/>
-          <a:stretch>
-            <a:fillRect/>
-          </a:stretch>
-        </p:blipFill>
-        <p:spPr>
-          <a:xfrm>
-            <a:off x="3581400" y="1524000"/>
-            <a:ext cx="2638793" cy="1457528"/>
-          </a:xfrm>
-          <a:prstGeom prst="rect">
-            <a:avLst/>
-          </a:prstGeom>
-        </p:spPr>
-      </p:pic>
-      <p:pic>
-        <p:nvPicPr>
-          <p:cNvPr id="5" name="Picture 4"/>
-          <p:cNvPicPr>
-            <a:picLocks noChangeAspect="1"/>
-          </p:cNvPicPr>
-          <p:nvPr/>
-        </p:nvPicPr>
-        <p:blipFill>
-          <a:blip r:embed="rId3"/>
-          <a:stretch>
-            <a:fillRect/>
-          </a:stretch>
-        </p:blipFill>
-        <p:spPr>
-          <a:xfrm>
-            <a:off x="3048000" y="3200400"/>
-            <a:ext cx="3600953" cy="2514951"/>
-          </a:xfrm>
-          <a:prstGeom prst="rect">
-            <a:avLst/>
-          </a:prstGeom>
-        </p:spPr>
-      </p:pic>
+        </p:nvSpPr>
+        <p:spPr/>
+        <p:txBody>
+          <a:bodyPr/>
+          <a:lstStyle/>
+          <a:p>
+            <a:r>
+              <a:rPr lang="en-US" dirty="0" smtClean="0"/>
+              <a:t>Please give your idea!</a:t>
+            </a:r>
+            <a:endParaRPr lang="en-US" dirty="0"/>
+          </a:p>
+        </p:txBody>
+      </p:sp>
     </p:spTree>
     <p:extLst>
       <p:ext uri="{BB962C8B-B14F-4D97-AF65-F5344CB8AC3E}">
-        <p14:creationId xmlns:p14="http://schemas.microsoft.com/office/powerpoint/2010/main" val="3957105637"/>
+        <p14:creationId xmlns:p14="http://schemas.microsoft.com/office/powerpoint/2010/main" xmlns="" val="101334705"/>
       </p:ext>
     </p:extLst>
   </p:cSld>
@@ -8474,7 +7548,11 @@
                                           </p:stCondLst>
                                         </p:cTn>
                                         <p:tgtEl>
-                                          <p:spTgt spid="4"/>
+                                          <p:spTgt spid="3">
+                                            <p:txEl>
+                                              <p:pRg st="0" end="0"/>
+                                            </p:txEl>
+                                          </p:spTgt>
                                         </p:tgtEl>
                                         <p:attrNameLst>
                                           <p:attrName>style.visibility</p:attrName>
@@ -8488,7 +7566,11 @@
                                       <p:cBhvr additive="base">
                                         <p:cTn id="7" dur="500" fill="hold"/>
                                         <p:tgtEl>
-                                          <p:spTgt spid="4"/>
+                                          <p:spTgt spid="3">
+                                            <p:txEl>
+                                              <p:pRg st="0" end="0"/>
+                                            </p:txEl>
+                                          </p:spTgt>
                                         </p:tgtEl>
                                         <p:attrNameLst>
                                           <p:attrName>ppt_x</p:attrName>
@@ -8511,98 +7593,11 @@
                                       <p:cBhvr additive="base">
                                         <p:cTn id="8" dur="500" fill="hold"/>
                                         <p:tgtEl>
-                                          <p:spTgt spid="4"/>
-                                        </p:tgtEl>
-                                        <p:attrNameLst>
-                                          <p:attrName>ppt_y</p:attrName>
-                                        </p:attrNameLst>
-                                      </p:cBhvr>
-                                      <p:tavLst>
-                                        <p:tav tm="0">
-                                          <p:val>
-                                            <p:strVal val="1+#ppt_h/2"/>
-                                          </p:val>
-                                        </p:tav>
-                                        <p:tav tm="100000">
-                                          <p:val>
-                                            <p:strVal val="#ppt_y"/>
-                                          </p:val>
-                                        </p:tav>
-                                      </p:tavLst>
-                                    </p:anim>
-                                  </p:childTnLst>
-                                </p:cTn>
-                              </p:par>
-                            </p:childTnLst>
-                          </p:cTn>
-                        </p:par>
-                      </p:childTnLst>
-                    </p:cTn>
-                  </p:par>
-                  <p:par>
-                    <p:cTn id="9" fill="hold">
-                      <p:stCondLst>
-                        <p:cond delay="indefinite"/>
-                      </p:stCondLst>
-                      <p:childTnLst>
-                        <p:par>
-                          <p:cTn id="10" fill="hold">
-                            <p:stCondLst>
-                              <p:cond delay="0"/>
-                            </p:stCondLst>
-                            <p:childTnLst>
-                              <p:par>
-                                <p:cTn id="11" presetID="2" presetClass="entr" presetSubtype="4" fill="hold" nodeType="clickEffect">
-                                  <p:stCondLst>
-                                    <p:cond delay="0"/>
-                                  </p:stCondLst>
-                                  <p:childTnLst>
-                                    <p:set>
-                                      <p:cBhvr>
-                                        <p:cTn id="12" dur="1" fill="hold">
-                                          <p:stCondLst>
-                                            <p:cond delay="0"/>
-                                          </p:stCondLst>
-                                        </p:cTn>
-                                        <p:tgtEl>
-                                          <p:spTgt spid="5"/>
-                                        </p:tgtEl>
-                                        <p:attrNameLst>
-                                          <p:attrName>style.visibility</p:attrName>
-                                        </p:attrNameLst>
-                                      </p:cBhvr>
-                                      <p:to>
-                                        <p:strVal val="visible"/>
-                                      </p:to>
-                                    </p:set>
-                                    <p:anim calcmode="lin" valueType="num">
-                                      <p:cBhvr additive="base">
-                                        <p:cTn id="13" dur="500" fill="hold"/>
-                                        <p:tgtEl>
-                                          <p:spTgt spid="5"/>
-                                        </p:tgtEl>
-                                        <p:attrNameLst>
-                                          <p:attrName>ppt_x</p:attrName>
-                                        </p:attrNameLst>
-                                      </p:cBhvr>
-                                      <p:tavLst>
-                                        <p:tav tm="0">
-                                          <p:val>
-                                            <p:strVal val="#ppt_x"/>
-                                          </p:val>
-                                        </p:tav>
-                                        <p:tav tm="100000">
-                                          <p:val>
-                                            <p:strVal val="#ppt_x"/>
-                                          </p:val>
-                                        </p:tav>
-                                      </p:tavLst>
-                                    </p:anim>
-                                    <p:anim calcmode="lin" valueType="num">
-                                      <p:cBhvr additive="base">
-                                        <p:cTn id="14" dur="500" fill="hold"/>
-                                        <p:tgtEl>
-                                          <p:spTgt spid="5"/>
+                                          <p:spTgt spid="3">
+                                            <p:txEl>
+                                              <p:pRg st="0" end="0"/>
+                                            </p:txEl>
+                                          </p:spTgt>
                                         </p:tgtEl>
                                         <p:attrNameLst>
                                           <p:attrName>ppt_y</p:attrName>
@@ -8684,22 +7679,12 @@
         </p:nvSpPr>
         <p:spPr/>
         <p:txBody>
-          <a:bodyPr>
-            <a:normAutofit fontScale="90000"/>
-          </a:bodyPr>
+          <a:bodyPr/>
           <a:lstStyle/>
           <a:p>
             <a:r>
               <a:rPr lang="en-US" dirty="0" smtClean="0"/>
-              <a:t>Directive: require controller (</a:t>
-            </a:r>
-            <a:r>
-              <a:rPr lang="en-US" dirty="0" err="1" smtClean="0"/>
-              <a:t>cont</a:t>
-            </a:r>
-            <a:r>
-              <a:rPr lang="en-US" dirty="0" smtClean="0"/>
-              <a:t>)</a:t>
+              <a:t>Directive: controller vs link</a:t>
             </a:r>
             <a:endParaRPr lang="en-US" dirty="0"/>
           </a:p>
@@ -8707,7 +7692,7 @@
       </p:sp>
       <p:pic>
         <p:nvPicPr>
-          <p:cNvPr id="6" name="Picture 5"/>
+          <p:cNvPr id="4" name="Picture 3"/>
           <p:cNvPicPr>
             <a:picLocks noChangeAspect="1"/>
           </p:cNvPicPr>
@@ -8721,153 +7706,18 @@
         </p:blipFill>
         <p:spPr>
           <a:xfrm>
-            <a:off x="1435608" y="1600200"/>
-            <a:ext cx="3829584" cy="3258005"/>
+            <a:off x="2819400" y="1219200"/>
+            <a:ext cx="2806080" cy="5410699"/>
           </a:xfrm>
           <a:prstGeom prst="rect">
             <a:avLst/>
           </a:prstGeom>
         </p:spPr>
       </p:pic>
-      <p:sp>
-        <p:nvSpPr>
-          <p:cNvPr id="7" name="Rectangle 6"/>
-          <p:cNvSpPr/>
-          <p:nvPr/>
-        </p:nvSpPr>
-        <p:spPr>
-          <a:xfrm>
-            <a:off x="1435608" y="4953000"/>
-            <a:ext cx="7498080" cy="1752600"/>
-          </a:xfrm>
-          <a:prstGeom prst="rect">
-            <a:avLst/>
-          </a:prstGeom>
-        </p:spPr>
-        <p:style>
-          <a:lnRef idx="2">
-            <a:schemeClr val="accent1">
-              <a:shade val="50000"/>
-            </a:schemeClr>
-          </a:lnRef>
-          <a:fillRef idx="1">
-            <a:schemeClr val="accent1"/>
-          </a:fillRef>
-          <a:effectRef idx="0">
-            <a:schemeClr val="accent1"/>
-          </a:effectRef>
-          <a:fontRef idx="minor">
-            <a:schemeClr val="lt1"/>
-          </a:fontRef>
-        </p:style>
-        <p:txBody>
-          <a:bodyPr rtlCol="0" anchor="ctr"/>
-          <a:lstStyle/>
-          <a:p>
-            <a:r>
-              <a:rPr lang="en-US" sz="1600" dirty="0"/>
-              <a:t>- require: '</a:t>
-            </a:r>
-            <a:r>
-              <a:rPr lang="en-US" sz="1600" dirty="0" err="1"/>
-              <a:t>nameOfSiblingController</a:t>
-            </a:r>
-            <a:r>
-              <a:rPr lang="en-US" sz="1600" dirty="0"/>
-              <a:t>'</a:t>
-            </a:r>
-          </a:p>
-          <a:p>
-            <a:r>
-              <a:rPr lang="en-US" sz="1600" dirty="0"/>
-              <a:t>- require: '^</a:t>
-            </a:r>
-            <a:r>
-              <a:rPr lang="en-US" sz="1600" dirty="0" err="1"/>
-              <a:t>nameOfParentController</a:t>
-            </a:r>
-            <a:r>
-              <a:rPr lang="en-US" sz="1600" dirty="0"/>
-              <a:t>'</a:t>
-            </a:r>
-          </a:p>
-          <a:p>
-            <a:r>
-              <a:rPr lang="en-US" sz="1600" dirty="0"/>
-              <a:t>- require: ['</a:t>
-            </a:r>
-            <a:r>
-              <a:rPr lang="en-US" sz="1600" dirty="0" err="1"/>
-              <a:t>nameOfSiblingController</a:t>
-            </a:r>
-            <a:r>
-              <a:rPr lang="en-US" sz="1600" dirty="0"/>
-              <a:t>', '^</a:t>
-            </a:r>
-            <a:r>
-              <a:rPr lang="en-US" sz="1600" dirty="0" err="1"/>
-              <a:t>nameOfParentController</a:t>
-            </a:r>
-            <a:r>
-              <a:rPr lang="en-US" sz="1600" dirty="0"/>
-              <a:t>'] ==&gt; multiple controllers</a:t>
-            </a:r>
-          </a:p>
-          <a:p>
-            <a:r>
-              <a:rPr lang="en-US" sz="1600" dirty="0"/>
-              <a:t>- require: '?</a:t>
-            </a:r>
-            <a:r>
-              <a:rPr lang="en-US" sz="1600" dirty="0" err="1"/>
-              <a:t>nameOfController</a:t>
-            </a:r>
-            <a:r>
-              <a:rPr lang="en-US" sz="1600" dirty="0"/>
-              <a:t>' ==&gt; return null when can not find </a:t>
-            </a:r>
-            <a:r>
-              <a:rPr lang="en-US" sz="1600" dirty="0" err="1"/>
-              <a:t>nameOfController</a:t>
-            </a:r>
-            <a:r>
-              <a:rPr lang="en-US" sz="1600" dirty="0"/>
-              <a:t> instead of throw error.</a:t>
-            </a:r>
-          </a:p>
-          <a:p>
-            <a:r>
-              <a:rPr lang="en-US" sz="1600" dirty="0"/>
-              <a:t>- require: '</a:t>
-            </a:r>
-            <a:r>
-              <a:rPr lang="en-US" sz="1600" dirty="0" err="1"/>
-              <a:t>nameOfDirective</a:t>
-            </a:r>
-            <a:r>
-              <a:rPr lang="en-US" sz="1600" dirty="0"/>
-              <a:t>' ==&gt; Using when </a:t>
-            </a:r>
-            <a:r>
-              <a:rPr lang="en-US" sz="1600" dirty="0" err="1"/>
-              <a:t>nameOfDirective</a:t>
-            </a:r>
-            <a:r>
-              <a:rPr lang="en-US" sz="1600" dirty="0"/>
-              <a:t> use inner </a:t>
-            </a:r>
-            <a:r>
-              <a:rPr lang="en-US" sz="1600" dirty="0" smtClean="0"/>
-              <a:t>controller</a:t>
-            </a:r>
-            <a:endParaRPr lang="en-US" sz="1600" dirty="0"/>
-          </a:p>
-        </p:txBody>
-      </p:sp>
     </p:spTree>
     <p:extLst>
       <p:ext uri="{BB962C8B-B14F-4D97-AF65-F5344CB8AC3E}">
-        <p14:creationId xmlns:p14="http://schemas.microsoft.com/office/powerpoint/2010/main" val="5624288"/>
+        <p14:creationId xmlns:p14="http://schemas.microsoft.com/office/powerpoint/2010/main" xmlns="" val="2214238930"/>
       </p:ext>
     </p:extLst>
   </p:cSld>
@@ -8908,7 +7758,7 @@
                                           </p:stCondLst>
                                         </p:cTn>
                                         <p:tgtEl>
-                                          <p:spTgt spid="6"/>
+                                          <p:spTgt spid="4"/>
                                         </p:tgtEl>
                                         <p:attrNameLst>
                                           <p:attrName>style.visibility</p:attrName>
@@ -8922,7 +7772,7 @@
                                       <p:cBhvr additive="base">
                                         <p:cTn id="7" dur="500" fill="hold"/>
                                         <p:tgtEl>
-                                          <p:spTgt spid="6"/>
+                                          <p:spTgt spid="4"/>
                                         </p:tgtEl>
                                         <p:attrNameLst>
                                           <p:attrName>ppt_x</p:attrName>
@@ -8945,522 +7795,7 @@
                                       <p:cBhvr additive="base">
                                         <p:cTn id="8" dur="500" fill="hold"/>
                                         <p:tgtEl>
-                                          <p:spTgt spid="6"/>
-                                        </p:tgtEl>
-                                        <p:attrNameLst>
-                                          <p:attrName>ppt_y</p:attrName>
-                                        </p:attrNameLst>
-                                      </p:cBhvr>
-                                      <p:tavLst>
-                                        <p:tav tm="0">
-                                          <p:val>
-                                            <p:strVal val="1+#ppt_h/2"/>
-                                          </p:val>
-                                        </p:tav>
-                                        <p:tav tm="100000">
-                                          <p:val>
-                                            <p:strVal val="#ppt_y"/>
-                                          </p:val>
-                                        </p:tav>
-                                      </p:tavLst>
-                                    </p:anim>
-                                  </p:childTnLst>
-                                </p:cTn>
-                              </p:par>
-                            </p:childTnLst>
-                          </p:cTn>
-                        </p:par>
-                      </p:childTnLst>
-                    </p:cTn>
-                  </p:par>
-                  <p:par>
-                    <p:cTn id="9" fill="hold">
-                      <p:stCondLst>
-                        <p:cond delay="indefinite"/>
-                      </p:stCondLst>
-                      <p:childTnLst>
-                        <p:par>
-                          <p:cTn id="10" fill="hold">
-                            <p:stCondLst>
-                              <p:cond delay="0"/>
-                            </p:stCondLst>
-                            <p:childTnLst>
-                              <p:par>
-                                <p:cTn id="11" presetID="2" presetClass="entr" presetSubtype="4" fill="hold" nodeType="clickEffect">
-                                  <p:stCondLst>
-                                    <p:cond delay="0"/>
-                                  </p:stCondLst>
-                                  <p:childTnLst>
-                                    <p:set>
-                                      <p:cBhvr>
-                                        <p:cTn id="12" dur="1" fill="hold">
-                                          <p:stCondLst>
-                                            <p:cond delay="0"/>
-                                          </p:stCondLst>
-                                        </p:cTn>
-                                        <p:tgtEl>
-                                          <p:spTgt spid="7">
-                                            <p:txEl>
-                                              <p:pRg st="0" end="0"/>
-                                            </p:txEl>
-                                          </p:spTgt>
-                                        </p:tgtEl>
-                                        <p:attrNameLst>
-                                          <p:attrName>style.visibility</p:attrName>
-                                        </p:attrNameLst>
-                                      </p:cBhvr>
-                                      <p:to>
-                                        <p:strVal val="visible"/>
-                                      </p:to>
-                                    </p:set>
-                                    <p:anim calcmode="lin" valueType="num">
-                                      <p:cBhvr additive="base">
-                                        <p:cTn id="13" dur="500" fill="hold"/>
-                                        <p:tgtEl>
-                                          <p:spTgt spid="7">
-                                            <p:txEl>
-                                              <p:pRg st="0" end="0"/>
-                                            </p:txEl>
-                                          </p:spTgt>
-                                        </p:tgtEl>
-                                        <p:attrNameLst>
-                                          <p:attrName>ppt_x</p:attrName>
-                                        </p:attrNameLst>
-                                      </p:cBhvr>
-                                      <p:tavLst>
-                                        <p:tav tm="0">
-                                          <p:val>
-                                            <p:strVal val="#ppt_x"/>
-                                          </p:val>
-                                        </p:tav>
-                                        <p:tav tm="100000">
-                                          <p:val>
-                                            <p:strVal val="#ppt_x"/>
-                                          </p:val>
-                                        </p:tav>
-                                      </p:tavLst>
-                                    </p:anim>
-                                    <p:anim calcmode="lin" valueType="num">
-                                      <p:cBhvr additive="base">
-                                        <p:cTn id="14" dur="500" fill="hold"/>
-                                        <p:tgtEl>
-                                          <p:spTgt spid="7">
-                                            <p:txEl>
-                                              <p:pRg st="0" end="0"/>
-                                            </p:txEl>
-                                          </p:spTgt>
-                                        </p:tgtEl>
-                                        <p:attrNameLst>
-                                          <p:attrName>ppt_y</p:attrName>
-                                        </p:attrNameLst>
-                                      </p:cBhvr>
-                                      <p:tavLst>
-                                        <p:tav tm="0">
-                                          <p:val>
-                                            <p:strVal val="1+#ppt_h/2"/>
-                                          </p:val>
-                                        </p:tav>
-                                        <p:tav tm="100000">
-                                          <p:val>
-                                            <p:strVal val="#ppt_y"/>
-                                          </p:val>
-                                        </p:tav>
-                                      </p:tavLst>
-                                    </p:anim>
-                                  </p:childTnLst>
-                                </p:cTn>
-                              </p:par>
-                            </p:childTnLst>
-                          </p:cTn>
-                        </p:par>
-                      </p:childTnLst>
-                    </p:cTn>
-                  </p:par>
-                  <p:par>
-                    <p:cTn id="15" fill="hold">
-                      <p:stCondLst>
-                        <p:cond delay="indefinite"/>
-                      </p:stCondLst>
-                      <p:childTnLst>
-                        <p:par>
-                          <p:cTn id="16" fill="hold">
-                            <p:stCondLst>
-                              <p:cond delay="0"/>
-                            </p:stCondLst>
-                            <p:childTnLst>
-                              <p:par>
-                                <p:cTn id="17" presetID="2" presetClass="entr" presetSubtype="4" fill="hold" nodeType="clickEffect">
-                                  <p:stCondLst>
-                                    <p:cond delay="0"/>
-                                  </p:stCondLst>
-                                  <p:childTnLst>
-                                    <p:set>
-                                      <p:cBhvr>
-                                        <p:cTn id="18" dur="1" fill="hold">
-                                          <p:stCondLst>
-                                            <p:cond delay="0"/>
-                                          </p:stCondLst>
-                                        </p:cTn>
-                                        <p:tgtEl>
-                                          <p:spTgt spid="7">
-                                            <p:txEl>
-                                              <p:pRg st="1" end="1"/>
-                                            </p:txEl>
-                                          </p:spTgt>
-                                        </p:tgtEl>
-                                        <p:attrNameLst>
-                                          <p:attrName>style.visibility</p:attrName>
-                                        </p:attrNameLst>
-                                      </p:cBhvr>
-                                      <p:to>
-                                        <p:strVal val="visible"/>
-                                      </p:to>
-                                    </p:set>
-                                    <p:anim calcmode="lin" valueType="num">
-                                      <p:cBhvr additive="base">
-                                        <p:cTn id="19" dur="500" fill="hold"/>
-                                        <p:tgtEl>
-                                          <p:spTgt spid="7">
-                                            <p:txEl>
-                                              <p:pRg st="1" end="1"/>
-                                            </p:txEl>
-                                          </p:spTgt>
-                                        </p:tgtEl>
-                                        <p:attrNameLst>
-                                          <p:attrName>ppt_x</p:attrName>
-                                        </p:attrNameLst>
-                                      </p:cBhvr>
-                                      <p:tavLst>
-                                        <p:tav tm="0">
-                                          <p:val>
-                                            <p:strVal val="#ppt_x"/>
-                                          </p:val>
-                                        </p:tav>
-                                        <p:tav tm="100000">
-                                          <p:val>
-                                            <p:strVal val="#ppt_x"/>
-                                          </p:val>
-                                        </p:tav>
-                                      </p:tavLst>
-                                    </p:anim>
-                                    <p:anim calcmode="lin" valueType="num">
-                                      <p:cBhvr additive="base">
-                                        <p:cTn id="20" dur="500" fill="hold"/>
-                                        <p:tgtEl>
-                                          <p:spTgt spid="7">
-                                            <p:txEl>
-                                              <p:pRg st="1" end="1"/>
-                                            </p:txEl>
-                                          </p:spTgt>
-                                        </p:tgtEl>
-                                        <p:attrNameLst>
-                                          <p:attrName>ppt_y</p:attrName>
-                                        </p:attrNameLst>
-                                      </p:cBhvr>
-                                      <p:tavLst>
-                                        <p:tav tm="0">
-                                          <p:val>
-                                            <p:strVal val="1+#ppt_h/2"/>
-                                          </p:val>
-                                        </p:tav>
-                                        <p:tav tm="100000">
-                                          <p:val>
-                                            <p:strVal val="#ppt_y"/>
-                                          </p:val>
-                                        </p:tav>
-                                      </p:tavLst>
-                                    </p:anim>
-                                  </p:childTnLst>
-                                </p:cTn>
-                              </p:par>
-                            </p:childTnLst>
-                          </p:cTn>
-                        </p:par>
-                      </p:childTnLst>
-                    </p:cTn>
-                  </p:par>
-                  <p:par>
-                    <p:cTn id="21" fill="hold">
-                      <p:stCondLst>
-                        <p:cond delay="indefinite"/>
-                      </p:stCondLst>
-                      <p:childTnLst>
-                        <p:par>
-                          <p:cTn id="22" fill="hold">
-                            <p:stCondLst>
-                              <p:cond delay="0"/>
-                            </p:stCondLst>
-                            <p:childTnLst>
-                              <p:par>
-                                <p:cTn id="23" presetID="2" presetClass="entr" presetSubtype="4" fill="hold" nodeType="clickEffect">
-                                  <p:stCondLst>
-                                    <p:cond delay="0"/>
-                                  </p:stCondLst>
-                                  <p:childTnLst>
-                                    <p:set>
-                                      <p:cBhvr>
-                                        <p:cTn id="24" dur="1" fill="hold">
-                                          <p:stCondLst>
-                                            <p:cond delay="0"/>
-                                          </p:stCondLst>
-                                        </p:cTn>
-                                        <p:tgtEl>
-                                          <p:spTgt spid="7">
-                                            <p:txEl>
-                                              <p:pRg st="2" end="2"/>
-                                            </p:txEl>
-                                          </p:spTgt>
-                                        </p:tgtEl>
-                                        <p:attrNameLst>
-                                          <p:attrName>style.visibility</p:attrName>
-                                        </p:attrNameLst>
-                                      </p:cBhvr>
-                                      <p:to>
-                                        <p:strVal val="visible"/>
-                                      </p:to>
-                                    </p:set>
-                                    <p:anim calcmode="lin" valueType="num">
-                                      <p:cBhvr additive="base">
-                                        <p:cTn id="25" dur="500" fill="hold"/>
-                                        <p:tgtEl>
-                                          <p:spTgt spid="7">
-                                            <p:txEl>
-                                              <p:pRg st="2" end="2"/>
-                                            </p:txEl>
-                                          </p:spTgt>
-                                        </p:tgtEl>
-                                        <p:attrNameLst>
-                                          <p:attrName>ppt_x</p:attrName>
-                                        </p:attrNameLst>
-                                      </p:cBhvr>
-                                      <p:tavLst>
-                                        <p:tav tm="0">
-                                          <p:val>
-                                            <p:strVal val="#ppt_x"/>
-                                          </p:val>
-                                        </p:tav>
-                                        <p:tav tm="100000">
-                                          <p:val>
-                                            <p:strVal val="#ppt_x"/>
-                                          </p:val>
-                                        </p:tav>
-                                      </p:tavLst>
-                                    </p:anim>
-                                    <p:anim calcmode="lin" valueType="num">
-                                      <p:cBhvr additive="base">
-                                        <p:cTn id="26" dur="500" fill="hold"/>
-                                        <p:tgtEl>
-                                          <p:spTgt spid="7">
-                                            <p:txEl>
-                                              <p:pRg st="2" end="2"/>
-                                            </p:txEl>
-                                          </p:spTgt>
-                                        </p:tgtEl>
-                                        <p:attrNameLst>
-                                          <p:attrName>ppt_y</p:attrName>
-                                        </p:attrNameLst>
-                                      </p:cBhvr>
-                                      <p:tavLst>
-                                        <p:tav tm="0">
-                                          <p:val>
-                                            <p:strVal val="1+#ppt_h/2"/>
-                                          </p:val>
-                                        </p:tav>
-                                        <p:tav tm="100000">
-                                          <p:val>
-                                            <p:strVal val="#ppt_y"/>
-                                          </p:val>
-                                        </p:tav>
-                                      </p:tavLst>
-                                    </p:anim>
-                                  </p:childTnLst>
-                                </p:cTn>
-                              </p:par>
-                            </p:childTnLst>
-                          </p:cTn>
-                        </p:par>
-                      </p:childTnLst>
-                    </p:cTn>
-                  </p:par>
-                  <p:par>
-                    <p:cTn id="27" fill="hold">
-                      <p:stCondLst>
-                        <p:cond delay="indefinite"/>
-                      </p:stCondLst>
-                      <p:childTnLst>
-                        <p:par>
-                          <p:cTn id="28" fill="hold">
-                            <p:stCondLst>
-                              <p:cond delay="0"/>
-                            </p:stCondLst>
-                            <p:childTnLst>
-                              <p:par>
-                                <p:cTn id="29" presetID="2" presetClass="entr" presetSubtype="4" fill="hold" nodeType="clickEffect">
-                                  <p:stCondLst>
-                                    <p:cond delay="0"/>
-                                  </p:stCondLst>
-                                  <p:childTnLst>
-                                    <p:set>
-                                      <p:cBhvr>
-                                        <p:cTn id="30" dur="1" fill="hold">
-                                          <p:stCondLst>
-                                            <p:cond delay="0"/>
-                                          </p:stCondLst>
-                                        </p:cTn>
-                                        <p:tgtEl>
-                                          <p:spTgt spid="7">
-                                            <p:txEl>
-                                              <p:pRg st="3" end="3"/>
-                                            </p:txEl>
-                                          </p:spTgt>
-                                        </p:tgtEl>
-                                        <p:attrNameLst>
-                                          <p:attrName>style.visibility</p:attrName>
-                                        </p:attrNameLst>
-                                      </p:cBhvr>
-                                      <p:to>
-                                        <p:strVal val="visible"/>
-                                      </p:to>
-                                    </p:set>
-                                    <p:anim calcmode="lin" valueType="num">
-                                      <p:cBhvr additive="base">
-                                        <p:cTn id="31" dur="500" fill="hold"/>
-                                        <p:tgtEl>
-                                          <p:spTgt spid="7">
-                                            <p:txEl>
-                                              <p:pRg st="3" end="3"/>
-                                            </p:txEl>
-                                          </p:spTgt>
-                                        </p:tgtEl>
-                                        <p:attrNameLst>
-                                          <p:attrName>ppt_x</p:attrName>
-                                        </p:attrNameLst>
-                                      </p:cBhvr>
-                                      <p:tavLst>
-                                        <p:tav tm="0">
-                                          <p:val>
-                                            <p:strVal val="#ppt_x"/>
-                                          </p:val>
-                                        </p:tav>
-                                        <p:tav tm="100000">
-                                          <p:val>
-                                            <p:strVal val="#ppt_x"/>
-                                          </p:val>
-                                        </p:tav>
-                                      </p:tavLst>
-                                    </p:anim>
-                                    <p:anim calcmode="lin" valueType="num">
-                                      <p:cBhvr additive="base">
-                                        <p:cTn id="32" dur="500" fill="hold"/>
-                                        <p:tgtEl>
-                                          <p:spTgt spid="7">
-                                            <p:txEl>
-                                              <p:pRg st="3" end="3"/>
-                                            </p:txEl>
-                                          </p:spTgt>
-                                        </p:tgtEl>
-                                        <p:attrNameLst>
-                                          <p:attrName>ppt_y</p:attrName>
-                                        </p:attrNameLst>
-                                      </p:cBhvr>
-                                      <p:tavLst>
-                                        <p:tav tm="0">
-                                          <p:val>
-                                            <p:strVal val="1+#ppt_h/2"/>
-                                          </p:val>
-                                        </p:tav>
-                                        <p:tav tm="100000">
-                                          <p:val>
-                                            <p:strVal val="#ppt_y"/>
-                                          </p:val>
-                                        </p:tav>
-                                      </p:tavLst>
-                                    </p:anim>
-                                  </p:childTnLst>
-                                </p:cTn>
-                              </p:par>
-                            </p:childTnLst>
-                          </p:cTn>
-                        </p:par>
-                      </p:childTnLst>
-                    </p:cTn>
-                  </p:par>
-                  <p:par>
-                    <p:cTn id="33" fill="hold">
-                      <p:stCondLst>
-                        <p:cond delay="indefinite"/>
-                      </p:stCondLst>
-                      <p:childTnLst>
-                        <p:par>
-                          <p:cTn id="34" fill="hold">
-                            <p:stCondLst>
-                              <p:cond delay="0"/>
-                            </p:stCondLst>
-                            <p:childTnLst>
-                              <p:par>
-                                <p:cTn id="35" presetID="2" presetClass="entr" presetSubtype="4" fill="hold" nodeType="clickEffect">
-                                  <p:stCondLst>
-                                    <p:cond delay="0"/>
-                                  </p:stCondLst>
-                                  <p:childTnLst>
-                                    <p:set>
-                                      <p:cBhvr>
-                                        <p:cTn id="36" dur="1" fill="hold">
-                                          <p:stCondLst>
-                                            <p:cond delay="0"/>
-                                          </p:stCondLst>
-                                        </p:cTn>
-                                        <p:tgtEl>
-                                          <p:spTgt spid="7">
-                                            <p:txEl>
-                                              <p:pRg st="4" end="4"/>
-                                            </p:txEl>
-                                          </p:spTgt>
-                                        </p:tgtEl>
-                                        <p:attrNameLst>
-                                          <p:attrName>style.visibility</p:attrName>
-                                        </p:attrNameLst>
-                                      </p:cBhvr>
-                                      <p:to>
-                                        <p:strVal val="visible"/>
-                                      </p:to>
-                                    </p:set>
-                                    <p:anim calcmode="lin" valueType="num">
-                                      <p:cBhvr additive="base">
-                                        <p:cTn id="37" dur="500" fill="hold"/>
-                                        <p:tgtEl>
-                                          <p:spTgt spid="7">
-                                            <p:txEl>
-                                              <p:pRg st="4" end="4"/>
-                                            </p:txEl>
-                                          </p:spTgt>
-                                        </p:tgtEl>
-                                        <p:attrNameLst>
-                                          <p:attrName>ppt_x</p:attrName>
-                                        </p:attrNameLst>
-                                      </p:cBhvr>
-                                      <p:tavLst>
-                                        <p:tav tm="0">
-                                          <p:val>
-                                            <p:strVal val="#ppt_x"/>
-                                          </p:val>
-                                        </p:tav>
-                                        <p:tav tm="100000">
-                                          <p:val>
-                                            <p:strVal val="#ppt_x"/>
-                                          </p:val>
-                                        </p:tav>
-                                      </p:tavLst>
-                                    </p:anim>
-                                    <p:anim calcmode="lin" valueType="num">
-                                      <p:cBhvr additive="base">
-                                        <p:cTn id="38" dur="500" fill="hold"/>
-                                        <p:tgtEl>
-                                          <p:spTgt spid="7">
-                                            <p:txEl>
-                                              <p:pRg st="4" end="4"/>
-                                            </p:txEl>
-                                          </p:spTgt>
+                                          <p:spTgt spid="4"/>
                                         </p:tgtEl>
                                         <p:attrNameLst>
                                           <p:attrName>ppt_y</p:attrName>
@@ -9542,47 +7877,79 @@
         </p:nvSpPr>
         <p:spPr/>
         <p:txBody>
-          <a:bodyPr/>
+          <a:bodyPr>
+            <a:normAutofit fontScale="90000"/>
+          </a:bodyPr>
           <a:lstStyle/>
           <a:p>
             <a:r>
               <a:rPr lang="en-US" dirty="0" smtClean="0"/>
-              <a:t>Directive interfaces</a:t>
+              <a:t>Directive: controller vs link (</a:t>
+            </a:r>
+            <a:r>
+              <a:rPr lang="en-US" dirty="0" err="1" smtClean="0"/>
+              <a:t>cont</a:t>
+            </a:r>
+            <a:r>
+              <a:rPr lang="en-US" dirty="0" smtClean="0"/>
+              <a:t>)</a:t>
             </a:r>
             <a:endParaRPr lang="en-US" dirty="0"/>
           </a:p>
         </p:txBody>
       </p:sp>
-      <p:pic>
-        <p:nvPicPr>
-          <p:cNvPr id="4" name="Content Placeholder 3"/>
-          <p:cNvPicPr>
-            <a:picLocks noGrp="1" noChangeAspect="1"/>
-          </p:cNvPicPr>
+      <p:sp>
+        <p:nvSpPr>
+          <p:cNvPr id="5" name="Content Placeholder 2"/>
+          <p:cNvSpPr>
+            <a:spLocks noGrp="1"/>
+          </p:cNvSpPr>
           <p:nvPr>
             <p:ph idx="1"/>
           </p:nvPr>
-        </p:nvPicPr>
-        <p:blipFill>
-          <a:blip r:embed="rId2"/>
-          <a:stretch>
-            <a:fillRect/>
-          </a:stretch>
-        </p:blipFill>
+        </p:nvSpPr>
         <p:spPr>
           <a:xfrm>
-            <a:off x="2837156" y="2214766"/>
-            <a:ext cx="4695238" cy="3266667"/>
+            <a:off x="1435608" y="1447800"/>
+            <a:ext cx="7498080" cy="4800600"/>
           </a:xfrm>
-          <a:prstGeom prst="rect">
-            <a:avLst/>
-          </a:prstGeom>
         </p:spPr>
-      </p:pic>
+        <p:txBody>
+          <a:bodyPr/>
+          <a:lstStyle/>
+          <a:p>
+            <a:r>
+              <a:rPr lang="en-US" dirty="0" smtClean="0"/>
+              <a:t>Best practice:</a:t>
+            </a:r>
+          </a:p>
+          <a:p>
+            <a:pPr marL="82296" indent="0">
+              <a:buNone/>
+            </a:pPr>
+            <a:r>
+              <a:rPr lang="en-US" dirty="0" smtClean="0">
+                <a:solidFill>
+                  <a:srgbClr val="FF0000"/>
+                </a:solidFill>
+              </a:rPr>
+              <a:t>“Using </a:t>
+            </a:r>
+            <a:r>
+              <a:rPr lang="en-US" dirty="0">
+                <a:solidFill>
+                  <a:srgbClr val="FF0000"/>
+                </a:solidFill>
+              </a:rPr>
+              <a:t>controller when you want to expose an API to other directives. Otherwise use link.”</a:t>
+            </a:r>
+          </a:p>
+        </p:txBody>
+      </p:sp>
     </p:spTree>
     <p:extLst>
       <p:ext uri="{BB962C8B-B14F-4D97-AF65-F5344CB8AC3E}">
-        <p14:creationId xmlns:p14="http://schemas.microsoft.com/office/powerpoint/2010/main" val="4173059709"/>
+        <p14:creationId xmlns:p14="http://schemas.microsoft.com/office/powerpoint/2010/main" xmlns="" val="1482110633"/>
       </p:ext>
     </p:extLst>
   </p:cSld>
@@ -9623,7 +7990,11 @@
                                           </p:stCondLst>
                                         </p:cTn>
                                         <p:tgtEl>
-                                          <p:spTgt spid="4"/>
+                                          <p:spTgt spid="5">
+                                            <p:txEl>
+                                              <p:pRg st="0" end="0"/>
+                                            </p:txEl>
+                                          </p:spTgt>
                                         </p:tgtEl>
                                         <p:attrNameLst>
                                           <p:attrName>style.visibility</p:attrName>
@@ -9637,7 +8008,11 @@
                                       <p:cBhvr additive="base">
                                         <p:cTn id="7" dur="500" fill="hold"/>
                                         <p:tgtEl>
-                                          <p:spTgt spid="4"/>
+                                          <p:spTgt spid="5">
+                                            <p:txEl>
+                                              <p:pRg st="0" end="0"/>
+                                            </p:txEl>
+                                          </p:spTgt>
                                         </p:tgtEl>
                                         <p:attrNameLst>
                                           <p:attrName>ppt_x</p:attrName>
@@ -9660,7 +8035,114 @@
                                       <p:cBhvr additive="base">
                                         <p:cTn id="8" dur="500" fill="hold"/>
                                         <p:tgtEl>
-                                          <p:spTgt spid="4"/>
+                                          <p:spTgt spid="5">
+                                            <p:txEl>
+                                              <p:pRg st="0" end="0"/>
+                                            </p:txEl>
+                                          </p:spTgt>
+                                        </p:tgtEl>
+                                        <p:attrNameLst>
+                                          <p:attrName>ppt_y</p:attrName>
+                                        </p:attrNameLst>
+                                      </p:cBhvr>
+                                      <p:tavLst>
+                                        <p:tav tm="0">
+                                          <p:val>
+                                            <p:strVal val="1+#ppt_h/2"/>
+                                          </p:val>
+                                        </p:tav>
+                                        <p:tav tm="100000">
+                                          <p:val>
+                                            <p:strVal val="#ppt_y"/>
+                                          </p:val>
+                                        </p:tav>
+                                      </p:tavLst>
+                                    </p:anim>
+                                  </p:childTnLst>
+                                </p:cTn>
+                              </p:par>
+                            </p:childTnLst>
+                          </p:cTn>
+                        </p:par>
+                      </p:childTnLst>
+                    </p:cTn>
+                  </p:par>
+                  <p:par>
+                    <p:cTn id="9" fill="hold">
+                      <p:stCondLst>
+                        <p:cond delay="indefinite"/>
+                      </p:stCondLst>
+                      <p:childTnLst>
+                        <p:par>
+                          <p:cTn id="10" fill="hold">
+                            <p:stCondLst>
+                              <p:cond delay="0"/>
+                            </p:stCondLst>
+                            <p:childTnLst>
+                              <p:par>
+                                <p:cTn id="11" presetID="2" presetClass="entr" presetSubtype="4" fill="hold" nodeType="clickEffect">
+                                  <p:stCondLst>
+                                    <p:cond delay="0"/>
+                                  </p:stCondLst>
+                                  <p:childTnLst>
+                                    <p:set>
+                                      <p:cBhvr>
+                                        <p:cTn id="12" dur="1" fill="hold">
+                                          <p:stCondLst>
+                                            <p:cond delay="0"/>
+                                          </p:stCondLst>
+                                        </p:cTn>
+                                        <p:tgtEl>
+                                          <p:spTgt spid="5">
+                                            <p:txEl>
+                                              <p:pRg st="1" end="1"/>
+                                            </p:txEl>
+                                          </p:spTgt>
+                                        </p:tgtEl>
+                                        <p:attrNameLst>
+                                          <p:attrName>style.visibility</p:attrName>
+                                        </p:attrNameLst>
+                                      </p:cBhvr>
+                                      <p:to>
+                                        <p:strVal val="visible"/>
+                                      </p:to>
+                                    </p:set>
+                                    <p:anim calcmode="lin" valueType="num">
+                                      <p:cBhvr additive="base">
+                                        <p:cTn id="13" dur="500" fill="hold"/>
+                                        <p:tgtEl>
+                                          <p:spTgt spid="5">
+                                            <p:txEl>
+                                              <p:pRg st="1" end="1"/>
+                                            </p:txEl>
+                                          </p:spTgt>
+                                        </p:tgtEl>
+                                        <p:attrNameLst>
+                                          <p:attrName>ppt_x</p:attrName>
+                                        </p:attrNameLst>
+                                      </p:cBhvr>
+                                      <p:tavLst>
+                                        <p:tav tm="0">
+                                          <p:val>
+                                            <p:strVal val="#ppt_x"/>
+                                          </p:val>
+                                        </p:tav>
+                                        <p:tav tm="100000">
+                                          <p:val>
+                                            <p:strVal val="#ppt_x"/>
+                                          </p:val>
+                                        </p:tav>
+                                      </p:tavLst>
+                                    </p:anim>
+                                    <p:anim calcmode="lin" valueType="num">
+                                      <p:cBhvr additive="base">
+                                        <p:cTn id="14" dur="500" fill="hold"/>
+                                        <p:tgtEl>
+                                          <p:spTgt spid="5">
+                                            <p:txEl>
+                                              <p:pRg st="1" end="1"/>
+                                            </p:txEl>
+                                          </p:spTgt>
                                         </p:tgtEl>
                                         <p:attrNameLst>
                                           <p:attrName>ppt_y</p:attrName>
@@ -9747,45 +8229,66 @@
           <a:p>
             <a:r>
               <a:rPr lang="en-US" dirty="0" smtClean="0"/>
-              <a:t>Directive interfaces (demo)</a:t>
+              <a:t>Directive: require controller(s)</a:t>
             </a:r>
             <a:endParaRPr lang="en-US" dirty="0"/>
           </a:p>
         </p:txBody>
       </p:sp>
-      <p:sp>
-        <p:nvSpPr>
-          <p:cNvPr id="3" name="Content Placeholder 2"/>
-          <p:cNvSpPr>
-            <a:spLocks noGrp="1"/>
-          </p:cNvSpPr>
+      <p:pic>
+        <p:nvPicPr>
+          <p:cNvPr id="4" name="Content Placeholder 3"/>
+          <p:cNvPicPr>
+            <a:picLocks noGrp="1" noChangeAspect="1"/>
+          </p:cNvPicPr>
           <p:nvPr>
             <p:ph idx="1"/>
           </p:nvPr>
-        </p:nvSpPr>
-        <p:spPr/>
-        <p:txBody>
-          <a:bodyPr/>
-          <a:lstStyle/>
-          <a:p>
-            <a:r>
-              <a:rPr lang="en-US" dirty="0" smtClean="0"/>
-              <a:t>Parent directive </a:t>
-            </a:r>
-            <a:r>
-              <a:rPr lang="en-US" dirty="0" smtClean="0">
-                <a:sym typeface="Wingdings" panose="05000000000000000000" pitchFamily="2" charset="2"/>
-              </a:rPr>
-              <a:t>  Child directive</a:t>
-            </a:r>
-            <a:endParaRPr lang="en-US" dirty="0"/>
-          </a:p>
-        </p:txBody>
-      </p:sp>
+        </p:nvPicPr>
+        <p:blipFill>
+          <a:blip r:embed="rId2"/>
+          <a:stretch>
+            <a:fillRect/>
+          </a:stretch>
+        </p:blipFill>
+        <p:spPr>
+          <a:xfrm>
+            <a:off x="3581400" y="1524000"/>
+            <a:ext cx="2638793" cy="1457528"/>
+          </a:xfrm>
+          <a:prstGeom prst="rect">
+            <a:avLst/>
+          </a:prstGeom>
+        </p:spPr>
+      </p:pic>
+      <p:pic>
+        <p:nvPicPr>
+          <p:cNvPr id="5" name="Picture 4"/>
+          <p:cNvPicPr>
+            <a:picLocks noChangeAspect="1"/>
+          </p:cNvPicPr>
+          <p:nvPr/>
+        </p:nvPicPr>
+        <p:blipFill>
+          <a:blip r:embed="rId3"/>
+          <a:stretch>
+            <a:fillRect/>
+          </a:stretch>
+        </p:blipFill>
+        <p:spPr>
+          <a:xfrm>
+            <a:off x="3048000" y="3200400"/>
+            <a:ext cx="3600953" cy="2514951"/>
+          </a:xfrm>
+          <a:prstGeom prst="rect">
+            <a:avLst/>
+          </a:prstGeom>
+        </p:spPr>
+      </p:pic>
     </p:spTree>
     <p:extLst>
       <p:ext uri="{BB962C8B-B14F-4D97-AF65-F5344CB8AC3E}">
-        <p14:creationId xmlns:p14="http://schemas.microsoft.com/office/powerpoint/2010/main" val="42356175"/>
+        <p14:creationId xmlns:p14="http://schemas.microsoft.com/office/powerpoint/2010/main" xmlns="" val="3957105637"/>
       </p:ext>
     </p:extLst>
   </p:cSld>
@@ -9826,11 +8329,7 @@
                                           </p:stCondLst>
                                         </p:cTn>
                                         <p:tgtEl>
-                                          <p:spTgt spid="3">
-                                            <p:txEl>
-                                              <p:pRg st="0" end="0"/>
-                                            </p:txEl>
-                                          </p:spTgt>
+                                          <p:spTgt spid="4"/>
                                         </p:tgtEl>
                                         <p:attrNameLst>
                                           <p:attrName>style.visibility</p:attrName>
@@ -9844,11 +8343,7 @@
                                       <p:cBhvr additive="base">
                                         <p:cTn id="7" dur="500" fill="hold"/>
                                         <p:tgtEl>
-                                          <p:spTgt spid="3">
-                                            <p:txEl>
-                                              <p:pRg st="0" end="0"/>
-                                            </p:txEl>
-                                          </p:spTgt>
+                                          <p:spTgt spid="4"/>
                                         </p:tgtEl>
                                         <p:attrNameLst>
                                           <p:attrName>ppt_x</p:attrName>
@@ -9871,11 +8366,98 @@
                                       <p:cBhvr additive="base">
                                         <p:cTn id="8" dur="500" fill="hold"/>
                                         <p:tgtEl>
-                                          <p:spTgt spid="3">
-                                            <p:txEl>
-                                              <p:pRg st="0" end="0"/>
-                                            </p:txEl>
-                                          </p:spTgt>
+                                          <p:spTgt spid="4"/>
+                                        </p:tgtEl>
+                                        <p:attrNameLst>
+                                          <p:attrName>ppt_y</p:attrName>
+                                        </p:attrNameLst>
+                                      </p:cBhvr>
+                                      <p:tavLst>
+                                        <p:tav tm="0">
+                                          <p:val>
+                                            <p:strVal val="1+#ppt_h/2"/>
+                                          </p:val>
+                                        </p:tav>
+                                        <p:tav tm="100000">
+                                          <p:val>
+                                            <p:strVal val="#ppt_y"/>
+                                          </p:val>
+                                        </p:tav>
+                                      </p:tavLst>
+                                    </p:anim>
+                                  </p:childTnLst>
+                                </p:cTn>
+                              </p:par>
+                            </p:childTnLst>
+                          </p:cTn>
+                        </p:par>
+                      </p:childTnLst>
+                    </p:cTn>
+                  </p:par>
+                  <p:par>
+                    <p:cTn id="9" fill="hold">
+                      <p:stCondLst>
+                        <p:cond delay="indefinite"/>
+                      </p:stCondLst>
+                      <p:childTnLst>
+                        <p:par>
+                          <p:cTn id="10" fill="hold">
+                            <p:stCondLst>
+                              <p:cond delay="0"/>
+                            </p:stCondLst>
+                            <p:childTnLst>
+                              <p:par>
+                                <p:cTn id="11" presetID="2" presetClass="entr" presetSubtype="4" fill="hold" nodeType="clickEffect">
+                                  <p:stCondLst>
+                                    <p:cond delay="0"/>
+                                  </p:stCondLst>
+                                  <p:childTnLst>
+                                    <p:set>
+                                      <p:cBhvr>
+                                        <p:cTn id="12" dur="1" fill="hold">
+                                          <p:stCondLst>
+                                            <p:cond delay="0"/>
+                                          </p:stCondLst>
+                                        </p:cTn>
+                                        <p:tgtEl>
+                                          <p:spTgt spid="5"/>
+                                        </p:tgtEl>
+                                        <p:attrNameLst>
+                                          <p:attrName>style.visibility</p:attrName>
+                                        </p:attrNameLst>
+                                      </p:cBhvr>
+                                      <p:to>
+                                        <p:strVal val="visible"/>
+                                      </p:to>
+                                    </p:set>
+                                    <p:anim calcmode="lin" valueType="num">
+                                      <p:cBhvr additive="base">
+                                        <p:cTn id="13" dur="500" fill="hold"/>
+                                        <p:tgtEl>
+                                          <p:spTgt spid="5"/>
+                                        </p:tgtEl>
+                                        <p:attrNameLst>
+                                          <p:attrName>ppt_x</p:attrName>
+                                        </p:attrNameLst>
+                                      </p:cBhvr>
+                                      <p:tavLst>
+                                        <p:tav tm="0">
+                                          <p:val>
+                                            <p:strVal val="#ppt_x"/>
+                                          </p:val>
+                                        </p:tav>
+                                        <p:tav tm="100000">
+                                          <p:val>
+                                            <p:strVal val="#ppt_x"/>
+                                          </p:val>
+                                        </p:tav>
+                                      </p:tavLst>
+                                    </p:anim>
+                                    <p:anim calcmode="lin" valueType="num">
+                                      <p:cBhvr additive="base">
+                                        <p:cTn id="14" dur="500" fill="hold"/>
+                                        <p:tgtEl>
+                                          <p:spTgt spid="5"/>
                                         </p:tgtEl>
                                         <p:attrNameLst>
                                           <p:attrName>ppt_y</p:attrName>
@@ -9957,12 +8539,22 @@
         </p:nvSpPr>
         <p:spPr/>
         <p:txBody>
-          <a:bodyPr/>
+          <a:bodyPr>
+            <a:normAutofit fontScale="90000"/>
+          </a:bodyPr>
           <a:lstStyle/>
           <a:p>
             <a:r>
               <a:rPr lang="en-US" dirty="0" smtClean="0"/>
-              <a:t>Directive: avoiding FOUC</a:t>
+              <a:t>Directive: require controller (</a:t>
+            </a:r>
+            <a:r>
+              <a:rPr lang="en-US" dirty="0" err="1" smtClean="0"/>
+              <a:t>cont</a:t>
+            </a:r>
+            <a:r>
+              <a:rPr lang="en-US" dirty="0" smtClean="0"/>
+              <a:t>)</a:t>
             </a:r>
             <a:endParaRPr lang="en-US" dirty="0"/>
           </a:p>
@@ -9970,13 +8562,11 @@
       </p:sp>
       <p:pic>
         <p:nvPicPr>
-          <p:cNvPr id="4" name="Content Placeholder 3"/>
+          <p:cNvPr id="6" name="Picture 5"/>
           <p:cNvPicPr>
-            <a:picLocks noGrp="1" noChangeAspect="1"/>
+            <a:picLocks noChangeAspect="1"/>
           </p:cNvPicPr>
-          <p:nvPr>
-            <p:ph idx="1"/>
-          </p:nvPr>
+          <p:nvPr/>
         </p:nvPicPr>
         <p:blipFill>
           <a:blip r:embed="rId2"/>
@@ -9986,18 +8576,153 @@
         </p:blipFill>
         <p:spPr>
           <a:xfrm>
-            <a:off x="3832394" y="2224290"/>
-            <a:ext cx="2704762" cy="3247619"/>
+            <a:off x="1435608" y="1600200"/>
+            <a:ext cx="3829584" cy="3258005"/>
           </a:xfrm>
           <a:prstGeom prst="rect">
             <a:avLst/>
           </a:prstGeom>
         </p:spPr>
       </p:pic>
+      <p:sp>
+        <p:nvSpPr>
+          <p:cNvPr id="7" name="Rectangle 6"/>
+          <p:cNvSpPr/>
+          <p:nvPr/>
+        </p:nvSpPr>
+        <p:spPr>
+          <a:xfrm>
+            <a:off x="1435608" y="4953000"/>
+            <a:ext cx="7498080" cy="1752600"/>
+          </a:xfrm>
+          <a:prstGeom prst="rect">
+            <a:avLst/>
+          </a:prstGeom>
+        </p:spPr>
+        <p:style>
+          <a:lnRef idx="2">
+            <a:schemeClr val="accent1">
+              <a:shade val="50000"/>
+            </a:schemeClr>
+          </a:lnRef>
+          <a:fillRef idx="1">
+            <a:schemeClr val="accent1"/>
+          </a:fillRef>
+          <a:effectRef idx="0">
+            <a:schemeClr val="accent1"/>
+          </a:effectRef>
+          <a:fontRef idx="minor">
+            <a:schemeClr val="lt1"/>
+          </a:fontRef>
+        </p:style>
+        <p:txBody>
+          <a:bodyPr rtlCol="0" anchor="ctr"/>
+          <a:lstStyle/>
+          <a:p>
+            <a:r>
+              <a:rPr lang="en-US" sz="1600" dirty="0"/>
+              <a:t>- require: '</a:t>
+            </a:r>
+            <a:r>
+              <a:rPr lang="en-US" sz="1600" dirty="0" err="1"/>
+              <a:t>nameOfSiblingController</a:t>
+            </a:r>
+            <a:r>
+              <a:rPr lang="en-US" sz="1600" dirty="0"/>
+              <a:t>'</a:t>
+            </a:r>
+          </a:p>
+          <a:p>
+            <a:r>
+              <a:rPr lang="en-US" sz="1600" dirty="0"/>
+              <a:t>- require: '^</a:t>
+            </a:r>
+            <a:r>
+              <a:rPr lang="en-US" sz="1600" dirty="0" err="1"/>
+              <a:t>nameOfParentController</a:t>
+            </a:r>
+            <a:r>
+              <a:rPr lang="en-US" sz="1600" dirty="0"/>
+              <a:t>'</a:t>
+            </a:r>
+          </a:p>
+          <a:p>
+            <a:r>
+              <a:rPr lang="en-US" sz="1600" dirty="0"/>
+              <a:t>- require: ['</a:t>
+            </a:r>
+            <a:r>
+              <a:rPr lang="en-US" sz="1600" dirty="0" err="1"/>
+              <a:t>nameOfSiblingController</a:t>
+            </a:r>
+            <a:r>
+              <a:rPr lang="en-US" sz="1600" dirty="0"/>
+              <a:t>', '^</a:t>
+            </a:r>
+            <a:r>
+              <a:rPr lang="en-US" sz="1600" dirty="0" err="1"/>
+              <a:t>nameOfParentController</a:t>
+            </a:r>
+            <a:r>
+              <a:rPr lang="en-US" sz="1600" dirty="0"/>
+              <a:t>'] ==&gt; multiple controllers</a:t>
+            </a:r>
+          </a:p>
+          <a:p>
+            <a:r>
+              <a:rPr lang="en-US" sz="1600" dirty="0"/>
+              <a:t>- require: '?</a:t>
+            </a:r>
+            <a:r>
+              <a:rPr lang="en-US" sz="1600" dirty="0" err="1"/>
+              <a:t>nameOfController</a:t>
+            </a:r>
+            <a:r>
+              <a:rPr lang="en-US" sz="1600" dirty="0"/>
+              <a:t>' ==&gt; return null when can not find </a:t>
+            </a:r>
+            <a:r>
+              <a:rPr lang="en-US" sz="1600" dirty="0" err="1"/>
+              <a:t>nameOfController</a:t>
+            </a:r>
+            <a:r>
+              <a:rPr lang="en-US" sz="1600" dirty="0"/>
+              <a:t> instead of throw error.</a:t>
+            </a:r>
+          </a:p>
+          <a:p>
+            <a:r>
+              <a:rPr lang="en-US" sz="1600" dirty="0"/>
+              <a:t>- require: '</a:t>
+            </a:r>
+            <a:r>
+              <a:rPr lang="en-US" sz="1600" dirty="0" err="1"/>
+              <a:t>nameOfDirective</a:t>
+            </a:r>
+            <a:r>
+              <a:rPr lang="en-US" sz="1600" dirty="0"/>
+              <a:t>' ==&gt; Using when </a:t>
+            </a:r>
+            <a:r>
+              <a:rPr lang="en-US" sz="1600" dirty="0" err="1"/>
+              <a:t>nameOfDirective</a:t>
+            </a:r>
+            <a:r>
+              <a:rPr lang="en-US" sz="1600" dirty="0"/>
+              <a:t> use inner </a:t>
+            </a:r>
+            <a:r>
+              <a:rPr lang="en-US" sz="1600" dirty="0" smtClean="0"/>
+              <a:t>controller</a:t>
+            </a:r>
+            <a:endParaRPr lang="en-US" sz="1600" dirty="0"/>
+          </a:p>
+        </p:txBody>
+      </p:sp>
     </p:spTree>
     <p:extLst>
       <p:ext uri="{BB962C8B-B14F-4D97-AF65-F5344CB8AC3E}">
-        <p14:creationId xmlns:p14="http://schemas.microsoft.com/office/powerpoint/2010/main" val="1679288412"/>
+        <p14:creationId xmlns:p14="http://schemas.microsoft.com/office/powerpoint/2010/main" xmlns="" val="5624288"/>
       </p:ext>
     </p:extLst>
   </p:cSld>
@@ -10038,7 +8763,7 @@
                                           </p:stCondLst>
                                         </p:cTn>
                                         <p:tgtEl>
-                                          <p:spTgt spid="4"/>
+                                          <p:spTgt spid="6"/>
                                         </p:tgtEl>
                                         <p:attrNameLst>
                                           <p:attrName>style.visibility</p:attrName>
@@ -10052,7 +8777,7 @@
                                       <p:cBhvr additive="base">
                                         <p:cTn id="7" dur="500" fill="hold"/>
                                         <p:tgtEl>
-                                          <p:spTgt spid="4"/>
+                                          <p:spTgt spid="6"/>
                                         </p:tgtEl>
                                         <p:attrNameLst>
                                           <p:attrName>ppt_x</p:attrName>
@@ -10075,7 +8800,522 @@
                                       <p:cBhvr additive="base">
                                         <p:cTn id="8" dur="500" fill="hold"/>
                                         <p:tgtEl>
-                                          <p:spTgt spid="4"/>
+                                          <p:spTgt spid="6"/>
+                                        </p:tgtEl>
+                                        <p:attrNameLst>
+                                          <p:attrName>ppt_y</p:attrName>
+                                        </p:attrNameLst>
+                                      </p:cBhvr>
+                                      <p:tavLst>
+                                        <p:tav tm="0">
+                                          <p:val>
+                                            <p:strVal val="1+#ppt_h/2"/>
+                                          </p:val>
+                                        </p:tav>
+                                        <p:tav tm="100000">
+                                          <p:val>
+                                            <p:strVal val="#ppt_y"/>
+                                          </p:val>
+                                        </p:tav>
+                                      </p:tavLst>
+                                    </p:anim>
+                                  </p:childTnLst>
+                                </p:cTn>
+                              </p:par>
+                            </p:childTnLst>
+                          </p:cTn>
+                        </p:par>
+                      </p:childTnLst>
+                    </p:cTn>
+                  </p:par>
+                  <p:par>
+                    <p:cTn id="9" fill="hold">
+                      <p:stCondLst>
+                        <p:cond delay="indefinite"/>
+                      </p:stCondLst>
+                      <p:childTnLst>
+                        <p:par>
+                          <p:cTn id="10" fill="hold">
+                            <p:stCondLst>
+                              <p:cond delay="0"/>
+                            </p:stCondLst>
+                            <p:childTnLst>
+                              <p:par>
+                                <p:cTn id="11" presetID="2" presetClass="entr" presetSubtype="4" fill="hold" nodeType="clickEffect">
+                                  <p:stCondLst>
+                                    <p:cond delay="0"/>
+                                  </p:stCondLst>
+                                  <p:childTnLst>
+                                    <p:set>
+                                      <p:cBhvr>
+                                        <p:cTn id="12" dur="1" fill="hold">
+                                          <p:stCondLst>
+                                            <p:cond delay="0"/>
+                                          </p:stCondLst>
+                                        </p:cTn>
+                                        <p:tgtEl>
+                                          <p:spTgt spid="7">
+                                            <p:txEl>
+                                              <p:pRg st="0" end="0"/>
+                                            </p:txEl>
+                                          </p:spTgt>
+                                        </p:tgtEl>
+                                        <p:attrNameLst>
+                                          <p:attrName>style.visibility</p:attrName>
+                                        </p:attrNameLst>
+                                      </p:cBhvr>
+                                      <p:to>
+                                        <p:strVal val="visible"/>
+                                      </p:to>
+                                    </p:set>
+                                    <p:anim calcmode="lin" valueType="num">
+                                      <p:cBhvr additive="base">
+                                        <p:cTn id="13" dur="500" fill="hold"/>
+                                        <p:tgtEl>
+                                          <p:spTgt spid="7">
+                                            <p:txEl>
+                                              <p:pRg st="0" end="0"/>
+                                            </p:txEl>
+                                          </p:spTgt>
+                                        </p:tgtEl>
+                                        <p:attrNameLst>
+                                          <p:attrName>ppt_x</p:attrName>
+                                        </p:attrNameLst>
+                                      </p:cBhvr>
+                                      <p:tavLst>
+                                        <p:tav tm="0">
+                                          <p:val>
+                                            <p:strVal val="#ppt_x"/>
+                                          </p:val>
+                                        </p:tav>
+                                        <p:tav tm="100000">
+                                          <p:val>
+                                            <p:strVal val="#ppt_x"/>
+                                          </p:val>
+                                        </p:tav>
+                                      </p:tavLst>
+                                    </p:anim>
+                                    <p:anim calcmode="lin" valueType="num">
+                                      <p:cBhvr additive="base">
+                                        <p:cTn id="14" dur="500" fill="hold"/>
+                                        <p:tgtEl>
+                                          <p:spTgt spid="7">
+                                            <p:txEl>
+                                              <p:pRg st="0" end="0"/>
+                                            </p:txEl>
+                                          </p:spTgt>
+                                        </p:tgtEl>
+                                        <p:attrNameLst>
+                                          <p:attrName>ppt_y</p:attrName>
+                                        </p:attrNameLst>
+                                      </p:cBhvr>
+                                      <p:tavLst>
+                                        <p:tav tm="0">
+                                          <p:val>
+                                            <p:strVal val="1+#ppt_h/2"/>
+                                          </p:val>
+                                        </p:tav>
+                                        <p:tav tm="100000">
+                                          <p:val>
+                                            <p:strVal val="#ppt_y"/>
+                                          </p:val>
+                                        </p:tav>
+                                      </p:tavLst>
+                                    </p:anim>
+                                  </p:childTnLst>
+                                </p:cTn>
+                              </p:par>
+                            </p:childTnLst>
+                          </p:cTn>
+                        </p:par>
+                      </p:childTnLst>
+                    </p:cTn>
+                  </p:par>
+                  <p:par>
+                    <p:cTn id="15" fill="hold">
+                      <p:stCondLst>
+                        <p:cond delay="indefinite"/>
+                      </p:stCondLst>
+                      <p:childTnLst>
+                        <p:par>
+                          <p:cTn id="16" fill="hold">
+                            <p:stCondLst>
+                              <p:cond delay="0"/>
+                            </p:stCondLst>
+                            <p:childTnLst>
+                              <p:par>
+                                <p:cTn id="17" presetID="2" presetClass="entr" presetSubtype="4" fill="hold" nodeType="clickEffect">
+                                  <p:stCondLst>
+                                    <p:cond delay="0"/>
+                                  </p:stCondLst>
+                                  <p:childTnLst>
+                                    <p:set>
+                                      <p:cBhvr>
+                                        <p:cTn id="18" dur="1" fill="hold">
+                                          <p:stCondLst>
+                                            <p:cond delay="0"/>
+                                          </p:stCondLst>
+                                        </p:cTn>
+                                        <p:tgtEl>
+                                          <p:spTgt spid="7">
+                                            <p:txEl>
+                                              <p:pRg st="1" end="1"/>
+                                            </p:txEl>
+                                          </p:spTgt>
+                                        </p:tgtEl>
+                                        <p:attrNameLst>
+                                          <p:attrName>style.visibility</p:attrName>
+                                        </p:attrNameLst>
+                                      </p:cBhvr>
+                                      <p:to>
+                                        <p:strVal val="visible"/>
+                                      </p:to>
+                                    </p:set>
+                                    <p:anim calcmode="lin" valueType="num">
+                                      <p:cBhvr additive="base">
+                                        <p:cTn id="19" dur="500" fill="hold"/>
+                                        <p:tgtEl>
+                                          <p:spTgt spid="7">
+                                            <p:txEl>
+                                              <p:pRg st="1" end="1"/>
+                                            </p:txEl>
+                                          </p:spTgt>
+                                        </p:tgtEl>
+                                        <p:attrNameLst>
+                                          <p:attrName>ppt_x</p:attrName>
+                                        </p:attrNameLst>
+                                      </p:cBhvr>
+                                      <p:tavLst>
+                                        <p:tav tm="0">
+                                          <p:val>
+                                            <p:strVal val="#ppt_x"/>
+                                          </p:val>
+                                        </p:tav>
+                                        <p:tav tm="100000">
+                                          <p:val>
+                                            <p:strVal val="#ppt_x"/>
+                                          </p:val>
+                                        </p:tav>
+                                      </p:tavLst>
+                                    </p:anim>
+                                    <p:anim calcmode="lin" valueType="num">
+                                      <p:cBhvr additive="base">
+                                        <p:cTn id="20" dur="500" fill="hold"/>
+                                        <p:tgtEl>
+                                          <p:spTgt spid="7">
+                                            <p:txEl>
+                                              <p:pRg st="1" end="1"/>
+                                            </p:txEl>
+                                          </p:spTgt>
+                                        </p:tgtEl>
+                                        <p:attrNameLst>
+                                          <p:attrName>ppt_y</p:attrName>
+                                        </p:attrNameLst>
+                                      </p:cBhvr>
+                                      <p:tavLst>
+                                        <p:tav tm="0">
+                                          <p:val>
+                                            <p:strVal val="1+#ppt_h/2"/>
+                                          </p:val>
+                                        </p:tav>
+                                        <p:tav tm="100000">
+                                          <p:val>
+                                            <p:strVal val="#ppt_y"/>
+                                          </p:val>
+                                        </p:tav>
+                                      </p:tavLst>
+                                    </p:anim>
+                                  </p:childTnLst>
+                                </p:cTn>
+                              </p:par>
+                            </p:childTnLst>
+                          </p:cTn>
+                        </p:par>
+                      </p:childTnLst>
+                    </p:cTn>
+                  </p:par>
+                  <p:par>
+                    <p:cTn id="21" fill="hold">
+                      <p:stCondLst>
+                        <p:cond delay="indefinite"/>
+                      </p:stCondLst>
+                      <p:childTnLst>
+                        <p:par>
+                          <p:cTn id="22" fill="hold">
+                            <p:stCondLst>
+                              <p:cond delay="0"/>
+                            </p:stCondLst>
+                            <p:childTnLst>
+                              <p:par>
+                                <p:cTn id="23" presetID="2" presetClass="entr" presetSubtype="4" fill="hold" nodeType="clickEffect">
+                                  <p:stCondLst>
+                                    <p:cond delay="0"/>
+                                  </p:stCondLst>
+                                  <p:childTnLst>
+                                    <p:set>
+                                      <p:cBhvr>
+                                        <p:cTn id="24" dur="1" fill="hold">
+                                          <p:stCondLst>
+                                            <p:cond delay="0"/>
+                                          </p:stCondLst>
+                                        </p:cTn>
+                                        <p:tgtEl>
+                                          <p:spTgt spid="7">
+                                            <p:txEl>
+                                              <p:pRg st="2" end="2"/>
+                                            </p:txEl>
+                                          </p:spTgt>
+                                        </p:tgtEl>
+                                        <p:attrNameLst>
+                                          <p:attrName>style.visibility</p:attrName>
+                                        </p:attrNameLst>
+                                      </p:cBhvr>
+                                      <p:to>
+                                        <p:strVal val="visible"/>
+                                      </p:to>
+                                    </p:set>
+                                    <p:anim calcmode="lin" valueType="num">
+                                      <p:cBhvr additive="base">
+                                        <p:cTn id="25" dur="500" fill="hold"/>
+                                        <p:tgtEl>
+                                          <p:spTgt spid="7">
+                                            <p:txEl>
+                                              <p:pRg st="2" end="2"/>
+                                            </p:txEl>
+                                          </p:spTgt>
+                                        </p:tgtEl>
+                                        <p:attrNameLst>
+                                          <p:attrName>ppt_x</p:attrName>
+                                        </p:attrNameLst>
+                                      </p:cBhvr>
+                                      <p:tavLst>
+                                        <p:tav tm="0">
+                                          <p:val>
+                                            <p:strVal val="#ppt_x"/>
+                                          </p:val>
+                                        </p:tav>
+                                        <p:tav tm="100000">
+                                          <p:val>
+                                            <p:strVal val="#ppt_x"/>
+                                          </p:val>
+                                        </p:tav>
+                                      </p:tavLst>
+                                    </p:anim>
+                                    <p:anim calcmode="lin" valueType="num">
+                                      <p:cBhvr additive="base">
+                                        <p:cTn id="26" dur="500" fill="hold"/>
+                                        <p:tgtEl>
+                                          <p:spTgt spid="7">
+                                            <p:txEl>
+                                              <p:pRg st="2" end="2"/>
+                                            </p:txEl>
+                                          </p:spTgt>
+                                        </p:tgtEl>
+                                        <p:attrNameLst>
+                                          <p:attrName>ppt_y</p:attrName>
+                                        </p:attrNameLst>
+                                      </p:cBhvr>
+                                      <p:tavLst>
+                                        <p:tav tm="0">
+                                          <p:val>
+                                            <p:strVal val="1+#ppt_h/2"/>
+                                          </p:val>
+                                        </p:tav>
+                                        <p:tav tm="100000">
+                                          <p:val>
+                                            <p:strVal val="#ppt_y"/>
+                                          </p:val>
+                                        </p:tav>
+                                      </p:tavLst>
+                                    </p:anim>
+                                  </p:childTnLst>
+                                </p:cTn>
+                              </p:par>
+                            </p:childTnLst>
+                          </p:cTn>
+                        </p:par>
+                      </p:childTnLst>
+                    </p:cTn>
+                  </p:par>
+                  <p:par>
+                    <p:cTn id="27" fill="hold">
+                      <p:stCondLst>
+                        <p:cond delay="indefinite"/>
+                      </p:stCondLst>
+                      <p:childTnLst>
+                        <p:par>
+                          <p:cTn id="28" fill="hold">
+                            <p:stCondLst>
+                              <p:cond delay="0"/>
+                            </p:stCondLst>
+                            <p:childTnLst>
+                              <p:par>
+                                <p:cTn id="29" presetID="2" presetClass="entr" presetSubtype="4" fill="hold" nodeType="clickEffect">
+                                  <p:stCondLst>
+                                    <p:cond delay="0"/>
+                                  </p:stCondLst>
+                                  <p:childTnLst>
+                                    <p:set>
+                                      <p:cBhvr>
+                                        <p:cTn id="30" dur="1" fill="hold">
+                                          <p:stCondLst>
+                                            <p:cond delay="0"/>
+                                          </p:stCondLst>
+                                        </p:cTn>
+                                        <p:tgtEl>
+                                          <p:spTgt spid="7">
+                                            <p:txEl>
+                                              <p:pRg st="3" end="3"/>
+                                            </p:txEl>
+                                          </p:spTgt>
+                                        </p:tgtEl>
+                                        <p:attrNameLst>
+                                          <p:attrName>style.visibility</p:attrName>
+                                        </p:attrNameLst>
+                                      </p:cBhvr>
+                                      <p:to>
+                                        <p:strVal val="visible"/>
+                                      </p:to>
+                                    </p:set>
+                                    <p:anim calcmode="lin" valueType="num">
+                                      <p:cBhvr additive="base">
+                                        <p:cTn id="31" dur="500" fill="hold"/>
+                                        <p:tgtEl>
+                                          <p:spTgt spid="7">
+                                            <p:txEl>
+                                              <p:pRg st="3" end="3"/>
+                                            </p:txEl>
+                                          </p:spTgt>
+                                        </p:tgtEl>
+                                        <p:attrNameLst>
+                                          <p:attrName>ppt_x</p:attrName>
+                                        </p:attrNameLst>
+                                      </p:cBhvr>
+                                      <p:tavLst>
+                                        <p:tav tm="0">
+                                          <p:val>
+                                            <p:strVal val="#ppt_x"/>
+                                          </p:val>
+                                        </p:tav>
+                                        <p:tav tm="100000">
+                                          <p:val>
+                                            <p:strVal val="#ppt_x"/>
+                                          </p:val>
+                                        </p:tav>
+                                      </p:tavLst>
+                                    </p:anim>
+                                    <p:anim calcmode="lin" valueType="num">
+                                      <p:cBhvr additive="base">
+                                        <p:cTn id="32" dur="500" fill="hold"/>
+                                        <p:tgtEl>
+                                          <p:spTgt spid="7">
+                                            <p:txEl>
+                                              <p:pRg st="3" end="3"/>
+                                            </p:txEl>
+                                          </p:spTgt>
+                                        </p:tgtEl>
+                                        <p:attrNameLst>
+                                          <p:attrName>ppt_y</p:attrName>
+                                        </p:attrNameLst>
+                                      </p:cBhvr>
+                                      <p:tavLst>
+                                        <p:tav tm="0">
+                                          <p:val>
+                                            <p:strVal val="1+#ppt_h/2"/>
+                                          </p:val>
+                                        </p:tav>
+                                        <p:tav tm="100000">
+                                          <p:val>
+                                            <p:strVal val="#ppt_y"/>
+                                          </p:val>
+                                        </p:tav>
+                                      </p:tavLst>
+                                    </p:anim>
+                                  </p:childTnLst>
+                                </p:cTn>
+                              </p:par>
+                            </p:childTnLst>
+                          </p:cTn>
+                        </p:par>
+                      </p:childTnLst>
+                    </p:cTn>
+                  </p:par>
+                  <p:par>
+                    <p:cTn id="33" fill="hold">
+                      <p:stCondLst>
+                        <p:cond delay="indefinite"/>
+                      </p:stCondLst>
+                      <p:childTnLst>
+                        <p:par>
+                          <p:cTn id="34" fill="hold">
+                            <p:stCondLst>
+                              <p:cond delay="0"/>
+                            </p:stCondLst>
+                            <p:childTnLst>
+                              <p:par>
+                                <p:cTn id="35" presetID="2" presetClass="entr" presetSubtype="4" fill="hold" nodeType="clickEffect">
+                                  <p:stCondLst>
+                                    <p:cond delay="0"/>
+                                  </p:stCondLst>
+                                  <p:childTnLst>
+                                    <p:set>
+                                      <p:cBhvr>
+                                        <p:cTn id="36" dur="1" fill="hold">
+                                          <p:stCondLst>
+                                            <p:cond delay="0"/>
+                                          </p:stCondLst>
+                                        </p:cTn>
+                                        <p:tgtEl>
+                                          <p:spTgt spid="7">
+                                            <p:txEl>
+                                              <p:pRg st="4" end="4"/>
+                                            </p:txEl>
+                                          </p:spTgt>
+                                        </p:tgtEl>
+                                        <p:attrNameLst>
+                                          <p:attrName>style.visibility</p:attrName>
+                                        </p:attrNameLst>
+                                      </p:cBhvr>
+                                      <p:to>
+                                        <p:strVal val="visible"/>
+                                      </p:to>
+                                    </p:set>
+                                    <p:anim calcmode="lin" valueType="num">
+                                      <p:cBhvr additive="base">
+                                        <p:cTn id="37" dur="500" fill="hold"/>
+                                        <p:tgtEl>
+                                          <p:spTgt spid="7">
+                                            <p:txEl>
+                                              <p:pRg st="4" end="4"/>
+                                            </p:txEl>
+                                          </p:spTgt>
+                                        </p:tgtEl>
+                                        <p:attrNameLst>
+                                          <p:attrName>ppt_x</p:attrName>
+                                        </p:attrNameLst>
+                                      </p:cBhvr>
+                                      <p:tavLst>
+                                        <p:tav tm="0">
+                                          <p:val>
+                                            <p:strVal val="#ppt_x"/>
+                                          </p:val>
+                                        </p:tav>
+                                        <p:tav tm="100000">
+                                          <p:val>
+                                            <p:strVal val="#ppt_x"/>
+                                          </p:val>
+                                        </p:tav>
+                                      </p:tavLst>
+                                    </p:anim>
+                                    <p:anim calcmode="lin" valueType="num">
+                                      <p:cBhvr additive="base">
+                                        <p:cTn id="38" dur="500" fill="hold"/>
+                                        <p:tgtEl>
+                                          <p:spTgt spid="7">
+                                            <p:txEl>
+                                              <p:pRg st="4" end="4"/>
+                                            </p:txEl>
+                                          </p:spTgt>
                                         </p:tgtEl>
                                         <p:attrNameLst>
                                           <p:attrName>ppt_y</p:attrName>
@@ -10157,1245 +9397,47 @@
         </p:nvSpPr>
         <p:spPr/>
         <p:txBody>
-          <a:bodyPr>
-            <a:normAutofit fontScale="90000"/>
-          </a:bodyPr>
+          <a:bodyPr/>
           <a:lstStyle/>
           <a:p>
             <a:r>
               <a:rPr lang="en-US" dirty="0" smtClean="0"/>
-              <a:t>Directive – Thinking declaratively (DNS)</a:t>
+              <a:t>Directive interfaces</a:t>
             </a:r>
             <a:endParaRPr lang="en-US" dirty="0"/>
           </a:p>
         </p:txBody>
       </p:sp>
-      <p:sp>
-        <p:nvSpPr>
-          <p:cNvPr id="4" name="Rectangle 3"/>
-          <p:cNvSpPr/>
-          <p:nvPr/>
-        </p:nvSpPr>
+      <p:pic>
+        <p:nvPicPr>
+          <p:cNvPr id="4" name="Content Placeholder 3"/>
+          <p:cNvPicPr>
+            <a:picLocks noGrp="1" noChangeAspect="1"/>
+          </p:cNvPicPr>
+          <p:nvPr>
+            <p:ph idx="1"/>
+          </p:nvPr>
+        </p:nvPicPr>
+        <p:blipFill>
+          <a:blip r:embed="rId2"/>
+          <a:stretch>
+            <a:fillRect/>
+          </a:stretch>
+        </p:blipFill>
         <p:spPr>
           <a:xfrm>
-            <a:off x="1524000" y="1752600"/>
-            <a:ext cx="7162800" cy="762000"/>
+            <a:off x="2837156" y="2214766"/>
+            <a:ext cx="4695238" cy="3266667"/>
           </a:xfrm>
           <a:prstGeom prst="rect">
             <a:avLst/>
           </a:prstGeom>
         </p:spPr>
-        <p:style>
-          <a:lnRef idx="2">
-            <a:schemeClr val="accent1">
-              <a:shade val="50000"/>
-            </a:schemeClr>
-          </a:lnRef>
-          <a:fillRef idx="1">
-            <a:schemeClr val="accent1"/>
-          </a:fillRef>
-          <a:effectRef idx="0">
-            <a:schemeClr val="accent1"/>
-          </a:effectRef>
-          <a:fontRef idx="minor">
-            <a:schemeClr val="lt1"/>
-          </a:fontRef>
-        </p:style>
-        <p:txBody>
-          <a:bodyPr rtlCol="0" anchor="ctr"/>
-          <a:lstStyle/>
-          <a:p>
-            <a:pPr algn="ctr"/>
-            <a:r>
-              <a:rPr lang="en-US" dirty="0" smtClean="0"/>
-              <a:t>&lt;header&gt;</a:t>
-            </a:r>
-            <a:endParaRPr lang="en-US" dirty="0"/>
-          </a:p>
-        </p:txBody>
-      </p:sp>
-      <p:sp>
-        <p:nvSpPr>
-          <p:cNvPr id="5" name="Rectangle 4"/>
-          <p:cNvSpPr/>
-          <p:nvPr/>
-        </p:nvSpPr>
-        <p:spPr>
-          <a:xfrm>
-            <a:off x="1524000" y="2590800"/>
-            <a:ext cx="1676400" cy="3276600"/>
-          </a:xfrm>
-          <a:prstGeom prst="rect">
-            <a:avLst/>
-          </a:prstGeom>
-        </p:spPr>
-        <p:style>
-          <a:lnRef idx="2">
-            <a:schemeClr val="accent1">
-              <a:shade val="50000"/>
-            </a:schemeClr>
-          </a:lnRef>
-          <a:fillRef idx="1">
-            <a:schemeClr val="accent1"/>
-          </a:fillRef>
-          <a:effectRef idx="0">
-            <a:schemeClr val="accent1"/>
-          </a:effectRef>
-          <a:fontRef idx="minor">
-            <a:schemeClr val="lt1"/>
-          </a:fontRef>
-        </p:style>
-        <p:txBody>
-          <a:bodyPr rtlCol="0" anchor="ctr"/>
-          <a:lstStyle/>
-          <a:p>
-            <a:pPr algn="ctr"/>
-            <a:r>
-              <a:rPr lang="en-US" dirty="0" smtClean="0"/>
-              <a:t>&lt;left-panel&gt;</a:t>
-            </a:r>
-            <a:endParaRPr lang="en-US" dirty="0"/>
-          </a:p>
-        </p:txBody>
-      </p:sp>
-      <p:sp>
-        <p:nvSpPr>
-          <p:cNvPr id="6" name="Rectangle 5"/>
-          <p:cNvSpPr/>
-          <p:nvPr/>
-        </p:nvSpPr>
-        <p:spPr>
-          <a:xfrm>
-            <a:off x="3314700" y="2590800"/>
-            <a:ext cx="3771900" cy="3276600"/>
-          </a:xfrm>
-          <a:prstGeom prst="rect">
-            <a:avLst/>
-          </a:prstGeom>
-        </p:spPr>
-        <p:style>
-          <a:lnRef idx="2">
-            <a:schemeClr val="accent1">
-              <a:shade val="50000"/>
-            </a:schemeClr>
-          </a:lnRef>
-          <a:fillRef idx="1">
-            <a:schemeClr val="accent1"/>
-          </a:fillRef>
-          <a:effectRef idx="0">
-            <a:schemeClr val="accent1"/>
-          </a:effectRef>
-          <a:fontRef idx="minor">
-            <a:schemeClr val="lt1"/>
-          </a:fontRef>
-        </p:style>
-        <p:txBody>
-          <a:bodyPr rtlCol="0" anchor="ctr"/>
-          <a:lstStyle/>
-          <a:p>
-            <a:pPr algn="ctr"/>
-            <a:r>
-              <a:rPr lang="en-US" dirty="0" smtClean="0"/>
-              <a:t>&lt;content-panel&gt;</a:t>
-            </a:r>
-            <a:endParaRPr lang="en-US" dirty="0"/>
-          </a:p>
-        </p:txBody>
-      </p:sp>
-      <p:sp>
-        <p:nvSpPr>
-          <p:cNvPr id="7" name="Rectangle 6"/>
-          <p:cNvSpPr/>
-          <p:nvPr/>
-        </p:nvSpPr>
-        <p:spPr>
-          <a:xfrm>
-            <a:off x="7200900" y="2590800"/>
-            <a:ext cx="1485900" cy="3276600"/>
-          </a:xfrm>
-          <a:prstGeom prst="rect">
-            <a:avLst/>
-          </a:prstGeom>
-        </p:spPr>
-        <p:style>
-          <a:lnRef idx="2">
-            <a:schemeClr val="accent1">
-              <a:shade val="50000"/>
-            </a:schemeClr>
-          </a:lnRef>
-          <a:fillRef idx="1">
-            <a:schemeClr val="accent1"/>
-          </a:fillRef>
-          <a:effectRef idx="0">
-            <a:schemeClr val="accent1"/>
-          </a:effectRef>
-          <a:fontRef idx="minor">
-            <a:schemeClr val="lt1"/>
-          </a:fontRef>
-        </p:style>
-        <p:txBody>
-          <a:bodyPr rtlCol="0" anchor="ctr"/>
-          <a:lstStyle/>
-          <a:p>
-            <a:pPr algn="ctr"/>
-            <a:r>
-              <a:rPr lang="en-US" dirty="0" smtClean="0"/>
-              <a:t>&lt;right-panel&gt;</a:t>
-            </a:r>
-            <a:endParaRPr lang="en-US" dirty="0"/>
-          </a:p>
-        </p:txBody>
-      </p:sp>
-      <p:sp>
-        <p:nvSpPr>
-          <p:cNvPr id="8" name="Rectangle 7"/>
-          <p:cNvSpPr/>
-          <p:nvPr/>
-        </p:nvSpPr>
-        <p:spPr>
-          <a:xfrm>
-            <a:off x="1524000" y="5945777"/>
-            <a:ext cx="7162800" cy="455023"/>
-          </a:xfrm>
-          <a:prstGeom prst="rect">
-            <a:avLst/>
-          </a:prstGeom>
-        </p:spPr>
-        <p:style>
-          <a:lnRef idx="2">
-            <a:schemeClr val="accent1">
-              <a:shade val="50000"/>
-            </a:schemeClr>
-          </a:lnRef>
-          <a:fillRef idx="1">
-            <a:schemeClr val="accent1"/>
-          </a:fillRef>
-          <a:effectRef idx="0">
-            <a:schemeClr val="accent1"/>
-          </a:effectRef>
-          <a:fontRef idx="minor">
-            <a:schemeClr val="lt1"/>
-          </a:fontRef>
-        </p:style>
-        <p:txBody>
-          <a:bodyPr rtlCol="0" anchor="ctr"/>
-          <a:lstStyle/>
-          <a:p>
-            <a:pPr algn="ctr"/>
-            <a:r>
-              <a:rPr lang="en-US" dirty="0" smtClean="0"/>
-              <a:t>&lt;footer&gt;</a:t>
-            </a:r>
-            <a:endParaRPr lang="en-US" dirty="0"/>
-          </a:p>
-        </p:txBody>
-      </p:sp>
-      <p:sp>
-        <p:nvSpPr>
-          <p:cNvPr id="9" name="Rectangle 8"/>
-          <p:cNvSpPr/>
-          <p:nvPr/>
-        </p:nvSpPr>
-        <p:spPr>
-          <a:xfrm>
-            <a:off x="3429000" y="2743200"/>
-            <a:ext cx="3505200" cy="838200"/>
-          </a:xfrm>
-          <a:prstGeom prst="rect">
-            <a:avLst/>
-          </a:prstGeom>
-        </p:spPr>
-        <p:style>
-          <a:lnRef idx="2">
-            <a:schemeClr val="accent2">
-              <a:shade val="50000"/>
-            </a:schemeClr>
-          </a:lnRef>
-          <a:fillRef idx="1">
-            <a:schemeClr val="accent2"/>
-          </a:fillRef>
-          <a:effectRef idx="0">
-            <a:schemeClr val="accent2"/>
-          </a:effectRef>
-          <a:fontRef idx="minor">
-            <a:schemeClr val="lt1"/>
-          </a:fontRef>
-        </p:style>
-        <p:txBody>
-          <a:bodyPr rtlCol="0" anchor="ctr"/>
-          <a:lstStyle/>
-          <a:p>
-            <a:pPr algn="ctr"/>
-            <a:r>
-              <a:rPr lang="en-US" dirty="0" smtClean="0"/>
-              <a:t>&lt;customer-search&gt;</a:t>
-            </a:r>
-            <a:endParaRPr lang="en-US" dirty="0"/>
-          </a:p>
-        </p:txBody>
-      </p:sp>
-      <p:sp>
-        <p:nvSpPr>
-          <p:cNvPr id="10" name="Rectangle 9"/>
-          <p:cNvSpPr/>
-          <p:nvPr/>
-        </p:nvSpPr>
-        <p:spPr>
-          <a:xfrm>
-            <a:off x="3429000" y="3657600"/>
-            <a:ext cx="3505200" cy="2133600"/>
-          </a:xfrm>
-          <a:prstGeom prst="rect">
-            <a:avLst/>
-          </a:prstGeom>
-        </p:spPr>
-        <p:style>
-          <a:lnRef idx="2">
-            <a:schemeClr val="accent2">
-              <a:shade val="50000"/>
-            </a:schemeClr>
-          </a:lnRef>
-          <a:fillRef idx="1">
-            <a:schemeClr val="accent2"/>
-          </a:fillRef>
-          <a:effectRef idx="0">
-            <a:schemeClr val="accent2"/>
-          </a:effectRef>
-          <a:fontRef idx="minor">
-            <a:schemeClr val="lt1"/>
-          </a:fontRef>
-        </p:style>
-        <p:txBody>
-          <a:bodyPr rtlCol="0" anchor="ctr"/>
-          <a:lstStyle/>
-          <a:p>
-            <a:pPr algn="ctr"/>
-            <a:endParaRPr lang="en-US" dirty="0" smtClean="0"/>
-          </a:p>
-          <a:p>
-            <a:pPr algn="ctr"/>
-            <a:endParaRPr lang="en-US" dirty="0"/>
-          </a:p>
-          <a:p>
-            <a:pPr algn="ctr"/>
-            <a:endParaRPr lang="en-US" dirty="0" smtClean="0"/>
-          </a:p>
-          <a:p>
-            <a:pPr algn="ctr"/>
-            <a:r>
-              <a:rPr lang="en-US" dirty="0" smtClean="0"/>
-              <a:t>&lt;customer-list&gt;</a:t>
-            </a:r>
-            <a:endParaRPr lang="en-US" dirty="0"/>
-          </a:p>
-        </p:txBody>
-      </p:sp>
-      <p:sp>
-        <p:nvSpPr>
-          <p:cNvPr id="11" name="Rectangle 10"/>
-          <p:cNvSpPr/>
-          <p:nvPr/>
-        </p:nvSpPr>
-        <p:spPr>
-          <a:xfrm>
-            <a:off x="3733800" y="3352800"/>
-            <a:ext cx="2895600" cy="1496016"/>
-          </a:xfrm>
-          <a:prstGeom prst="rect">
-            <a:avLst/>
-          </a:prstGeom>
-        </p:spPr>
-        <p:style>
-          <a:lnRef idx="2">
-            <a:schemeClr val="accent3">
-              <a:shade val="50000"/>
-            </a:schemeClr>
-          </a:lnRef>
-          <a:fillRef idx="1">
-            <a:schemeClr val="accent3"/>
-          </a:fillRef>
-          <a:effectRef idx="0">
-            <a:schemeClr val="accent3"/>
-          </a:effectRef>
-          <a:fontRef idx="minor">
-            <a:schemeClr val="lt1"/>
-          </a:fontRef>
-        </p:style>
-        <p:txBody>
-          <a:bodyPr rtlCol="0" anchor="ctr"/>
-          <a:lstStyle/>
-          <a:p>
-            <a:pPr algn="ctr"/>
-            <a:r>
-              <a:rPr lang="en-US" dirty="0" smtClean="0"/>
-              <a:t>&lt;customer-detail&gt;</a:t>
-            </a:r>
-            <a:endParaRPr lang="en-US" dirty="0"/>
-          </a:p>
-        </p:txBody>
-      </p:sp>
+      </p:pic>
     </p:spTree>
     <p:extLst>
       <p:ext uri="{BB962C8B-B14F-4D97-AF65-F5344CB8AC3E}">
-        <p14:creationId xmlns:p14="http://schemas.microsoft.com/office/powerpoint/2010/main" val="3470540530"/>
-      </p:ext>
-    </p:extLst>
-  </p:cSld>
-  <p:clrMapOvr>
-    <a:masterClrMapping/>
-  </p:clrMapOvr>
-  <p:timing>
-    <p:tnLst>
-      <p:par>
-        <p:cTn id="1" dur="indefinite" restart="never" nodeType="tmRoot">
-          <p:childTnLst>
-            <p:seq concurrent="1" nextAc="seek">
-              <p:cTn id="2" dur="indefinite" nodeType="mainSeq">
-                <p:childTnLst>
-                  <p:par>
-                    <p:cTn id="3" fill="hold">
-                      <p:stCondLst>
-                        <p:cond delay="indefinite"/>
-                      </p:stCondLst>
-                      <p:childTnLst>
-                        <p:par>
-                          <p:cTn id="4" fill="hold">
-                            <p:stCondLst>
-                              <p:cond delay="0"/>
-                            </p:stCondLst>
-                            <p:childTnLst>
-                              <p:par>
-                                <p:cTn id="5" presetID="2" presetClass="entr" presetSubtype="4" fill="hold" grpId="0" nodeType="clickEffect">
-                                  <p:stCondLst>
-                                    <p:cond delay="0"/>
-                                  </p:stCondLst>
-                                  <p:childTnLst>
-                                    <p:set>
-                                      <p:cBhvr>
-                                        <p:cTn id="6" dur="1" fill="hold">
-                                          <p:stCondLst>
-                                            <p:cond delay="0"/>
-                                          </p:stCondLst>
-                                        </p:cTn>
-                                        <p:tgtEl>
-                                          <p:spTgt spid="4"/>
-                                        </p:tgtEl>
-                                        <p:attrNameLst>
-                                          <p:attrName>style.visibility</p:attrName>
-                                        </p:attrNameLst>
-                                      </p:cBhvr>
-                                      <p:to>
-                                        <p:strVal val="visible"/>
-                                      </p:to>
-                                    </p:set>
-                                    <p:anim calcmode="lin" valueType="num">
-                                      <p:cBhvr additive="base">
-                                        <p:cTn id="7" dur="500" fill="hold"/>
-                                        <p:tgtEl>
-                                          <p:spTgt spid="4"/>
-                                        </p:tgtEl>
-                                        <p:attrNameLst>
-                                          <p:attrName>ppt_x</p:attrName>
-                                        </p:attrNameLst>
-                                      </p:cBhvr>
-                                      <p:tavLst>
-                                        <p:tav tm="0">
-                                          <p:val>
-                                            <p:strVal val="#ppt_x"/>
-                                          </p:val>
-                                        </p:tav>
-                                        <p:tav tm="100000">
-                                          <p:val>
-                                            <p:strVal val="#ppt_x"/>
-                                          </p:val>
-                                        </p:tav>
-                                      </p:tavLst>
-                                    </p:anim>
-                                    <p:anim calcmode="lin" valueType="num">
-                                      <p:cBhvr additive="base">
-                                        <p:cTn id="8" dur="500" fill="hold"/>
-                                        <p:tgtEl>
-                                          <p:spTgt spid="4"/>
-                                        </p:tgtEl>
-                                        <p:attrNameLst>
-                                          <p:attrName>ppt_y</p:attrName>
-                                        </p:attrNameLst>
-                                      </p:cBhvr>
-                                      <p:tavLst>
-                                        <p:tav tm="0">
-                                          <p:val>
-                                            <p:strVal val="1+#ppt_h/2"/>
-                                          </p:val>
-                                        </p:tav>
-                                        <p:tav tm="100000">
-                                          <p:val>
-                                            <p:strVal val="#ppt_y"/>
-                                          </p:val>
-                                        </p:tav>
-                                      </p:tavLst>
-                                    </p:anim>
-                                  </p:childTnLst>
-                                </p:cTn>
-                              </p:par>
-                            </p:childTnLst>
-                          </p:cTn>
-                        </p:par>
-                      </p:childTnLst>
-                    </p:cTn>
-                  </p:par>
-                  <p:par>
-                    <p:cTn id="9" fill="hold">
-                      <p:stCondLst>
-                        <p:cond delay="indefinite"/>
-                      </p:stCondLst>
-                      <p:childTnLst>
-                        <p:par>
-                          <p:cTn id="10" fill="hold">
-                            <p:stCondLst>
-                              <p:cond delay="0"/>
-                            </p:stCondLst>
-                            <p:childTnLst>
-                              <p:par>
-                                <p:cTn id="11" presetID="2" presetClass="entr" presetSubtype="4" fill="hold" grpId="0" nodeType="clickEffect">
-                                  <p:stCondLst>
-                                    <p:cond delay="0"/>
-                                  </p:stCondLst>
-                                  <p:childTnLst>
-                                    <p:set>
-                                      <p:cBhvr>
-                                        <p:cTn id="12" dur="1" fill="hold">
-                                          <p:stCondLst>
-                                            <p:cond delay="0"/>
-                                          </p:stCondLst>
-                                        </p:cTn>
-                                        <p:tgtEl>
-                                          <p:spTgt spid="5"/>
-                                        </p:tgtEl>
-                                        <p:attrNameLst>
-                                          <p:attrName>style.visibility</p:attrName>
-                                        </p:attrNameLst>
-                                      </p:cBhvr>
-                                      <p:to>
-                                        <p:strVal val="visible"/>
-                                      </p:to>
-                                    </p:set>
-                                    <p:anim calcmode="lin" valueType="num">
-                                      <p:cBhvr additive="base">
-                                        <p:cTn id="13" dur="500" fill="hold"/>
-                                        <p:tgtEl>
-                                          <p:spTgt spid="5"/>
-                                        </p:tgtEl>
-                                        <p:attrNameLst>
-                                          <p:attrName>ppt_x</p:attrName>
-                                        </p:attrNameLst>
-                                      </p:cBhvr>
-                                      <p:tavLst>
-                                        <p:tav tm="0">
-                                          <p:val>
-                                            <p:strVal val="#ppt_x"/>
-                                          </p:val>
-                                        </p:tav>
-                                        <p:tav tm="100000">
-                                          <p:val>
-                                            <p:strVal val="#ppt_x"/>
-                                          </p:val>
-                                        </p:tav>
-                                      </p:tavLst>
-                                    </p:anim>
-                                    <p:anim calcmode="lin" valueType="num">
-                                      <p:cBhvr additive="base">
-                                        <p:cTn id="14" dur="500" fill="hold"/>
-                                        <p:tgtEl>
-                                          <p:spTgt spid="5"/>
-                                        </p:tgtEl>
-                                        <p:attrNameLst>
-                                          <p:attrName>ppt_y</p:attrName>
-                                        </p:attrNameLst>
-                                      </p:cBhvr>
-                                      <p:tavLst>
-                                        <p:tav tm="0">
-                                          <p:val>
-                                            <p:strVal val="1+#ppt_h/2"/>
-                                          </p:val>
-                                        </p:tav>
-                                        <p:tav tm="100000">
-                                          <p:val>
-                                            <p:strVal val="#ppt_y"/>
-                                          </p:val>
-                                        </p:tav>
-                                      </p:tavLst>
-                                    </p:anim>
-                                  </p:childTnLst>
-                                </p:cTn>
-                              </p:par>
-                            </p:childTnLst>
-                          </p:cTn>
-                        </p:par>
-                      </p:childTnLst>
-                    </p:cTn>
-                  </p:par>
-                  <p:par>
-                    <p:cTn id="15" fill="hold">
-                      <p:stCondLst>
-                        <p:cond delay="indefinite"/>
-                      </p:stCondLst>
-                      <p:childTnLst>
-                        <p:par>
-                          <p:cTn id="16" fill="hold">
-                            <p:stCondLst>
-                              <p:cond delay="0"/>
-                            </p:stCondLst>
-                            <p:childTnLst>
-                              <p:par>
-                                <p:cTn id="17" presetID="2" presetClass="entr" presetSubtype="4" fill="hold" grpId="0" nodeType="clickEffect">
-                                  <p:stCondLst>
-                                    <p:cond delay="0"/>
-                                  </p:stCondLst>
-                                  <p:childTnLst>
-                                    <p:set>
-                                      <p:cBhvr>
-                                        <p:cTn id="18" dur="1" fill="hold">
-                                          <p:stCondLst>
-                                            <p:cond delay="0"/>
-                                          </p:stCondLst>
-                                        </p:cTn>
-                                        <p:tgtEl>
-                                          <p:spTgt spid="6"/>
-                                        </p:tgtEl>
-                                        <p:attrNameLst>
-                                          <p:attrName>style.visibility</p:attrName>
-                                        </p:attrNameLst>
-                                      </p:cBhvr>
-                                      <p:to>
-                                        <p:strVal val="visible"/>
-                                      </p:to>
-                                    </p:set>
-                                    <p:anim calcmode="lin" valueType="num">
-                                      <p:cBhvr additive="base">
-                                        <p:cTn id="19" dur="500" fill="hold"/>
-                                        <p:tgtEl>
-                                          <p:spTgt spid="6"/>
-                                        </p:tgtEl>
-                                        <p:attrNameLst>
-                                          <p:attrName>ppt_x</p:attrName>
-                                        </p:attrNameLst>
-                                      </p:cBhvr>
-                                      <p:tavLst>
-                                        <p:tav tm="0">
-                                          <p:val>
-                                            <p:strVal val="#ppt_x"/>
-                                          </p:val>
-                                        </p:tav>
-                                        <p:tav tm="100000">
-                                          <p:val>
-                                            <p:strVal val="#ppt_x"/>
-                                          </p:val>
-                                        </p:tav>
-                                      </p:tavLst>
-                                    </p:anim>
-                                    <p:anim calcmode="lin" valueType="num">
-                                      <p:cBhvr additive="base">
-                                        <p:cTn id="20" dur="500" fill="hold"/>
-                                        <p:tgtEl>
-                                          <p:spTgt spid="6"/>
-                                        </p:tgtEl>
-                                        <p:attrNameLst>
-                                          <p:attrName>ppt_y</p:attrName>
-                                        </p:attrNameLst>
-                                      </p:cBhvr>
-                                      <p:tavLst>
-                                        <p:tav tm="0">
-                                          <p:val>
-                                            <p:strVal val="1+#ppt_h/2"/>
-                                          </p:val>
-                                        </p:tav>
-                                        <p:tav tm="100000">
-                                          <p:val>
-                                            <p:strVal val="#ppt_y"/>
-                                          </p:val>
-                                        </p:tav>
-                                      </p:tavLst>
-                                    </p:anim>
-                                  </p:childTnLst>
-                                </p:cTn>
-                              </p:par>
-                            </p:childTnLst>
-                          </p:cTn>
-                        </p:par>
-                      </p:childTnLst>
-                    </p:cTn>
-                  </p:par>
-                  <p:par>
-                    <p:cTn id="21" fill="hold">
-                      <p:stCondLst>
-                        <p:cond delay="indefinite"/>
-                      </p:stCondLst>
-                      <p:childTnLst>
-                        <p:par>
-                          <p:cTn id="22" fill="hold">
-                            <p:stCondLst>
-                              <p:cond delay="0"/>
-                            </p:stCondLst>
-                            <p:childTnLst>
-                              <p:par>
-                                <p:cTn id="23" presetID="2" presetClass="entr" presetSubtype="4" fill="hold" grpId="0" nodeType="clickEffect">
-                                  <p:stCondLst>
-                                    <p:cond delay="0"/>
-                                  </p:stCondLst>
-                                  <p:childTnLst>
-                                    <p:set>
-                                      <p:cBhvr>
-                                        <p:cTn id="24" dur="1" fill="hold">
-                                          <p:stCondLst>
-                                            <p:cond delay="0"/>
-                                          </p:stCondLst>
-                                        </p:cTn>
-                                        <p:tgtEl>
-                                          <p:spTgt spid="7"/>
-                                        </p:tgtEl>
-                                        <p:attrNameLst>
-                                          <p:attrName>style.visibility</p:attrName>
-                                        </p:attrNameLst>
-                                      </p:cBhvr>
-                                      <p:to>
-                                        <p:strVal val="visible"/>
-                                      </p:to>
-                                    </p:set>
-                                    <p:anim calcmode="lin" valueType="num">
-                                      <p:cBhvr additive="base">
-                                        <p:cTn id="25" dur="500" fill="hold"/>
-                                        <p:tgtEl>
-                                          <p:spTgt spid="7"/>
-                                        </p:tgtEl>
-                                        <p:attrNameLst>
-                                          <p:attrName>ppt_x</p:attrName>
-                                        </p:attrNameLst>
-                                      </p:cBhvr>
-                                      <p:tavLst>
-                                        <p:tav tm="0">
-                                          <p:val>
-                                            <p:strVal val="#ppt_x"/>
-                                          </p:val>
-                                        </p:tav>
-                                        <p:tav tm="100000">
-                                          <p:val>
-                                            <p:strVal val="#ppt_x"/>
-                                          </p:val>
-                                        </p:tav>
-                                      </p:tavLst>
-                                    </p:anim>
-                                    <p:anim calcmode="lin" valueType="num">
-                                      <p:cBhvr additive="base">
-                                        <p:cTn id="26" dur="500" fill="hold"/>
-                                        <p:tgtEl>
-                                          <p:spTgt spid="7"/>
-                                        </p:tgtEl>
-                                        <p:attrNameLst>
-                                          <p:attrName>ppt_y</p:attrName>
-                                        </p:attrNameLst>
-                                      </p:cBhvr>
-                                      <p:tavLst>
-                                        <p:tav tm="0">
-                                          <p:val>
-                                            <p:strVal val="1+#ppt_h/2"/>
-                                          </p:val>
-                                        </p:tav>
-                                        <p:tav tm="100000">
-                                          <p:val>
-                                            <p:strVal val="#ppt_y"/>
-                                          </p:val>
-                                        </p:tav>
-                                      </p:tavLst>
-                                    </p:anim>
-                                  </p:childTnLst>
-                                </p:cTn>
-                              </p:par>
-                            </p:childTnLst>
-                          </p:cTn>
-                        </p:par>
-                      </p:childTnLst>
-                    </p:cTn>
-                  </p:par>
-                  <p:par>
-                    <p:cTn id="27" fill="hold">
-                      <p:stCondLst>
-                        <p:cond delay="indefinite"/>
-                      </p:stCondLst>
-                      <p:childTnLst>
-                        <p:par>
-                          <p:cTn id="28" fill="hold">
-                            <p:stCondLst>
-                              <p:cond delay="0"/>
-                            </p:stCondLst>
-                            <p:childTnLst>
-                              <p:par>
-                                <p:cTn id="29" presetID="2" presetClass="entr" presetSubtype="4" fill="hold" grpId="0" nodeType="clickEffect">
-                                  <p:stCondLst>
-                                    <p:cond delay="0"/>
-                                  </p:stCondLst>
-                                  <p:childTnLst>
-                                    <p:set>
-                                      <p:cBhvr>
-                                        <p:cTn id="30" dur="1" fill="hold">
-                                          <p:stCondLst>
-                                            <p:cond delay="0"/>
-                                          </p:stCondLst>
-                                        </p:cTn>
-                                        <p:tgtEl>
-                                          <p:spTgt spid="8"/>
-                                        </p:tgtEl>
-                                        <p:attrNameLst>
-                                          <p:attrName>style.visibility</p:attrName>
-                                        </p:attrNameLst>
-                                      </p:cBhvr>
-                                      <p:to>
-                                        <p:strVal val="visible"/>
-                                      </p:to>
-                                    </p:set>
-                                    <p:anim calcmode="lin" valueType="num">
-                                      <p:cBhvr additive="base">
-                                        <p:cTn id="31" dur="500" fill="hold"/>
-                                        <p:tgtEl>
-                                          <p:spTgt spid="8"/>
-                                        </p:tgtEl>
-                                        <p:attrNameLst>
-                                          <p:attrName>ppt_x</p:attrName>
-                                        </p:attrNameLst>
-                                      </p:cBhvr>
-                                      <p:tavLst>
-                                        <p:tav tm="0">
-                                          <p:val>
-                                            <p:strVal val="#ppt_x"/>
-                                          </p:val>
-                                        </p:tav>
-                                        <p:tav tm="100000">
-                                          <p:val>
-                                            <p:strVal val="#ppt_x"/>
-                                          </p:val>
-                                        </p:tav>
-                                      </p:tavLst>
-                                    </p:anim>
-                                    <p:anim calcmode="lin" valueType="num">
-                                      <p:cBhvr additive="base">
-                                        <p:cTn id="32" dur="500" fill="hold"/>
-                                        <p:tgtEl>
-                                          <p:spTgt spid="8"/>
-                                        </p:tgtEl>
-                                        <p:attrNameLst>
-                                          <p:attrName>ppt_y</p:attrName>
-                                        </p:attrNameLst>
-                                      </p:cBhvr>
-                                      <p:tavLst>
-                                        <p:tav tm="0">
-                                          <p:val>
-                                            <p:strVal val="1+#ppt_h/2"/>
-                                          </p:val>
-                                        </p:tav>
-                                        <p:tav tm="100000">
-                                          <p:val>
-                                            <p:strVal val="#ppt_y"/>
-                                          </p:val>
-                                        </p:tav>
-                                      </p:tavLst>
-                                    </p:anim>
-                                  </p:childTnLst>
-                                </p:cTn>
-                              </p:par>
-                            </p:childTnLst>
-                          </p:cTn>
-                        </p:par>
-                      </p:childTnLst>
-                    </p:cTn>
-                  </p:par>
-                  <p:par>
-                    <p:cTn id="33" fill="hold">
-                      <p:stCondLst>
-                        <p:cond delay="indefinite"/>
-                      </p:stCondLst>
-                      <p:childTnLst>
-                        <p:par>
-                          <p:cTn id="34" fill="hold">
-                            <p:stCondLst>
-                              <p:cond delay="0"/>
-                            </p:stCondLst>
-                            <p:childTnLst>
-                              <p:par>
-                                <p:cTn id="35" presetID="2" presetClass="entr" presetSubtype="4" fill="hold" grpId="0" nodeType="clickEffect">
-                                  <p:stCondLst>
-                                    <p:cond delay="0"/>
-                                  </p:stCondLst>
-                                  <p:childTnLst>
-                                    <p:set>
-                                      <p:cBhvr>
-                                        <p:cTn id="36" dur="1" fill="hold">
-                                          <p:stCondLst>
-                                            <p:cond delay="0"/>
-                                          </p:stCondLst>
-                                        </p:cTn>
-                                        <p:tgtEl>
-                                          <p:spTgt spid="9"/>
-                                        </p:tgtEl>
-                                        <p:attrNameLst>
-                                          <p:attrName>style.visibility</p:attrName>
-                                        </p:attrNameLst>
-                                      </p:cBhvr>
-                                      <p:to>
-                                        <p:strVal val="visible"/>
-                                      </p:to>
-                                    </p:set>
-                                    <p:anim calcmode="lin" valueType="num">
-                                      <p:cBhvr additive="base">
-                                        <p:cTn id="37" dur="500" fill="hold"/>
-                                        <p:tgtEl>
-                                          <p:spTgt spid="9"/>
-                                        </p:tgtEl>
-                                        <p:attrNameLst>
-                                          <p:attrName>ppt_x</p:attrName>
-                                        </p:attrNameLst>
-                                      </p:cBhvr>
-                                      <p:tavLst>
-                                        <p:tav tm="0">
-                                          <p:val>
-                                            <p:strVal val="#ppt_x"/>
-                                          </p:val>
-                                        </p:tav>
-                                        <p:tav tm="100000">
-                                          <p:val>
-                                            <p:strVal val="#ppt_x"/>
-                                          </p:val>
-                                        </p:tav>
-                                      </p:tavLst>
-                                    </p:anim>
-                                    <p:anim calcmode="lin" valueType="num">
-                                      <p:cBhvr additive="base">
-                                        <p:cTn id="38" dur="500" fill="hold"/>
-                                        <p:tgtEl>
-                                          <p:spTgt spid="9"/>
-                                        </p:tgtEl>
-                                        <p:attrNameLst>
-                                          <p:attrName>ppt_y</p:attrName>
-                                        </p:attrNameLst>
-                                      </p:cBhvr>
-                                      <p:tavLst>
-                                        <p:tav tm="0">
-                                          <p:val>
-                                            <p:strVal val="1+#ppt_h/2"/>
-                                          </p:val>
-                                        </p:tav>
-                                        <p:tav tm="100000">
-                                          <p:val>
-                                            <p:strVal val="#ppt_y"/>
-                                          </p:val>
-                                        </p:tav>
-                                      </p:tavLst>
-                                    </p:anim>
-                                  </p:childTnLst>
-                                </p:cTn>
-                              </p:par>
-                            </p:childTnLst>
-                          </p:cTn>
-                        </p:par>
-                      </p:childTnLst>
-                    </p:cTn>
-                  </p:par>
-                  <p:par>
-                    <p:cTn id="39" fill="hold">
-                      <p:stCondLst>
-                        <p:cond delay="indefinite"/>
-                      </p:stCondLst>
-                      <p:childTnLst>
-                        <p:par>
-                          <p:cTn id="40" fill="hold">
-                            <p:stCondLst>
-                              <p:cond delay="0"/>
-                            </p:stCondLst>
-                            <p:childTnLst>
-                              <p:par>
-                                <p:cTn id="41" presetID="2" presetClass="entr" presetSubtype="4" fill="hold" grpId="0" nodeType="clickEffect">
-                                  <p:stCondLst>
-                                    <p:cond delay="0"/>
-                                  </p:stCondLst>
-                                  <p:childTnLst>
-                                    <p:set>
-                                      <p:cBhvr>
-                                        <p:cTn id="42" dur="1" fill="hold">
-                                          <p:stCondLst>
-                                            <p:cond delay="0"/>
-                                          </p:stCondLst>
-                                        </p:cTn>
-                                        <p:tgtEl>
-                                          <p:spTgt spid="10"/>
-                                        </p:tgtEl>
-                                        <p:attrNameLst>
-                                          <p:attrName>style.visibility</p:attrName>
-                                        </p:attrNameLst>
-                                      </p:cBhvr>
-                                      <p:to>
-                                        <p:strVal val="visible"/>
-                                      </p:to>
-                                    </p:set>
-                                    <p:anim calcmode="lin" valueType="num">
-                                      <p:cBhvr additive="base">
-                                        <p:cTn id="43" dur="500" fill="hold"/>
-                                        <p:tgtEl>
-                                          <p:spTgt spid="10"/>
-                                        </p:tgtEl>
-                                        <p:attrNameLst>
-                                          <p:attrName>ppt_x</p:attrName>
-                                        </p:attrNameLst>
-                                      </p:cBhvr>
-                                      <p:tavLst>
-                                        <p:tav tm="0">
-                                          <p:val>
-                                            <p:strVal val="#ppt_x"/>
-                                          </p:val>
-                                        </p:tav>
-                                        <p:tav tm="100000">
-                                          <p:val>
-                                            <p:strVal val="#ppt_x"/>
-                                          </p:val>
-                                        </p:tav>
-                                      </p:tavLst>
-                                    </p:anim>
-                                    <p:anim calcmode="lin" valueType="num">
-                                      <p:cBhvr additive="base">
-                                        <p:cTn id="44" dur="500" fill="hold"/>
-                                        <p:tgtEl>
-                                          <p:spTgt spid="10"/>
-                                        </p:tgtEl>
-                                        <p:attrNameLst>
-                                          <p:attrName>ppt_y</p:attrName>
-                                        </p:attrNameLst>
-                                      </p:cBhvr>
-                                      <p:tavLst>
-                                        <p:tav tm="0">
-                                          <p:val>
-                                            <p:strVal val="1+#ppt_h/2"/>
-                                          </p:val>
-                                        </p:tav>
-                                        <p:tav tm="100000">
-                                          <p:val>
-                                            <p:strVal val="#ppt_y"/>
-                                          </p:val>
-                                        </p:tav>
-                                      </p:tavLst>
-                                    </p:anim>
-                                  </p:childTnLst>
-                                </p:cTn>
-                              </p:par>
-                            </p:childTnLst>
-                          </p:cTn>
-                        </p:par>
-                      </p:childTnLst>
-                    </p:cTn>
-                  </p:par>
-                  <p:par>
-                    <p:cTn id="45" fill="hold">
-                      <p:stCondLst>
-                        <p:cond delay="indefinite"/>
-                      </p:stCondLst>
-                      <p:childTnLst>
-                        <p:par>
-                          <p:cTn id="46" fill="hold">
-                            <p:stCondLst>
-                              <p:cond delay="0"/>
-                            </p:stCondLst>
-                            <p:childTnLst>
-                              <p:par>
-                                <p:cTn id="47" presetID="2" presetClass="entr" presetSubtype="4" fill="hold" grpId="0" nodeType="clickEffect">
-                                  <p:stCondLst>
-                                    <p:cond delay="0"/>
-                                  </p:stCondLst>
-                                  <p:childTnLst>
-                                    <p:set>
-                                      <p:cBhvr>
-                                        <p:cTn id="48" dur="1" fill="hold">
-                                          <p:stCondLst>
-                                            <p:cond delay="0"/>
-                                          </p:stCondLst>
-                                        </p:cTn>
-                                        <p:tgtEl>
-                                          <p:spTgt spid="11"/>
-                                        </p:tgtEl>
-                                        <p:attrNameLst>
-                                          <p:attrName>style.visibility</p:attrName>
-                                        </p:attrNameLst>
-                                      </p:cBhvr>
-                                      <p:to>
-                                        <p:strVal val="visible"/>
-                                      </p:to>
-                                    </p:set>
-                                    <p:anim calcmode="lin" valueType="num">
-                                      <p:cBhvr additive="base">
-                                        <p:cTn id="49" dur="500" fill="hold"/>
-                                        <p:tgtEl>
-                                          <p:spTgt spid="11"/>
-                                        </p:tgtEl>
-                                        <p:attrNameLst>
-                                          <p:attrName>ppt_x</p:attrName>
-                                        </p:attrNameLst>
-                                      </p:cBhvr>
-                                      <p:tavLst>
-                                        <p:tav tm="0">
-                                          <p:val>
-                                            <p:strVal val="#ppt_x"/>
-                                          </p:val>
-                                        </p:tav>
-                                        <p:tav tm="100000">
-                                          <p:val>
-                                            <p:strVal val="#ppt_x"/>
-                                          </p:val>
-                                        </p:tav>
-                                      </p:tavLst>
-                                    </p:anim>
-                                    <p:anim calcmode="lin" valueType="num">
-                                      <p:cBhvr additive="base">
-                                        <p:cTn id="50" dur="500" fill="hold"/>
-                                        <p:tgtEl>
-                                          <p:spTgt spid="11"/>
-                                        </p:tgtEl>
-                                        <p:attrNameLst>
-                                          <p:attrName>ppt_y</p:attrName>
-                                        </p:attrNameLst>
-                                      </p:cBhvr>
-                                      <p:tavLst>
-                                        <p:tav tm="0">
-                                          <p:val>
-                                            <p:strVal val="1+#ppt_h/2"/>
-                                          </p:val>
-                                        </p:tav>
-                                        <p:tav tm="100000">
-                                          <p:val>
-                                            <p:strVal val="#ppt_y"/>
-                                          </p:val>
-                                        </p:tav>
-                                      </p:tavLst>
-                                    </p:anim>
-                                  </p:childTnLst>
-                                </p:cTn>
-                              </p:par>
-                            </p:childTnLst>
-                          </p:cTn>
-                        </p:par>
-                      </p:childTnLst>
-                    </p:cTn>
-                  </p:par>
-                </p:childTnLst>
-              </p:cTn>
-              <p:prevCondLst>
-                <p:cond evt="onPrev" delay="0">
-                  <p:tgtEl>
-                    <p:sldTgt/>
-                  </p:tgtEl>
-                </p:cond>
-              </p:prevCondLst>
-              <p:nextCondLst>
-                <p:cond evt="onNext" delay="0">
-                  <p:tgtEl>
-                    <p:sldTgt/>
-                  </p:tgtEl>
-                </p:cond>
-              </p:nextCondLst>
-            </p:seq>
-          </p:childTnLst>
-        </p:cTn>
-      </p:par>
-    </p:tnLst>
-    <p:bldLst>
-      <p:bldP spid="4" grpId="0" animBg="1"/>
-      <p:bldP spid="5" grpId="0" animBg="1"/>
-      <p:bldP spid="6" grpId="0" animBg="1"/>
-      <p:bldP spid="7" grpId="0" animBg="1"/>
-      <p:bldP spid="8" grpId="0" animBg="1"/>
-      <p:bldP spid="9" grpId="0" animBg="1"/>
-      <p:bldP spid="10" grpId="0" animBg="1"/>
-      <p:bldP spid="11" grpId="0" animBg="1"/>
-    </p:bldLst>
-  </p:timing>
-</p:sld>
-</file>
-
-<file path=ppt/slides/slide27.xml><?xml version="1.0" encoding="utf-8"?>
-<p:sld xmlns:a="http://schemas.openxmlformats.org/drawingml/2006/main" xmlns:r="http://schemas.openxmlformats.org/officeDocument/2006/relationships" xmlns:p="http://schemas.openxmlformats.org/presentationml/2006/main">
-  <p:cSld>
-    <p:spTree>
-      <p:nvGrpSpPr>
-        <p:cNvPr id="1" name=""/>
-        <p:cNvGrpSpPr/>
-        <p:nvPr/>
-      </p:nvGrpSpPr>
-      <p:grpSpPr>
-        <a:xfrm>
-          <a:off x="0" y="0"/>
-          <a:ext cx="0" cy="0"/>
-          <a:chOff x="0" y="0"/>
-          <a:chExt cx="0" cy="0"/>
-        </a:xfrm>
-      </p:grpSpPr>
-      <p:sp>
-        <p:nvSpPr>
-          <p:cNvPr id="2" name="Title 1"/>
-          <p:cNvSpPr>
-            <a:spLocks noGrp="1"/>
-          </p:cNvSpPr>
-          <p:nvPr>
-            <p:ph type="title"/>
-          </p:nvPr>
-        </p:nvSpPr>
-        <p:spPr/>
-        <p:txBody>
-          <a:bodyPr/>
-          <a:lstStyle/>
-          <a:p>
-            <a:r>
-              <a:rPr lang="en-US" dirty="0" smtClean="0"/>
-              <a:t>III) </a:t>
-            </a:r>
-            <a:r>
-              <a:rPr lang="en-US" dirty="0" smtClean="0"/>
-              <a:t>Dea</a:t>
-            </a:r>
-            <a:r>
-              <a:rPr lang="en-US" dirty="0" smtClean="0"/>
-              <a:t>ling with Model</a:t>
-            </a:r>
-            <a:endParaRPr lang="en-US" dirty="0"/>
-          </a:p>
-        </p:txBody>
-      </p:sp>
-      <p:sp>
-        <p:nvSpPr>
-          <p:cNvPr id="3" name="Content Placeholder 2"/>
-          <p:cNvSpPr>
-            <a:spLocks noGrp="1"/>
-          </p:cNvSpPr>
-          <p:nvPr>
-            <p:ph idx="1"/>
-          </p:nvPr>
-        </p:nvSpPr>
-        <p:spPr/>
-        <p:txBody>
-          <a:bodyPr/>
-          <a:lstStyle/>
-          <a:p>
-            <a:r>
-              <a:rPr lang="en-US" dirty="0" smtClean="0"/>
-              <a:t>Run webpage</a:t>
-            </a:r>
-          </a:p>
-          <a:p>
-            <a:r>
-              <a:rPr lang="en-US" dirty="0" smtClean="0"/>
-              <a:t>Description and Requirement</a:t>
-            </a:r>
-            <a:endParaRPr lang="en-US" dirty="0"/>
-          </a:p>
-        </p:txBody>
-      </p:sp>
-    </p:spTree>
-    <p:extLst>
-      <p:ext uri="{BB962C8B-B14F-4D97-AF65-F5344CB8AC3E}">
-        <p14:creationId xmlns:p14="http://schemas.microsoft.com/office/powerpoint/2010/main" val="4212454249"/>
+        <p14:creationId xmlns:p14="http://schemas.microsoft.com/office/powerpoint/2010/main" xmlns="" val="4173059709"/>
       </p:ext>
     </p:extLst>
   </p:cSld>
@@ -11436,11 +9478,7 @@
                                           </p:stCondLst>
                                         </p:cTn>
                                         <p:tgtEl>
-                                          <p:spTgt spid="3">
-                                            <p:txEl>
-                                              <p:pRg st="0" end="0"/>
-                                            </p:txEl>
-                                          </p:spTgt>
+                                          <p:spTgt spid="4"/>
                                         </p:tgtEl>
                                         <p:attrNameLst>
                                           <p:attrName>style.visibility</p:attrName>
@@ -11454,11 +9492,7 @@
                                       <p:cBhvr additive="base">
                                         <p:cTn id="7" dur="500" fill="hold"/>
                                         <p:tgtEl>
-                                          <p:spTgt spid="3">
-                                            <p:txEl>
-                                              <p:pRg st="0" end="0"/>
-                                            </p:txEl>
-                                          </p:spTgt>
+                                          <p:spTgt spid="4"/>
                                         </p:tgtEl>
                                         <p:attrNameLst>
                                           <p:attrName>ppt_x</p:attrName>
@@ -11481,11 +9515,7 @@
                                       <p:cBhvr additive="base">
                                         <p:cTn id="8" dur="500" fill="hold"/>
                                         <p:tgtEl>
-                                          <p:spTgt spid="3">
-                                            <p:txEl>
-                                              <p:pRg st="0" end="0"/>
-                                            </p:txEl>
-                                          </p:spTgt>
+                                          <p:spTgt spid="4"/>
                                         </p:tgtEl>
                                         <p:attrNameLst>
                                           <p:attrName>ppt_y</p:attrName>
@@ -11513,27 +9543,139 @@
                       </p:childTnLst>
                     </p:cTn>
                   </p:par>
+                </p:childTnLst>
+              </p:cTn>
+              <p:prevCondLst>
+                <p:cond evt="onPrev" delay="0">
+                  <p:tgtEl>
+                    <p:sldTgt/>
+                  </p:tgtEl>
+                </p:cond>
+              </p:prevCondLst>
+              <p:nextCondLst>
+                <p:cond evt="onNext" delay="0">
+                  <p:tgtEl>
+                    <p:sldTgt/>
+                  </p:tgtEl>
+                </p:cond>
+              </p:nextCondLst>
+            </p:seq>
+          </p:childTnLst>
+        </p:cTn>
+      </p:par>
+    </p:tnLst>
+  </p:timing>
+</p:sld>
+</file>
+
+<file path=ppt/slides/slide27.xml><?xml version="1.0" encoding="utf-8"?>
+<p:sld xmlns:a="http://schemas.openxmlformats.org/drawingml/2006/main" xmlns:r="http://schemas.openxmlformats.org/officeDocument/2006/relationships" xmlns:p="http://schemas.openxmlformats.org/presentationml/2006/main">
+  <p:cSld>
+    <p:spTree>
+      <p:nvGrpSpPr>
+        <p:cNvPr id="1" name=""/>
+        <p:cNvGrpSpPr/>
+        <p:nvPr/>
+      </p:nvGrpSpPr>
+      <p:grpSpPr>
+        <a:xfrm>
+          <a:off x="0" y="0"/>
+          <a:ext cx="0" cy="0"/>
+          <a:chOff x="0" y="0"/>
+          <a:chExt cx="0" cy="0"/>
+        </a:xfrm>
+      </p:grpSpPr>
+      <p:sp>
+        <p:nvSpPr>
+          <p:cNvPr id="2" name="Title 1"/>
+          <p:cNvSpPr>
+            <a:spLocks noGrp="1"/>
+          </p:cNvSpPr>
+          <p:nvPr>
+            <p:ph type="title"/>
+          </p:nvPr>
+        </p:nvSpPr>
+        <p:spPr/>
+        <p:txBody>
+          <a:bodyPr/>
+          <a:lstStyle/>
+          <a:p>
+            <a:r>
+              <a:rPr lang="en-US" dirty="0" smtClean="0"/>
+              <a:t>Directive interfaces (demo)</a:t>
+            </a:r>
+            <a:endParaRPr lang="en-US" dirty="0"/>
+          </a:p>
+        </p:txBody>
+      </p:sp>
+      <p:sp>
+        <p:nvSpPr>
+          <p:cNvPr id="3" name="Content Placeholder 2"/>
+          <p:cNvSpPr>
+            <a:spLocks noGrp="1"/>
+          </p:cNvSpPr>
+          <p:nvPr>
+            <p:ph idx="1"/>
+          </p:nvPr>
+        </p:nvSpPr>
+        <p:spPr/>
+        <p:txBody>
+          <a:bodyPr/>
+          <a:lstStyle/>
+          <a:p>
+            <a:r>
+              <a:rPr lang="en-US" dirty="0" smtClean="0"/>
+              <a:t>Parent directive </a:t>
+            </a:r>
+            <a:r>
+              <a:rPr lang="en-US" dirty="0" smtClean="0">
+                <a:sym typeface="Wingdings" panose="05000000000000000000" pitchFamily="2" charset="2"/>
+              </a:rPr>
+              <a:t>  Child directive</a:t>
+            </a:r>
+            <a:endParaRPr lang="en-US" dirty="0"/>
+          </a:p>
+        </p:txBody>
+      </p:sp>
+    </p:spTree>
+    <p:extLst>
+      <p:ext uri="{BB962C8B-B14F-4D97-AF65-F5344CB8AC3E}">
+        <p14:creationId xmlns:p14="http://schemas.microsoft.com/office/powerpoint/2010/main" xmlns="" val="42356175"/>
+      </p:ext>
+    </p:extLst>
+  </p:cSld>
+  <p:clrMapOvr>
+    <a:masterClrMapping/>
+  </p:clrMapOvr>
+  <p:timing>
+    <p:tnLst>
+      <p:par>
+        <p:cTn id="1" dur="indefinite" restart="never" nodeType="tmRoot">
+          <p:childTnLst>
+            <p:seq concurrent="1" nextAc="seek">
+              <p:cTn id="2" dur="indefinite" nodeType="mainSeq">
+                <p:childTnLst>
                   <p:par>
-                    <p:cTn id="9" fill="hold">
+                    <p:cTn id="3" fill="hold">
                       <p:stCondLst>
                         <p:cond delay="indefinite"/>
                       </p:stCondLst>
                       <p:childTnLst>
                         <p:par>
-                          <p:cTn id="10" fill="hold">
+                          <p:cTn id="4" fill="hold">
                             <p:stCondLst>
                               <p:cond delay="0"/>
                             </p:stCondLst>
                             <p:childTnLst>
                               <p:par>
-                                <p:cTn id="11" presetID="2" presetClass="entr" presetSubtype="4" fill="hold" nodeType="clickEffect">
+                                <p:cTn id="5" presetID="2" presetClass="entr" presetSubtype="4" fill="hold" nodeType="clickEffect">
                                   <p:stCondLst>
                                     <p:cond delay="0"/>
                                   </p:stCondLst>
                                   <p:childTnLst>
                                     <p:set>
                                       <p:cBhvr>
-                                        <p:cTn id="12" dur="1" fill="hold">
+                                        <p:cTn id="6" dur="1" fill="hold">
                                           <p:stCondLst>
                                             <p:cond delay="0"/>
                                           </p:stCondLst>
@@ -11541,7 +9683,7 @@
                                         <p:tgtEl>
                                           <p:spTgt spid="3">
                                             <p:txEl>
-                                              <p:pRg st="1" end="1"/>
+                                              <p:pRg st="0" end="0"/>
                                             </p:txEl>
                                           </p:spTgt>
                                         </p:tgtEl>
@@ -11555,11 +9697,11 @@
                                     </p:set>
                                     <p:anim calcmode="lin" valueType="num">
                                       <p:cBhvr additive="base">
-                                        <p:cTn id="13" dur="500" fill="hold"/>
+                                        <p:cTn id="7" dur="500" fill="hold"/>
                                         <p:tgtEl>
                                           <p:spTgt spid="3">
                                             <p:txEl>
-                                              <p:pRg st="1" end="1"/>
+                                              <p:pRg st="0" end="0"/>
                                             </p:txEl>
                                           </p:spTgt>
                                         </p:tgtEl>
@@ -11582,11 +9724,11 @@
                                     </p:anim>
                                     <p:anim calcmode="lin" valueType="num">
                                       <p:cBhvr additive="base">
-                                        <p:cTn id="14" dur="500" fill="hold"/>
+                                        <p:cTn id="8" dur="500" fill="hold"/>
                                         <p:tgtEl>
                                           <p:spTgt spid="3">
                                             <p:txEl>
-                                              <p:pRg st="1" end="1"/>
+                                              <p:pRg st="0" end="0"/>
                                             </p:txEl>
                                           </p:spTgt>
                                         </p:tgtEl>
@@ -11675,49 +9817,42 @@
           <a:p>
             <a:r>
               <a:rPr lang="en-US" dirty="0" smtClean="0"/>
-              <a:t>III) </a:t>
-            </a:r>
-            <a:r>
-              <a:rPr lang="en-US" dirty="0" smtClean="0"/>
-              <a:t>Exercise 2</a:t>
+              <a:t>Directive: avoiding FOUC</a:t>
             </a:r>
             <a:endParaRPr lang="en-US" dirty="0"/>
           </a:p>
         </p:txBody>
       </p:sp>
-      <p:sp>
-        <p:nvSpPr>
-          <p:cNvPr id="3" name="Content Placeholder 2"/>
-          <p:cNvSpPr>
-            <a:spLocks noGrp="1"/>
-          </p:cNvSpPr>
+      <p:pic>
+        <p:nvPicPr>
+          <p:cNvPr id="4" name="Content Placeholder 3"/>
+          <p:cNvPicPr>
+            <a:picLocks noGrp="1" noChangeAspect="1"/>
+          </p:cNvPicPr>
           <p:nvPr>
             <p:ph idx="1"/>
           </p:nvPr>
-        </p:nvSpPr>
-        <p:spPr/>
-        <p:txBody>
-          <a:bodyPr/>
-          <a:lstStyle/>
-          <a:p>
-            <a:r>
-              <a:rPr lang="en-US" dirty="0" smtClean="0"/>
-              <a:t>Run webpage</a:t>
-            </a:r>
-          </a:p>
-          <a:p>
-            <a:r>
-              <a:rPr lang="en-US" dirty="0" smtClean="0"/>
-              <a:t>Description and Requirement</a:t>
-            </a:r>
-            <a:endParaRPr lang="en-US" dirty="0"/>
-          </a:p>
-        </p:txBody>
-      </p:sp>
+        </p:nvPicPr>
+        <p:blipFill>
+          <a:blip r:embed="rId2"/>
+          <a:stretch>
+            <a:fillRect/>
+          </a:stretch>
+        </p:blipFill>
+        <p:spPr>
+          <a:xfrm>
+            <a:off x="3832394" y="2224290"/>
+            <a:ext cx="2704762" cy="3247619"/>
+          </a:xfrm>
+          <a:prstGeom prst="rect">
+            <a:avLst/>
+          </a:prstGeom>
+        </p:spPr>
+      </p:pic>
     </p:spTree>
     <p:extLst>
       <p:ext uri="{BB962C8B-B14F-4D97-AF65-F5344CB8AC3E}">
-        <p14:creationId xmlns:p14="http://schemas.microsoft.com/office/powerpoint/2010/main" val="102017409"/>
+        <p14:creationId xmlns:p14="http://schemas.microsoft.com/office/powerpoint/2010/main" xmlns="" val="1679288412"/>
       </p:ext>
     </p:extLst>
   </p:cSld>
@@ -11758,11 +9893,7 @@
                                           </p:stCondLst>
                                         </p:cTn>
                                         <p:tgtEl>
-                                          <p:spTgt spid="3">
-                                            <p:txEl>
-                                              <p:pRg st="0" end="0"/>
-                                            </p:txEl>
-                                          </p:spTgt>
+                                          <p:spTgt spid="4"/>
                                         </p:tgtEl>
                                         <p:attrNameLst>
                                           <p:attrName>style.visibility</p:attrName>
@@ -11776,11 +9907,7 @@
                                       <p:cBhvr additive="base">
                                         <p:cTn id="7" dur="500" fill="hold"/>
                                         <p:tgtEl>
-                                          <p:spTgt spid="3">
-                                            <p:txEl>
-                                              <p:pRg st="0" end="0"/>
-                                            </p:txEl>
-                                          </p:spTgt>
+                                          <p:spTgt spid="4"/>
                                         </p:tgtEl>
                                         <p:attrNameLst>
                                           <p:attrName>ppt_x</p:attrName>
@@ -11803,114 +9930,7 @@
                                       <p:cBhvr additive="base">
                                         <p:cTn id="8" dur="500" fill="hold"/>
                                         <p:tgtEl>
-                                          <p:spTgt spid="3">
-                                            <p:txEl>
-                                              <p:pRg st="0" end="0"/>
-                                            </p:txEl>
-                                          </p:spTgt>
-                                        </p:tgtEl>
-                                        <p:attrNameLst>
-                                          <p:attrName>ppt_y</p:attrName>
-                                        </p:attrNameLst>
-                                      </p:cBhvr>
-                                      <p:tavLst>
-                                        <p:tav tm="0">
-                                          <p:val>
-                                            <p:strVal val="1+#ppt_h/2"/>
-                                          </p:val>
-                                        </p:tav>
-                                        <p:tav tm="100000">
-                                          <p:val>
-                                            <p:strVal val="#ppt_y"/>
-                                          </p:val>
-                                        </p:tav>
-                                      </p:tavLst>
-                                    </p:anim>
-                                  </p:childTnLst>
-                                </p:cTn>
-                              </p:par>
-                            </p:childTnLst>
-                          </p:cTn>
-                        </p:par>
-                      </p:childTnLst>
-                    </p:cTn>
-                  </p:par>
-                  <p:par>
-                    <p:cTn id="9" fill="hold">
-                      <p:stCondLst>
-                        <p:cond delay="indefinite"/>
-                      </p:stCondLst>
-                      <p:childTnLst>
-                        <p:par>
-                          <p:cTn id="10" fill="hold">
-                            <p:stCondLst>
-                              <p:cond delay="0"/>
-                            </p:stCondLst>
-                            <p:childTnLst>
-                              <p:par>
-                                <p:cTn id="11" presetID="2" presetClass="entr" presetSubtype="4" fill="hold" nodeType="clickEffect">
-                                  <p:stCondLst>
-                                    <p:cond delay="0"/>
-                                  </p:stCondLst>
-                                  <p:childTnLst>
-                                    <p:set>
-                                      <p:cBhvr>
-                                        <p:cTn id="12" dur="1" fill="hold">
-                                          <p:stCondLst>
-                                            <p:cond delay="0"/>
-                                          </p:stCondLst>
-                                        </p:cTn>
-                                        <p:tgtEl>
-                                          <p:spTgt spid="3">
-                                            <p:txEl>
-                                              <p:pRg st="1" end="1"/>
-                                            </p:txEl>
-                                          </p:spTgt>
-                                        </p:tgtEl>
-                                        <p:attrNameLst>
-                                          <p:attrName>style.visibility</p:attrName>
-                                        </p:attrNameLst>
-                                      </p:cBhvr>
-                                      <p:to>
-                                        <p:strVal val="visible"/>
-                                      </p:to>
-                                    </p:set>
-                                    <p:anim calcmode="lin" valueType="num">
-                                      <p:cBhvr additive="base">
-                                        <p:cTn id="13" dur="500" fill="hold"/>
-                                        <p:tgtEl>
-                                          <p:spTgt spid="3">
-                                            <p:txEl>
-                                              <p:pRg st="1" end="1"/>
-                                            </p:txEl>
-                                          </p:spTgt>
-                                        </p:tgtEl>
-                                        <p:attrNameLst>
-                                          <p:attrName>ppt_x</p:attrName>
-                                        </p:attrNameLst>
-                                      </p:cBhvr>
-                                      <p:tavLst>
-                                        <p:tav tm="0">
-                                          <p:val>
-                                            <p:strVal val="#ppt_x"/>
-                                          </p:val>
-                                        </p:tav>
-                                        <p:tav tm="100000">
-                                          <p:val>
-                                            <p:strVal val="#ppt_x"/>
-                                          </p:val>
-                                        </p:tav>
-                                      </p:tavLst>
-                                    </p:anim>
-                                    <p:anim calcmode="lin" valueType="num">
-                                      <p:cBhvr additive="base">
-                                        <p:cTn id="14" dur="500" fill="hold"/>
-                                        <p:tgtEl>
-                                          <p:spTgt spid="3">
-                                            <p:txEl>
-                                              <p:pRg st="1" end="1"/>
-                                            </p:txEl>
-                                          </p:spTgt>
+                                          <p:spTgt spid="4"/>
                                         </p:tgtEl>
                                         <p:attrNameLst>
                                           <p:attrName>ppt_y</p:attrName>
@@ -11992,12 +10012,14 @@
         </p:nvSpPr>
         <p:spPr/>
         <p:txBody>
-          <a:bodyPr/>
+          <a:bodyPr>
+            <a:normAutofit fontScale="90000"/>
+          </a:bodyPr>
           <a:lstStyle/>
           <a:p>
             <a:r>
               <a:rPr lang="en-US" dirty="0" smtClean="0"/>
-              <a:t>Q&amp;A</a:t>
+              <a:t>Directive – Thinking declaratively (DNS)</a:t>
             </a:r>
             <a:endParaRPr lang="en-US" dirty="0"/>
           </a:p>
@@ -12005,22 +10027,363 @@
       </p:sp>
       <p:sp>
         <p:nvSpPr>
-          <p:cNvPr id="3" name="Content Placeholder 2"/>
-          <p:cNvSpPr>
-            <a:spLocks noGrp="1"/>
-          </p:cNvSpPr>
-          <p:nvPr>
-            <p:ph idx="1"/>
-          </p:nvPr>
+          <p:cNvPr id="4" name="Rectangle 3"/>
+          <p:cNvSpPr/>
+          <p:nvPr/>
         </p:nvSpPr>
-        <p:spPr/>
+        <p:spPr>
+          <a:xfrm>
+            <a:off x="1524000" y="1752600"/>
+            <a:ext cx="7162800" cy="762000"/>
+          </a:xfrm>
+          <a:prstGeom prst="rect">
+            <a:avLst/>
+          </a:prstGeom>
+        </p:spPr>
+        <p:style>
+          <a:lnRef idx="2">
+            <a:schemeClr val="accent1">
+              <a:shade val="50000"/>
+            </a:schemeClr>
+          </a:lnRef>
+          <a:fillRef idx="1">
+            <a:schemeClr val="accent1"/>
+          </a:fillRef>
+          <a:effectRef idx="0">
+            <a:schemeClr val="accent1"/>
+          </a:effectRef>
+          <a:fontRef idx="minor">
+            <a:schemeClr val="lt1"/>
+          </a:fontRef>
+        </p:style>
         <p:txBody>
-          <a:bodyPr/>
+          <a:bodyPr rtlCol="0" anchor="ctr"/>
           <a:lstStyle/>
           <a:p>
+            <a:pPr algn="ctr"/>
             <a:r>
               <a:rPr lang="en-US" dirty="0" smtClean="0"/>
-              <a:t>Q&amp;A</a:t>
+              <a:t>&lt;header&gt;</a:t>
+            </a:r>
+            <a:endParaRPr lang="en-US" dirty="0"/>
+          </a:p>
+        </p:txBody>
+      </p:sp>
+      <p:sp>
+        <p:nvSpPr>
+          <p:cNvPr id="5" name="Rectangle 4"/>
+          <p:cNvSpPr/>
+          <p:nvPr/>
+        </p:nvSpPr>
+        <p:spPr>
+          <a:xfrm>
+            <a:off x="1524000" y="2590800"/>
+            <a:ext cx="1676400" cy="3276600"/>
+          </a:xfrm>
+          <a:prstGeom prst="rect">
+            <a:avLst/>
+          </a:prstGeom>
+        </p:spPr>
+        <p:style>
+          <a:lnRef idx="2">
+            <a:schemeClr val="accent1">
+              <a:shade val="50000"/>
+            </a:schemeClr>
+          </a:lnRef>
+          <a:fillRef idx="1">
+            <a:schemeClr val="accent1"/>
+          </a:fillRef>
+          <a:effectRef idx="0">
+            <a:schemeClr val="accent1"/>
+          </a:effectRef>
+          <a:fontRef idx="minor">
+            <a:schemeClr val="lt1"/>
+          </a:fontRef>
+        </p:style>
+        <p:txBody>
+          <a:bodyPr rtlCol="0" anchor="ctr"/>
+          <a:lstStyle/>
+          <a:p>
+            <a:pPr algn="ctr"/>
+            <a:r>
+              <a:rPr lang="en-US" dirty="0" smtClean="0"/>
+              <a:t>&lt;left-panel&gt;</a:t>
+            </a:r>
+            <a:endParaRPr lang="en-US" dirty="0"/>
+          </a:p>
+        </p:txBody>
+      </p:sp>
+      <p:sp>
+        <p:nvSpPr>
+          <p:cNvPr id="6" name="Rectangle 5"/>
+          <p:cNvSpPr/>
+          <p:nvPr/>
+        </p:nvSpPr>
+        <p:spPr>
+          <a:xfrm>
+            <a:off x="3314700" y="2590800"/>
+            <a:ext cx="3771900" cy="3276600"/>
+          </a:xfrm>
+          <a:prstGeom prst="rect">
+            <a:avLst/>
+          </a:prstGeom>
+        </p:spPr>
+        <p:style>
+          <a:lnRef idx="2">
+            <a:schemeClr val="accent1">
+              <a:shade val="50000"/>
+            </a:schemeClr>
+          </a:lnRef>
+          <a:fillRef idx="1">
+            <a:schemeClr val="accent1"/>
+          </a:fillRef>
+          <a:effectRef idx="0">
+            <a:schemeClr val="accent1"/>
+          </a:effectRef>
+          <a:fontRef idx="minor">
+            <a:schemeClr val="lt1"/>
+          </a:fontRef>
+        </p:style>
+        <p:txBody>
+          <a:bodyPr rtlCol="0" anchor="ctr"/>
+          <a:lstStyle/>
+          <a:p>
+            <a:pPr algn="ctr"/>
+            <a:r>
+              <a:rPr lang="en-US" dirty="0" smtClean="0"/>
+              <a:t>&lt;content-panel&gt;</a:t>
+            </a:r>
+            <a:endParaRPr lang="en-US" dirty="0"/>
+          </a:p>
+        </p:txBody>
+      </p:sp>
+      <p:sp>
+        <p:nvSpPr>
+          <p:cNvPr id="7" name="Rectangle 6"/>
+          <p:cNvSpPr/>
+          <p:nvPr/>
+        </p:nvSpPr>
+        <p:spPr>
+          <a:xfrm>
+            <a:off x="7200900" y="2590800"/>
+            <a:ext cx="1485900" cy="3276600"/>
+          </a:xfrm>
+          <a:prstGeom prst="rect">
+            <a:avLst/>
+          </a:prstGeom>
+        </p:spPr>
+        <p:style>
+          <a:lnRef idx="2">
+            <a:schemeClr val="accent1">
+              <a:shade val="50000"/>
+            </a:schemeClr>
+          </a:lnRef>
+          <a:fillRef idx="1">
+            <a:schemeClr val="accent1"/>
+          </a:fillRef>
+          <a:effectRef idx="0">
+            <a:schemeClr val="accent1"/>
+          </a:effectRef>
+          <a:fontRef idx="minor">
+            <a:schemeClr val="lt1"/>
+          </a:fontRef>
+        </p:style>
+        <p:txBody>
+          <a:bodyPr rtlCol="0" anchor="ctr"/>
+          <a:lstStyle/>
+          <a:p>
+            <a:pPr algn="ctr"/>
+            <a:r>
+              <a:rPr lang="en-US" dirty="0" smtClean="0"/>
+              <a:t>&lt;right-panel&gt;</a:t>
+            </a:r>
+            <a:endParaRPr lang="en-US" dirty="0"/>
+          </a:p>
+        </p:txBody>
+      </p:sp>
+      <p:sp>
+        <p:nvSpPr>
+          <p:cNvPr id="8" name="Rectangle 7"/>
+          <p:cNvSpPr/>
+          <p:nvPr/>
+        </p:nvSpPr>
+        <p:spPr>
+          <a:xfrm>
+            <a:off x="1524000" y="5945777"/>
+            <a:ext cx="7162800" cy="455023"/>
+          </a:xfrm>
+          <a:prstGeom prst="rect">
+            <a:avLst/>
+          </a:prstGeom>
+        </p:spPr>
+        <p:style>
+          <a:lnRef idx="2">
+            <a:schemeClr val="accent1">
+              <a:shade val="50000"/>
+            </a:schemeClr>
+          </a:lnRef>
+          <a:fillRef idx="1">
+            <a:schemeClr val="accent1"/>
+          </a:fillRef>
+          <a:effectRef idx="0">
+            <a:schemeClr val="accent1"/>
+          </a:effectRef>
+          <a:fontRef idx="minor">
+            <a:schemeClr val="lt1"/>
+          </a:fontRef>
+        </p:style>
+        <p:txBody>
+          <a:bodyPr rtlCol="0" anchor="ctr"/>
+          <a:lstStyle/>
+          <a:p>
+            <a:pPr algn="ctr"/>
+            <a:r>
+              <a:rPr lang="en-US" dirty="0" smtClean="0"/>
+              <a:t>&lt;footer&gt;</a:t>
+            </a:r>
+            <a:endParaRPr lang="en-US" dirty="0"/>
+          </a:p>
+        </p:txBody>
+      </p:sp>
+      <p:sp>
+        <p:nvSpPr>
+          <p:cNvPr id="9" name="Rectangle 8"/>
+          <p:cNvSpPr/>
+          <p:nvPr/>
+        </p:nvSpPr>
+        <p:spPr>
+          <a:xfrm>
+            <a:off x="3429000" y="2743200"/>
+            <a:ext cx="3505200" cy="838200"/>
+          </a:xfrm>
+          <a:prstGeom prst="rect">
+            <a:avLst/>
+          </a:prstGeom>
+        </p:spPr>
+        <p:style>
+          <a:lnRef idx="2">
+            <a:schemeClr val="accent2">
+              <a:shade val="50000"/>
+            </a:schemeClr>
+          </a:lnRef>
+          <a:fillRef idx="1">
+            <a:schemeClr val="accent2"/>
+          </a:fillRef>
+          <a:effectRef idx="0">
+            <a:schemeClr val="accent2"/>
+          </a:effectRef>
+          <a:fontRef idx="minor">
+            <a:schemeClr val="lt1"/>
+          </a:fontRef>
+        </p:style>
+        <p:txBody>
+          <a:bodyPr rtlCol="0" anchor="ctr"/>
+          <a:lstStyle/>
+          <a:p>
+            <a:pPr algn="ctr"/>
+            <a:r>
+              <a:rPr lang="en-US" dirty="0" smtClean="0"/>
+              <a:t>&lt;customer-search&gt;</a:t>
+            </a:r>
+            <a:endParaRPr lang="en-US" dirty="0"/>
+          </a:p>
+        </p:txBody>
+      </p:sp>
+      <p:sp>
+        <p:nvSpPr>
+          <p:cNvPr id="10" name="Rectangle 9"/>
+          <p:cNvSpPr/>
+          <p:nvPr/>
+        </p:nvSpPr>
+        <p:spPr>
+          <a:xfrm>
+            <a:off x="3429000" y="3657600"/>
+            <a:ext cx="3505200" cy="2133600"/>
+          </a:xfrm>
+          <a:prstGeom prst="rect">
+            <a:avLst/>
+          </a:prstGeom>
+        </p:spPr>
+        <p:style>
+          <a:lnRef idx="2">
+            <a:schemeClr val="accent2">
+              <a:shade val="50000"/>
+            </a:schemeClr>
+          </a:lnRef>
+          <a:fillRef idx="1">
+            <a:schemeClr val="accent2"/>
+          </a:fillRef>
+          <a:effectRef idx="0">
+            <a:schemeClr val="accent2"/>
+          </a:effectRef>
+          <a:fontRef idx="minor">
+            <a:schemeClr val="lt1"/>
+          </a:fontRef>
+        </p:style>
+        <p:txBody>
+          <a:bodyPr rtlCol="0" anchor="ctr"/>
+          <a:lstStyle/>
+          <a:p>
+            <a:pPr algn="ctr"/>
+            <a:endParaRPr lang="en-US" dirty="0" smtClean="0"/>
+          </a:p>
+          <a:p>
+            <a:pPr algn="ctr"/>
+            <a:endParaRPr lang="en-US" dirty="0"/>
+          </a:p>
+          <a:p>
+            <a:pPr algn="ctr"/>
+            <a:endParaRPr lang="en-US" dirty="0" smtClean="0"/>
+          </a:p>
+          <a:p>
+            <a:pPr algn="ctr"/>
+            <a:r>
+              <a:rPr lang="en-US" dirty="0" smtClean="0"/>
+              <a:t>&lt;customer-list&gt;</a:t>
+            </a:r>
+            <a:endParaRPr lang="en-US" dirty="0"/>
+          </a:p>
+        </p:txBody>
+      </p:sp>
+      <p:sp>
+        <p:nvSpPr>
+          <p:cNvPr id="11" name="Rectangle 10"/>
+          <p:cNvSpPr/>
+          <p:nvPr/>
+        </p:nvSpPr>
+        <p:spPr>
+          <a:xfrm>
+            <a:off x="3733800" y="3352800"/>
+            <a:ext cx="2895600" cy="1496016"/>
+          </a:xfrm>
+          <a:prstGeom prst="rect">
+            <a:avLst/>
+          </a:prstGeom>
+        </p:spPr>
+        <p:style>
+          <a:lnRef idx="2">
+            <a:schemeClr val="accent3">
+              <a:shade val="50000"/>
+            </a:schemeClr>
+          </a:lnRef>
+          <a:fillRef idx="1">
+            <a:schemeClr val="accent3"/>
+          </a:fillRef>
+          <a:effectRef idx="0">
+            <a:schemeClr val="accent3"/>
+          </a:effectRef>
+          <a:fontRef idx="minor">
+            <a:schemeClr val="lt1"/>
+          </a:fontRef>
+        </p:style>
+        <p:txBody>
+          <a:bodyPr rtlCol="0" anchor="ctr"/>
+          <a:lstStyle/>
+          <a:p>
+            <a:pPr algn="ctr"/>
+            <a:r>
+              <a:rPr lang="en-US" dirty="0" smtClean="0"/>
+              <a:t>&lt;customer-detail&gt;</a:t>
             </a:r>
             <a:endParaRPr lang="en-US" dirty="0"/>
           </a:p>
@@ -12029,7 +10392,7 @@
     </p:spTree>
     <p:extLst>
       <p:ext uri="{BB962C8B-B14F-4D97-AF65-F5344CB8AC3E}">
-        <p14:creationId xmlns:p14="http://schemas.microsoft.com/office/powerpoint/2010/main" val="552105769"/>
+        <p14:creationId xmlns:p14="http://schemas.microsoft.com/office/powerpoint/2010/main" xmlns="" val="3470540530"/>
       </p:ext>
     </p:extLst>
   </p:cSld>
@@ -12057,7 +10420,7 @@
                             </p:stCondLst>
                             <p:childTnLst>
                               <p:par>
-                                <p:cTn id="5" presetID="2" presetClass="entr" presetSubtype="4" fill="hold" nodeType="clickEffect">
+                                <p:cTn id="5" presetID="2" presetClass="entr" presetSubtype="4" fill="hold" grpId="0" nodeType="clickEffect">
                                   <p:stCondLst>
                                     <p:cond delay="0"/>
                                   </p:stCondLst>
@@ -12070,11 +10433,7 @@
                                           </p:stCondLst>
                                         </p:cTn>
                                         <p:tgtEl>
-                                          <p:spTgt spid="3">
-                                            <p:txEl>
-                                              <p:pRg st="0" end="0"/>
-                                            </p:txEl>
-                                          </p:spTgt>
+                                          <p:spTgt spid="4"/>
                                         </p:tgtEl>
                                         <p:attrNameLst>
                                           <p:attrName>style.visibility</p:attrName>
@@ -12088,11 +10447,7 @@
                                       <p:cBhvr additive="base">
                                         <p:cTn id="7" dur="500" fill="hold"/>
                                         <p:tgtEl>
-                                          <p:spTgt spid="3">
-                                            <p:txEl>
-                                              <p:pRg st="0" end="0"/>
-                                            </p:txEl>
-                                          </p:spTgt>
+                                          <p:spTgt spid="4"/>
                                         </p:tgtEl>
                                         <p:attrNameLst>
                                           <p:attrName>ppt_x</p:attrName>
@@ -12115,11 +10470,644 @@
                                       <p:cBhvr additive="base">
                                         <p:cTn id="8" dur="500" fill="hold"/>
                                         <p:tgtEl>
-                                          <p:spTgt spid="3">
-                                            <p:txEl>
-                                              <p:pRg st="0" end="0"/>
-                                            </p:txEl>
-                                          </p:spTgt>
+                                          <p:spTgt spid="4"/>
+                                        </p:tgtEl>
+                                        <p:attrNameLst>
+                                          <p:attrName>ppt_y</p:attrName>
+                                        </p:attrNameLst>
+                                      </p:cBhvr>
+                                      <p:tavLst>
+                                        <p:tav tm="0">
+                                          <p:val>
+                                            <p:strVal val="1+#ppt_h/2"/>
+                                          </p:val>
+                                        </p:tav>
+                                        <p:tav tm="100000">
+                                          <p:val>
+                                            <p:strVal val="#ppt_y"/>
+                                          </p:val>
+                                        </p:tav>
+                                      </p:tavLst>
+                                    </p:anim>
+                                  </p:childTnLst>
+                                </p:cTn>
+                              </p:par>
+                            </p:childTnLst>
+                          </p:cTn>
+                        </p:par>
+                      </p:childTnLst>
+                    </p:cTn>
+                  </p:par>
+                  <p:par>
+                    <p:cTn id="9" fill="hold">
+                      <p:stCondLst>
+                        <p:cond delay="indefinite"/>
+                      </p:stCondLst>
+                      <p:childTnLst>
+                        <p:par>
+                          <p:cTn id="10" fill="hold">
+                            <p:stCondLst>
+                              <p:cond delay="0"/>
+                            </p:stCondLst>
+                            <p:childTnLst>
+                              <p:par>
+                                <p:cTn id="11" presetID="2" presetClass="entr" presetSubtype="4" fill="hold" grpId="0" nodeType="clickEffect">
+                                  <p:stCondLst>
+                                    <p:cond delay="0"/>
+                                  </p:stCondLst>
+                                  <p:childTnLst>
+                                    <p:set>
+                                      <p:cBhvr>
+                                        <p:cTn id="12" dur="1" fill="hold">
+                                          <p:stCondLst>
+                                            <p:cond delay="0"/>
+                                          </p:stCondLst>
+                                        </p:cTn>
+                                        <p:tgtEl>
+                                          <p:spTgt spid="5"/>
+                                        </p:tgtEl>
+                                        <p:attrNameLst>
+                                          <p:attrName>style.visibility</p:attrName>
+                                        </p:attrNameLst>
+                                      </p:cBhvr>
+                                      <p:to>
+                                        <p:strVal val="visible"/>
+                                      </p:to>
+                                    </p:set>
+                                    <p:anim calcmode="lin" valueType="num">
+                                      <p:cBhvr additive="base">
+                                        <p:cTn id="13" dur="500" fill="hold"/>
+                                        <p:tgtEl>
+                                          <p:spTgt spid="5"/>
+                                        </p:tgtEl>
+                                        <p:attrNameLst>
+                                          <p:attrName>ppt_x</p:attrName>
+                                        </p:attrNameLst>
+                                      </p:cBhvr>
+                                      <p:tavLst>
+                                        <p:tav tm="0">
+                                          <p:val>
+                                            <p:strVal val="#ppt_x"/>
+                                          </p:val>
+                                        </p:tav>
+                                        <p:tav tm="100000">
+                                          <p:val>
+                                            <p:strVal val="#ppt_x"/>
+                                          </p:val>
+                                        </p:tav>
+                                      </p:tavLst>
+                                    </p:anim>
+                                    <p:anim calcmode="lin" valueType="num">
+                                      <p:cBhvr additive="base">
+                                        <p:cTn id="14" dur="500" fill="hold"/>
+                                        <p:tgtEl>
+                                          <p:spTgt spid="5"/>
+                                        </p:tgtEl>
+                                        <p:attrNameLst>
+                                          <p:attrName>ppt_y</p:attrName>
+                                        </p:attrNameLst>
+                                      </p:cBhvr>
+                                      <p:tavLst>
+                                        <p:tav tm="0">
+                                          <p:val>
+                                            <p:strVal val="1+#ppt_h/2"/>
+                                          </p:val>
+                                        </p:tav>
+                                        <p:tav tm="100000">
+                                          <p:val>
+                                            <p:strVal val="#ppt_y"/>
+                                          </p:val>
+                                        </p:tav>
+                                      </p:tavLst>
+                                    </p:anim>
+                                  </p:childTnLst>
+                                </p:cTn>
+                              </p:par>
+                            </p:childTnLst>
+                          </p:cTn>
+                        </p:par>
+                      </p:childTnLst>
+                    </p:cTn>
+                  </p:par>
+                  <p:par>
+                    <p:cTn id="15" fill="hold">
+                      <p:stCondLst>
+                        <p:cond delay="indefinite"/>
+                      </p:stCondLst>
+                      <p:childTnLst>
+                        <p:par>
+                          <p:cTn id="16" fill="hold">
+                            <p:stCondLst>
+                              <p:cond delay="0"/>
+                            </p:stCondLst>
+                            <p:childTnLst>
+                              <p:par>
+                                <p:cTn id="17" presetID="2" presetClass="entr" presetSubtype="4" fill="hold" grpId="0" nodeType="clickEffect">
+                                  <p:stCondLst>
+                                    <p:cond delay="0"/>
+                                  </p:stCondLst>
+                                  <p:childTnLst>
+                                    <p:set>
+                                      <p:cBhvr>
+                                        <p:cTn id="18" dur="1" fill="hold">
+                                          <p:stCondLst>
+                                            <p:cond delay="0"/>
+                                          </p:stCondLst>
+                                        </p:cTn>
+                                        <p:tgtEl>
+                                          <p:spTgt spid="6"/>
+                                        </p:tgtEl>
+                                        <p:attrNameLst>
+                                          <p:attrName>style.visibility</p:attrName>
+                                        </p:attrNameLst>
+                                      </p:cBhvr>
+                                      <p:to>
+                                        <p:strVal val="visible"/>
+                                      </p:to>
+                                    </p:set>
+                                    <p:anim calcmode="lin" valueType="num">
+                                      <p:cBhvr additive="base">
+                                        <p:cTn id="19" dur="500" fill="hold"/>
+                                        <p:tgtEl>
+                                          <p:spTgt spid="6"/>
+                                        </p:tgtEl>
+                                        <p:attrNameLst>
+                                          <p:attrName>ppt_x</p:attrName>
+                                        </p:attrNameLst>
+                                      </p:cBhvr>
+                                      <p:tavLst>
+                                        <p:tav tm="0">
+                                          <p:val>
+                                            <p:strVal val="#ppt_x"/>
+                                          </p:val>
+                                        </p:tav>
+                                        <p:tav tm="100000">
+                                          <p:val>
+                                            <p:strVal val="#ppt_x"/>
+                                          </p:val>
+                                        </p:tav>
+                                      </p:tavLst>
+                                    </p:anim>
+                                    <p:anim calcmode="lin" valueType="num">
+                                      <p:cBhvr additive="base">
+                                        <p:cTn id="20" dur="500" fill="hold"/>
+                                        <p:tgtEl>
+                                          <p:spTgt spid="6"/>
+                                        </p:tgtEl>
+                                        <p:attrNameLst>
+                                          <p:attrName>ppt_y</p:attrName>
+                                        </p:attrNameLst>
+                                      </p:cBhvr>
+                                      <p:tavLst>
+                                        <p:tav tm="0">
+                                          <p:val>
+                                            <p:strVal val="1+#ppt_h/2"/>
+                                          </p:val>
+                                        </p:tav>
+                                        <p:tav tm="100000">
+                                          <p:val>
+                                            <p:strVal val="#ppt_y"/>
+                                          </p:val>
+                                        </p:tav>
+                                      </p:tavLst>
+                                    </p:anim>
+                                  </p:childTnLst>
+                                </p:cTn>
+                              </p:par>
+                            </p:childTnLst>
+                          </p:cTn>
+                        </p:par>
+                      </p:childTnLst>
+                    </p:cTn>
+                  </p:par>
+                  <p:par>
+                    <p:cTn id="21" fill="hold">
+                      <p:stCondLst>
+                        <p:cond delay="indefinite"/>
+                      </p:stCondLst>
+                      <p:childTnLst>
+                        <p:par>
+                          <p:cTn id="22" fill="hold">
+                            <p:stCondLst>
+                              <p:cond delay="0"/>
+                            </p:stCondLst>
+                            <p:childTnLst>
+                              <p:par>
+                                <p:cTn id="23" presetID="2" presetClass="entr" presetSubtype="4" fill="hold" grpId="0" nodeType="clickEffect">
+                                  <p:stCondLst>
+                                    <p:cond delay="0"/>
+                                  </p:stCondLst>
+                                  <p:childTnLst>
+                                    <p:set>
+                                      <p:cBhvr>
+                                        <p:cTn id="24" dur="1" fill="hold">
+                                          <p:stCondLst>
+                                            <p:cond delay="0"/>
+                                          </p:stCondLst>
+                                        </p:cTn>
+                                        <p:tgtEl>
+                                          <p:spTgt spid="7"/>
+                                        </p:tgtEl>
+                                        <p:attrNameLst>
+                                          <p:attrName>style.visibility</p:attrName>
+                                        </p:attrNameLst>
+                                      </p:cBhvr>
+                                      <p:to>
+                                        <p:strVal val="visible"/>
+                                      </p:to>
+                                    </p:set>
+                                    <p:anim calcmode="lin" valueType="num">
+                                      <p:cBhvr additive="base">
+                                        <p:cTn id="25" dur="500" fill="hold"/>
+                                        <p:tgtEl>
+                                          <p:spTgt spid="7"/>
+                                        </p:tgtEl>
+                                        <p:attrNameLst>
+                                          <p:attrName>ppt_x</p:attrName>
+                                        </p:attrNameLst>
+                                      </p:cBhvr>
+                                      <p:tavLst>
+                                        <p:tav tm="0">
+                                          <p:val>
+                                            <p:strVal val="#ppt_x"/>
+                                          </p:val>
+                                        </p:tav>
+                                        <p:tav tm="100000">
+                                          <p:val>
+                                            <p:strVal val="#ppt_x"/>
+                                          </p:val>
+                                        </p:tav>
+                                      </p:tavLst>
+                                    </p:anim>
+                                    <p:anim calcmode="lin" valueType="num">
+                                      <p:cBhvr additive="base">
+                                        <p:cTn id="26" dur="500" fill="hold"/>
+                                        <p:tgtEl>
+                                          <p:spTgt spid="7"/>
+                                        </p:tgtEl>
+                                        <p:attrNameLst>
+                                          <p:attrName>ppt_y</p:attrName>
+                                        </p:attrNameLst>
+                                      </p:cBhvr>
+                                      <p:tavLst>
+                                        <p:tav tm="0">
+                                          <p:val>
+                                            <p:strVal val="1+#ppt_h/2"/>
+                                          </p:val>
+                                        </p:tav>
+                                        <p:tav tm="100000">
+                                          <p:val>
+                                            <p:strVal val="#ppt_y"/>
+                                          </p:val>
+                                        </p:tav>
+                                      </p:tavLst>
+                                    </p:anim>
+                                  </p:childTnLst>
+                                </p:cTn>
+                              </p:par>
+                            </p:childTnLst>
+                          </p:cTn>
+                        </p:par>
+                      </p:childTnLst>
+                    </p:cTn>
+                  </p:par>
+                  <p:par>
+                    <p:cTn id="27" fill="hold">
+                      <p:stCondLst>
+                        <p:cond delay="indefinite"/>
+                      </p:stCondLst>
+                      <p:childTnLst>
+                        <p:par>
+                          <p:cTn id="28" fill="hold">
+                            <p:stCondLst>
+                              <p:cond delay="0"/>
+                            </p:stCondLst>
+                            <p:childTnLst>
+                              <p:par>
+                                <p:cTn id="29" presetID="2" presetClass="entr" presetSubtype="4" fill="hold" grpId="0" nodeType="clickEffect">
+                                  <p:stCondLst>
+                                    <p:cond delay="0"/>
+                                  </p:stCondLst>
+                                  <p:childTnLst>
+                                    <p:set>
+                                      <p:cBhvr>
+                                        <p:cTn id="30" dur="1" fill="hold">
+                                          <p:stCondLst>
+                                            <p:cond delay="0"/>
+                                          </p:stCondLst>
+                                        </p:cTn>
+                                        <p:tgtEl>
+                                          <p:spTgt spid="8"/>
+                                        </p:tgtEl>
+                                        <p:attrNameLst>
+                                          <p:attrName>style.visibility</p:attrName>
+                                        </p:attrNameLst>
+                                      </p:cBhvr>
+                                      <p:to>
+                                        <p:strVal val="visible"/>
+                                      </p:to>
+                                    </p:set>
+                                    <p:anim calcmode="lin" valueType="num">
+                                      <p:cBhvr additive="base">
+                                        <p:cTn id="31" dur="500" fill="hold"/>
+                                        <p:tgtEl>
+                                          <p:spTgt spid="8"/>
+                                        </p:tgtEl>
+                                        <p:attrNameLst>
+                                          <p:attrName>ppt_x</p:attrName>
+                                        </p:attrNameLst>
+                                      </p:cBhvr>
+                                      <p:tavLst>
+                                        <p:tav tm="0">
+                                          <p:val>
+                                            <p:strVal val="#ppt_x"/>
+                                          </p:val>
+                                        </p:tav>
+                                        <p:tav tm="100000">
+                                          <p:val>
+                                            <p:strVal val="#ppt_x"/>
+                                          </p:val>
+                                        </p:tav>
+                                      </p:tavLst>
+                                    </p:anim>
+                                    <p:anim calcmode="lin" valueType="num">
+                                      <p:cBhvr additive="base">
+                                        <p:cTn id="32" dur="500" fill="hold"/>
+                                        <p:tgtEl>
+                                          <p:spTgt spid="8"/>
+                                        </p:tgtEl>
+                                        <p:attrNameLst>
+                                          <p:attrName>ppt_y</p:attrName>
+                                        </p:attrNameLst>
+                                      </p:cBhvr>
+                                      <p:tavLst>
+                                        <p:tav tm="0">
+                                          <p:val>
+                                            <p:strVal val="1+#ppt_h/2"/>
+                                          </p:val>
+                                        </p:tav>
+                                        <p:tav tm="100000">
+                                          <p:val>
+                                            <p:strVal val="#ppt_y"/>
+                                          </p:val>
+                                        </p:tav>
+                                      </p:tavLst>
+                                    </p:anim>
+                                  </p:childTnLst>
+                                </p:cTn>
+                              </p:par>
+                            </p:childTnLst>
+                          </p:cTn>
+                        </p:par>
+                      </p:childTnLst>
+                    </p:cTn>
+                  </p:par>
+                  <p:par>
+                    <p:cTn id="33" fill="hold">
+                      <p:stCondLst>
+                        <p:cond delay="indefinite"/>
+                      </p:stCondLst>
+                      <p:childTnLst>
+                        <p:par>
+                          <p:cTn id="34" fill="hold">
+                            <p:stCondLst>
+                              <p:cond delay="0"/>
+                            </p:stCondLst>
+                            <p:childTnLst>
+                              <p:par>
+                                <p:cTn id="35" presetID="2" presetClass="entr" presetSubtype="4" fill="hold" grpId="0" nodeType="clickEffect">
+                                  <p:stCondLst>
+                                    <p:cond delay="0"/>
+                                  </p:stCondLst>
+                                  <p:childTnLst>
+                                    <p:set>
+                                      <p:cBhvr>
+                                        <p:cTn id="36" dur="1" fill="hold">
+                                          <p:stCondLst>
+                                            <p:cond delay="0"/>
+                                          </p:stCondLst>
+                                        </p:cTn>
+                                        <p:tgtEl>
+                                          <p:spTgt spid="9"/>
+                                        </p:tgtEl>
+                                        <p:attrNameLst>
+                                          <p:attrName>style.visibility</p:attrName>
+                                        </p:attrNameLst>
+                                      </p:cBhvr>
+                                      <p:to>
+                                        <p:strVal val="visible"/>
+                                      </p:to>
+                                    </p:set>
+                                    <p:anim calcmode="lin" valueType="num">
+                                      <p:cBhvr additive="base">
+                                        <p:cTn id="37" dur="500" fill="hold"/>
+                                        <p:tgtEl>
+                                          <p:spTgt spid="9"/>
+                                        </p:tgtEl>
+                                        <p:attrNameLst>
+                                          <p:attrName>ppt_x</p:attrName>
+                                        </p:attrNameLst>
+                                      </p:cBhvr>
+                                      <p:tavLst>
+                                        <p:tav tm="0">
+                                          <p:val>
+                                            <p:strVal val="#ppt_x"/>
+                                          </p:val>
+                                        </p:tav>
+                                        <p:tav tm="100000">
+                                          <p:val>
+                                            <p:strVal val="#ppt_x"/>
+                                          </p:val>
+                                        </p:tav>
+                                      </p:tavLst>
+                                    </p:anim>
+                                    <p:anim calcmode="lin" valueType="num">
+                                      <p:cBhvr additive="base">
+                                        <p:cTn id="38" dur="500" fill="hold"/>
+                                        <p:tgtEl>
+                                          <p:spTgt spid="9"/>
+                                        </p:tgtEl>
+                                        <p:attrNameLst>
+                                          <p:attrName>ppt_y</p:attrName>
+                                        </p:attrNameLst>
+                                      </p:cBhvr>
+                                      <p:tavLst>
+                                        <p:tav tm="0">
+                                          <p:val>
+                                            <p:strVal val="1+#ppt_h/2"/>
+                                          </p:val>
+                                        </p:tav>
+                                        <p:tav tm="100000">
+                                          <p:val>
+                                            <p:strVal val="#ppt_y"/>
+                                          </p:val>
+                                        </p:tav>
+                                      </p:tavLst>
+                                    </p:anim>
+                                  </p:childTnLst>
+                                </p:cTn>
+                              </p:par>
+                            </p:childTnLst>
+                          </p:cTn>
+                        </p:par>
+                      </p:childTnLst>
+                    </p:cTn>
+                  </p:par>
+                  <p:par>
+                    <p:cTn id="39" fill="hold">
+                      <p:stCondLst>
+                        <p:cond delay="indefinite"/>
+                      </p:stCondLst>
+                      <p:childTnLst>
+                        <p:par>
+                          <p:cTn id="40" fill="hold">
+                            <p:stCondLst>
+                              <p:cond delay="0"/>
+                            </p:stCondLst>
+                            <p:childTnLst>
+                              <p:par>
+                                <p:cTn id="41" presetID="2" presetClass="entr" presetSubtype="4" fill="hold" grpId="0" nodeType="clickEffect">
+                                  <p:stCondLst>
+                                    <p:cond delay="0"/>
+                                  </p:stCondLst>
+                                  <p:childTnLst>
+                                    <p:set>
+                                      <p:cBhvr>
+                                        <p:cTn id="42" dur="1" fill="hold">
+                                          <p:stCondLst>
+                                            <p:cond delay="0"/>
+                                          </p:stCondLst>
+                                        </p:cTn>
+                                        <p:tgtEl>
+                                          <p:spTgt spid="10"/>
+                                        </p:tgtEl>
+                                        <p:attrNameLst>
+                                          <p:attrName>style.visibility</p:attrName>
+                                        </p:attrNameLst>
+                                      </p:cBhvr>
+                                      <p:to>
+                                        <p:strVal val="visible"/>
+                                      </p:to>
+                                    </p:set>
+                                    <p:anim calcmode="lin" valueType="num">
+                                      <p:cBhvr additive="base">
+                                        <p:cTn id="43" dur="500" fill="hold"/>
+                                        <p:tgtEl>
+                                          <p:spTgt spid="10"/>
+                                        </p:tgtEl>
+                                        <p:attrNameLst>
+                                          <p:attrName>ppt_x</p:attrName>
+                                        </p:attrNameLst>
+                                      </p:cBhvr>
+                                      <p:tavLst>
+                                        <p:tav tm="0">
+                                          <p:val>
+                                            <p:strVal val="#ppt_x"/>
+                                          </p:val>
+                                        </p:tav>
+                                        <p:tav tm="100000">
+                                          <p:val>
+                                            <p:strVal val="#ppt_x"/>
+                                          </p:val>
+                                        </p:tav>
+                                      </p:tavLst>
+                                    </p:anim>
+                                    <p:anim calcmode="lin" valueType="num">
+                                      <p:cBhvr additive="base">
+                                        <p:cTn id="44" dur="500" fill="hold"/>
+                                        <p:tgtEl>
+                                          <p:spTgt spid="10"/>
+                                        </p:tgtEl>
+                                        <p:attrNameLst>
+                                          <p:attrName>ppt_y</p:attrName>
+                                        </p:attrNameLst>
+                                      </p:cBhvr>
+                                      <p:tavLst>
+                                        <p:tav tm="0">
+                                          <p:val>
+                                            <p:strVal val="1+#ppt_h/2"/>
+                                          </p:val>
+                                        </p:tav>
+                                        <p:tav tm="100000">
+                                          <p:val>
+                                            <p:strVal val="#ppt_y"/>
+                                          </p:val>
+                                        </p:tav>
+                                      </p:tavLst>
+                                    </p:anim>
+                                  </p:childTnLst>
+                                </p:cTn>
+                              </p:par>
+                            </p:childTnLst>
+                          </p:cTn>
+                        </p:par>
+                      </p:childTnLst>
+                    </p:cTn>
+                  </p:par>
+                  <p:par>
+                    <p:cTn id="45" fill="hold">
+                      <p:stCondLst>
+                        <p:cond delay="indefinite"/>
+                      </p:stCondLst>
+                      <p:childTnLst>
+                        <p:par>
+                          <p:cTn id="46" fill="hold">
+                            <p:stCondLst>
+                              <p:cond delay="0"/>
+                            </p:stCondLst>
+                            <p:childTnLst>
+                              <p:par>
+                                <p:cTn id="47" presetID="2" presetClass="entr" presetSubtype="4" fill="hold" grpId="0" nodeType="clickEffect">
+                                  <p:stCondLst>
+                                    <p:cond delay="0"/>
+                                  </p:stCondLst>
+                                  <p:childTnLst>
+                                    <p:set>
+                                      <p:cBhvr>
+                                        <p:cTn id="48" dur="1" fill="hold">
+                                          <p:stCondLst>
+                                            <p:cond delay="0"/>
+                                          </p:stCondLst>
+                                        </p:cTn>
+                                        <p:tgtEl>
+                                          <p:spTgt spid="11"/>
+                                        </p:tgtEl>
+                                        <p:attrNameLst>
+                                          <p:attrName>style.visibility</p:attrName>
+                                        </p:attrNameLst>
+                                      </p:cBhvr>
+                                      <p:to>
+                                        <p:strVal val="visible"/>
+                                      </p:to>
+                                    </p:set>
+                                    <p:anim calcmode="lin" valueType="num">
+                                      <p:cBhvr additive="base">
+                                        <p:cTn id="49" dur="500" fill="hold"/>
+                                        <p:tgtEl>
+                                          <p:spTgt spid="11"/>
+                                        </p:tgtEl>
+                                        <p:attrNameLst>
+                                          <p:attrName>ppt_x</p:attrName>
+                                        </p:attrNameLst>
+                                      </p:cBhvr>
+                                      <p:tavLst>
+                                        <p:tav tm="0">
+                                          <p:val>
+                                            <p:strVal val="#ppt_x"/>
+                                          </p:val>
+                                        </p:tav>
+                                        <p:tav tm="100000">
+                                          <p:val>
+                                            <p:strVal val="#ppt_x"/>
+                                          </p:val>
+                                        </p:tav>
+                                      </p:tavLst>
+                                    </p:anim>
+                                    <p:anim calcmode="lin" valueType="num">
+                                      <p:cBhvr additive="base">
+                                        <p:cTn id="50" dur="500" fill="hold"/>
+                                        <p:tgtEl>
+                                          <p:spTgt spid="11"/>
                                         </p:tgtEl>
                                         <p:attrNameLst>
                                           <p:attrName>ppt_y</p:attrName>
@@ -12168,6 +11156,16 @@
         </p:cTn>
       </p:par>
     </p:tnLst>
+    <p:bldLst>
+      <p:bldP spid="4" grpId="0" animBg="1"/>
+      <p:bldP spid="5" grpId="0" animBg="1"/>
+      <p:bldP spid="6" grpId="0" animBg="1"/>
+      <p:bldP spid="7" grpId="0" animBg="1"/>
+      <p:bldP spid="8" grpId="0" animBg="1"/>
+      <p:bldP spid="9" grpId="0" animBg="1"/>
+      <p:bldP spid="10" grpId="0" animBg="1"/>
+      <p:bldP spid="11" grpId="0" animBg="1"/>
+    </p:bldLst>
   </p:timing>
 </p:sld>
 </file>
@@ -12242,7 +11240,6 @@
               <a:rPr lang="en-US" dirty="0" smtClean="0"/>
               <a:t>Relationship types of scope</a:t>
             </a:r>
-            <a:endParaRPr lang="en-US" dirty="0" smtClean="0"/>
           </a:p>
         </p:txBody>
       </p:sp>
@@ -12517,6 +11514,851 @@
             <p:ph type="title"/>
           </p:nvPr>
         </p:nvSpPr>
+        <p:spPr/>
+        <p:txBody>
+          <a:bodyPr/>
+          <a:lstStyle/>
+          <a:p>
+            <a:r>
+              <a:rPr lang="en-US" dirty="0" smtClean="0"/>
+              <a:t>III) Dealing with Model</a:t>
+            </a:r>
+            <a:endParaRPr lang="en-US" dirty="0"/>
+          </a:p>
+        </p:txBody>
+      </p:sp>
+      <p:sp>
+        <p:nvSpPr>
+          <p:cNvPr id="3" name="Content Placeholder 2"/>
+          <p:cNvSpPr>
+            <a:spLocks noGrp="1"/>
+          </p:cNvSpPr>
+          <p:nvPr>
+            <p:ph idx="1"/>
+          </p:nvPr>
+        </p:nvSpPr>
+        <p:spPr/>
+        <p:txBody>
+          <a:bodyPr/>
+          <a:lstStyle/>
+          <a:p>
+            <a:r>
+              <a:rPr lang="en-US" dirty="0" smtClean="0"/>
+              <a:t>Run webpage</a:t>
+            </a:r>
+          </a:p>
+          <a:p>
+            <a:r>
+              <a:rPr lang="en-US" dirty="0" smtClean="0"/>
+              <a:t>Description and Requirement</a:t>
+            </a:r>
+            <a:endParaRPr lang="en-US" dirty="0"/>
+          </a:p>
+        </p:txBody>
+      </p:sp>
+    </p:spTree>
+    <p:extLst>
+      <p:ext uri="{BB962C8B-B14F-4D97-AF65-F5344CB8AC3E}">
+        <p14:creationId xmlns:p14="http://schemas.microsoft.com/office/powerpoint/2010/main" xmlns="" val="4212454249"/>
+      </p:ext>
+    </p:extLst>
+  </p:cSld>
+  <p:clrMapOvr>
+    <a:masterClrMapping/>
+  </p:clrMapOvr>
+  <p:timing>
+    <p:tnLst>
+      <p:par>
+        <p:cTn id="1" dur="indefinite" restart="never" nodeType="tmRoot">
+          <p:childTnLst>
+            <p:seq concurrent="1" nextAc="seek">
+              <p:cTn id="2" dur="indefinite" nodeType="mainSeq">
+                <p:childTnLst>
+                  <p:par>
+                    <p:cTn id="3" fill="hold">
+                      <p:stCondLst>
+                        <p:cond delay="indefinite"/>
+                      </p:stCondLst>
+                      <p:childTnLst>
+                        <p:par>
+                          <p:cTn id="4" fill="hold">
+                            <p:stCondLst>
+                              <p:cond delay="0"/>
+                            </p:stCondLst>
+                            <p:childTnLst>
+                              <p:par>
+                                <p:cTn id="5" presetID="2" presetClass="entr" presetSubtype="4" fill="hold" nodeType="clickEffect">
+                                  <p:stCondLst>
+                                    <p:cond delay="0"/>
+                                  </p:stCondLst>
+                                  <p:childTnLst>
+                                    <p:set>
+                                      <p:cBhvr>
+                                        <p:cTn id="6" dur="1" fill="hold">
+                                          <p:stCondLst>
+                                            <p:cond delay="0"/>
+                                          </p:stCondLst>
+                                        </p:cTn>
+                                        <p:tgtEl>
+                                          <p:spTgt spid="3">
+                                            <p:txEl>
+                                              <p:pRg st="0" end="0"/>
+                                            </p:txEl>
+                                          </p:spTgt>
+                                        </p:tgtEl>
+                                        <p:attrNameLst>
+                                          <p:attrName>style.visibility</p:attrName>
+                                        </p:attrNameLst>
+                                      </p:cBhvr>
+                                      <p:to>
+                                        <p:strVal val="visible"/>
+                                      </p:to>
+                                    </p:set>
+                                    <p:anim calcmode="lin" valueType="num">
+                                      <p:cBhvr additive="base">
+                                        <p:cTn id="7" dur="500" fill="hold"/>
+                                        <p:tgtEl>
+                                          <p:spTgt spid="3">
+                                            <p:txEl>
+                                              <p:pRg st="0" end="0"/>
+                                            </p:txEl>
+                                          </p:spTgt>
+                                        </p:tgtEl>
+                                        <p:attrNameLst>
+                                          <p:attrName>ppt_x</p:attrName>
+                                        </p:attrNameLst>
+                                      </p:cBhvr>
+                                      <p:tavLst>
+                                        <p:tav tm="0">
+                                          <p:val>
+                                            <p:strVal val="#ppt_x"/>
+                                          </p:val>
+                                        </p:tav>
+                                        <p:tav tm="100000">
+                                          <p:val>
+                                            <p:strVal val="#ppt_x"/>
+                                          </p:val>
+                                        </p:tav>
+                                      </p:tavLst>
+                                    </p:anim>
+                                    <p:anim calcmode="lin" valueType="num">
+                                      <p:cBhvr additive="base">
+                                        <p:cTn id="8" dur="500" fill="hold"/>
+                                        <p:tgtEl>
+                                          <p:spTgt spid="3">
+                                            <p:txEl>
+                                              <p:pRg st="0" end="0"/>
+                                            </p:txEl>
+                                          </p:spTgt>
+                                        </p:tgtEl>
+                                        <p:attrNameLst>
+                                          <p:attrName>ppt_y</p:attrName>
+                                        </p:attrNameLst>
+                                      </p:cBhvr>
+                                      <p:tavLst>
+                                        <p:tav tm="0">
+                                          <p:val>
+                                            <p:strVal val="1+#ppt_h/2"/>
+                                          </p:val>
+                                        </p:tav>
+                                        <p:tav tm="100000">
+                                          <p:val>
+                                            <p:strVal val="#ppt_y"/>
+                                          </p:val>
+                                        </p:tav>
+                                      </p:tavLst>
+                                    </p:anim>
+                                  </p:childTnLst>
+                                </p:cTn>
+                              </p:par>
+                            </p:childTnLst>
+                          </p:cTn>
+                        </p:par>
+                      </p:childTnLst>
+                    </p:cTn>
+                  </p:par>
+                  <p:par>
+                    <p:cTn id="9" fill="hold">
+                      <p:stCondLst>
+                        <p:cond delay="indefinite"/>
+                      </p:stCondLst>
+                      <p:childTnLst>
+                        <p:par>
+                          <p:cTn id="10" fill="hold">
+                            <p:stCondLst>
+                              <p:cond delay="0"/>
+                            </p:stCondLst>
+                            <p:childTnLst>
+                              <p:par>
+                                <p:cTn id="11" presetID="2" presetClass="entr" presetSubtype="4" fill="hold" nodeType="clickEffect">
+                                  <p:stCondLst>
+                                    <p:cond delay="0"/>
+                                  </p:stCondLst>
+                                  <p:childTnLst>
+                                    <p:set>
+                                      <p:cBhvr>
+                                        <p:cTn id="12" dur="1" fill="hold">
+                                          <p:stCondLst>
+                                            <p:cond delay="0"/>
+                                          </p:stCondLst>
+                                        </p:cTn>
+                                        <p:tgtEl>
+                                          <p:spTgt spid="3">
+                                            <p:txEl>
+                                              <p:pRg st="1" end="1"/>
+                                            </p:txEl>
+                                          </p:spTgt>
+                                        </p:tgtEl>
+                                        <p:attrNameLst>
+                                          <p:attrName>style.visibility</p:attrName>
+                                        </p:attrNameLst>
+                                      </p:cBhvr>
+                                      <p:to>
+                                        <p:strVal val="visible"/>
+                                      </p:to>
+                                    </p:set>
+                                    <p:anim calcmode="lin" valueType="num">
+                                      <p:cBhvr additive="base">
+                                        <p:cTn id="13" dur="500" fill="hold"/>
+                                        <p:tgtEl>
+                                          <p:spTgt spid="3">
+                                            <p:txEl>
+                                              <p:pRg st="1" end="1"/>
+                                            </p:txEl>
+                                          </p:spTgt>
+                                        </p:tgtEl>
+                                        <p:attrNameLst>
+                                          <p:attrName>ppt_x</p:attrName>
+                                        </p:attrNameLst>
+                                      </p:cBhvr>
+                                      <p:tavLst>
+                                        <p:tav tm="0">
+                                          <p:val>
+                                            <p:strVal val="#ppt_x"/>
+                                          </p:val>
+                                        </p:tav>
+                                        <p:tav tm="100000">
+                                          <p:val>
+                                            <p:strVal val="#ppt_x"/>
+                                          </p:val>
+                                        </p:tav>
+                                      </p:tavLst>
+                                    </p:anim>
+                                    <p:anim calcmode="lin" valueType="num">
+                                      <p:cBhvr additive="base">
+                                        <p:cTn id="14" dur="500" fill="hold"/>
+                                        <p:tgtEl>
+                                          <p:spTgt spid="3">
+                                            <p:txEl>
+                                              <p:pRg st="1" end="1"/>
+                                            </p:txEl>
+                                          </p:spTgt>
+                                        </p:tgtEl>
+                                        <p:attrNameLst>
+                                          <p:attrName>ppt_y</p:attrName>
+                                        </p:attrNameLst>
+                                      </p:cBhvr>
+                                      <p:tavLst>
+                                        <p:tav tm="0">
+                                          <p:val>
+                                            <p:strVal val="1+#ppt_h/2"/>
+                                          </p:val>
+                                        </p:tav>
+                                        <p:tav tm="100000">
+                                          <p:val>
+                                            <p:strVal val="#ppt_y"/>
+                                          </p:val>
+                                        </p:tav>
+                                      </p:tavLst>
+                                    </p:anim>
+                                  </p:childTnLst>
+                                </p:cTn>
+                              </p:par>
+                            </p:childTnLst>
+                          </p:cTn>
+                        </p:par>
+                      </p:childTnLst>
+                    </p:cTn>
+                  </p:par>
+                </p:childTnLst>
+              </p:cTn>
+              <p:prevCondLst>
+                <p:cond evt="onPrev" delay="0">
+                  <p:tgtEl>
+                    <p:sldTgt/>
+                  </p:tgtEl>
+                </p:cond>
+              </p:prevCondLst>
+              <p:nextCondLst>
+                <p:cond evt="onNext" delay="0">
+                  <p:tgtEl>
+                    <p:sldTgt/>
+                  </p:tgtEl>
+                </p:cond>
+              </p:nextCondLst>
+            </p:seq>
+          </p:childTnLst>
+        </p:cTn>
+      </p:par>
+    </p:tnLst>
+  </p:timing>
+</p:sld>
+</file>
+
+<file path=ppt/slides/slide31.xml><?xml version="1.0" encoding="utf-8"?>
+<p:sld xmlns:a="http://schemas.openxmlformats.org/drawingml/2006/main" xmlns:r="http://schemas.openxmlformats.org/officeDocument/2006/relationships" xmlns:p="http://schemas.openxmlformats.org/presentationml/2006/main">
+  <p:cSld>
+    <p:spTree>
+      <p:nvGrpSpPr>
+        <p:cNvPr id="1" name=""/>
+        <p:cNvGrpSpPr/>
+        <p:nvPr/>
+      </p:nvGrpSpPr>
+      <p:grpSpPr>
+        <a:xfrm>
+          <a:off x="0" y="0"/>
+          <a:ext cx="0" cy="0"/>
+          <a:chOff x="0" y="0"/>
+          <a:chExt cx="0" cy="0"/>
+        </a:xfrm>
+      </p:grpSpPr>
+      <p:sp>
+        <p:nvSpPr>
+          <p:cNvPr id="2" name="Title 1"/>
+          <p:cNvSpPr>
+            <a:spLocks noGrp="1"/>
+          </p:cNvSpPr>
+          <p:nvPr>
+            <p:ph type="title"/>
+          </p:nvPr>
+        </p:nvSpPr>
+        <p:spPr/>
+        <p:txBody>
+          <a:bodyPr/>
+          <a:lstStyle/>
+          <a:p>
+            <a:r>
+              <a:rPr lang="en-US" dirty="0" smtClean="0"/>
+              <a:t>III) Exercise 2</a:t>
+            </a:r>
+            <a:endParaRPr lang="en-US" dirty="0"/>
+          </a:p>
+        </p:txBody>
+      </p:sp>
+      <p:sp>
+        <p:nvSpPr>
+          <p:cNvPr id="3" name="Content Placeholder 2"/>
+          <p:cNvSpPr>
+            <a:spLocks noGrp="1"/>
+          </p:cNvSpPr>
+          <p:nvPr>
+            <p:ph idx="1"/>
+          </p:nvPr>
+        </p:nvSpPr>
+        <p:spPr/>
+        <p:txBody>
+          <a:bodyPr/>
+          <a:lstStyle/>
+          <a:p>
+            <a:r>
+              <a:rPr lang="en-US" dirty="0" smtClean="0"/>
+              <a:t>Run webpage</a:t>
+            </a:r>
+          </a:p>
+          <a:p>
+            <a:r>
+              <a:rPr lang="en-US" dirty="0" smtClean="0"/>
+              <a:t>Description and Requirement</a:t>
+            </a:r>
+            <a:endParaRPr lang="en-US" dirty="0"/>
+          </a:p>
+        </p:txBody>
+      </p:sp>
+    </p:spTree>
+    <p:extLst>
+      <p:ext uri="{BB962C8B-B14F-4D97-AF65-F5344CB8AC3E}">
+        <p14:creationId xmlns:p14="http://schemas.microsoft.com/office/powerpoint/2010/main" xmlns="" val="102017409"/>
+      </p:ext>
+    </p:extLst>
+  </p:cSld>
+  <p:clrMapOvr>
+    <a:masterClrMapping/>
+  </p:clrMapOvr>
+  <p:timing>
+    <p:tnLst>
+      <p:par>
+        <p:cTn id="1" dur="indefinite" restart="never" nodeType="tmRoot">
+          <p:childTnLst>
+            <p:seq concurrent="1" nextAc="seek">
+              <p:cTn id="2" dur="indefinite" nodeType="mainSeq">
+                <p:childTnLst>
+                  <p:par>
+                    <p:cTn id="3" fill="hold">
+                      <p:stCondLst>
+                        <p:cond delay="indefinite"/>
+                      </p:stCondLst>
+                      <p:childTnLst>
+                        <p:par>
+                          <p:cTn id="4" fill="hold">
+                            <p:stCondLst>
+                              <p:cond delay="0"/>
+                            </p:stCondLst>
+                            <p:childTnLst>
+                              <p:par>
+                                <p:cTn id="5" presetID="2" presetClass="entr" presetSubtype="4" fill="hold" nodeType="clickEffect">
+                                  <p:stCondLst>
+                                    <p:cond delay="0"/>
+                                  </p:stCondLst>
+                                  <p:childTnLst>
+                                    <p:set>
+                                      <p:cBhvr>
+                                        <p:cTn id="6" dur="1" fill="hold">
+                                          <p:stCondLst>
+                                            <p:cond delay="0"/>
+                                          </p:stCondLst>
+                                        </p:cTn>
+                                        <p:tgtEl>
+                                          <p:spTgt spid="3">
+                                            <p:txEl>
+                                              <p:pRg st="0" end="0"/>
+                                            </p:txEl>
+                                          </p:spTgt>
+                                        </p:tgtEl>
+                                        <p:attrNameLst>
+                                          <p:attrName>style.visibility</p:attrName>
+                                        </p:attrNameLst>
+                                      </p:cBhvr>
+                                      <p:to>
+                                        <p:strVal val="visible"/>
+                                      </p:to>
+                                    </p:set>
+                                    <p:anim calcmode="lin" valueType="num">
+                                      <p:cBhvr additive="base">
+                                        <p:cTn id="7" dur="500" fill="hold"/>
+                                        <p:tgtEl>
+                                          <p:spTgt spid="3">
+                                            <p:txEl>
+                                              <p:pRg st="0" end="0"/>
+                                            </p:txEl>
+                                          </p:spTgt>
+                                        </p:tgtEl>
+                                        <p:attrNameLst>
+                                          <p:attrName>ppt_x</p:attrName>
+                                        </p:attrNameLst>
+                                      </p:cBhvr>
+                                      <p:tavLst>
+                                        <p:tav tm="0">
+                                          <p:val>
+                                            <p:strVal val="#ppt_x"/>
+                                          </p:val>
+                                        </p:tav>
+                                        <p:tav tm="100000">
+                                          <p:val>
+                                            <p:strVal val="#ppt_x"/>
+                                          </p:val>
+                                        </p:tav>
+                                      </p:tavLst>
+                                    </p:anim>
+                                    <p:anim calcmode="lin" valueType="num">
+                                      <p:cBhvr additive="base">
+                                        <p:cTn id="8" dur="500" fill="hold"/>
+                                        <p:tgtEl>
+                                          <p:spTgt spid="3">
+                                            <p:txEl>
+                                              <p:pRg st="0" end="0"/>
+                                            </p:txEl>
+                                          </p:spTgt>
+                                        </p:tgtEl>
+                                        <p:attrNameLst>
+                                          <p:attrName>ppt_y</p:attrName>
+                                        </p:attrNameLst>
+                                      </p:cBhvr>
+                                      <p:tavLst>
+                                        <p:tav tm="0">
+                                          <p:val>
+                                            <p:strVal val="1+#ppt_h/2"/>
+                                          </p:val>
+                                        </p:tav>
+                                        <p:tav tm="100000">
+                                          <p:val>
+                                            <p:strVal val="#ppt_y"/>
+                                          </p:val>
+                                        </p:tav>
+                                      </p:tavLst>
+                                    </p:anim>
+                                  </p:childTnLst>
+                                </p:cTn>
+                              </p:par>
+                            </p:childTnLst>
+                          </p:cTn>
+                        </p:par>
+                      </p:childTnLst>
+                    </p:cTn>
+                  </p:par>
+                  <p:par>
+                    <p:cTn id="9" fill="hold">
+                      <p:stCondLst>
+                        <p:cond delay="indefinite"/>
+                      </p:stCondLst>
+                      <p:childTnLst>
+                        <p:par>
+                          <p:cTn id="10" fill="hold">
+                            <p:stCondLst>
+                              <p:cond delay="0"/>
+                            </p:stCondLst>
+                            <p:childTnLst>
+                              <p:par>
+                                <p:cTn id="11" presetID="2" presetClass="entr" presetSubtype="4" fill="hold" nodeType="clickEffect">
+                                  <p:stCondLst>
+                                    <p:cond delay="0"/>
+                                  </p:stCondLst>
+                                  <p:childTnLst>
+                                    <p:set>
+                                      <p:cBhvr>
+                                        <p:cTn id="12" dur="1" fill="hold">
+                                          <p:stCondLst>
+                                            <p:cond delay="0"/>
+                                          </p:stCondLst>
+                                        </p:cTn>
+                                        <p:tgtEl>
+                                          <p:spTgt spid="3">
+                                            <p:txEl>
+                                              <p:pRg st="1" end="1"/>
+                                            </p:txEl>
+                                          </p:spTgt>
+                                        </p:tgtEl>
+                                        <p:attrNameLst>
+                                          <p:attrName>style.visibility</p:attrName>
+                                        </p:attrNameLst>
+                                      </p:cBhvr>
+                                      <p:to>
+                                        <p:strVal val="visible"/>
+                                      </p:to>
+                                    </p:set>
+                                    <p:anim calcmode="lin" valueType="num">
+                                      <p:cBhvr additive="base">
+                                        <p:cTn id="13" dur="500" fill="hold"/>
+                                        <p:tgtEl>
+                                          <p:spTgt spid="3">
+                                            <p:txEl>
+                                              <p:pRg st="1" end="1"/>
+                                            </p:txEl>
+                                          </p:spTgt>
+                                        </p:tgtEl>
+                                        <p:attrNameLst>
+                                          <p:attrName>ppt_x</p:attrName>
+                                        </p:attrNameLst>
+                                      </p:cBhvr>
+                                      <p:tavLst>
+                                        <p:tav tm="0">
+                                          <p:val>
+                                            <p:strVal val="#ppt_x"/>
+                                          </p:val>
+                                        </p:tav>
+                                        <p:tav tm="100000">
+                                          <p:val>
+                                            <p:strVal val="#ppt_x"/>
+                                          </p:val>
+                                        </p:tav>
+                                      </p:tavLst>
+                                    </p:anim>
+                                    <p:anim calcmode="lin" valueType="num">
+                                      <p:cBhvr additive="base">
+                                        <p:cTn id="14" dur="500" fill="hold"/>
+                                        <p:tgtEl>
+                                          <p:spTgt spid="3">
+                                            <p:txEl>
+                                              <p:pRg st="1" end="1"/>
+                                            </p:txEl>
+                                          </p:spTgt>
+                                        </p:tgtEl>
+                                        <p:attrNameLst>
+                                          <p:attrName>ppt_y</p:attrName>
+                                        </p:attrNameLst>
+                                      </p:cBhvr>
+                                      <p:tavLst>
+                                        <p:tav tm="0">
+                                          <p:val>
+                                            <p:strVal val="1+#ppt_h/2"/>
+                                          </p:val>
+                                        </p:tav>
+                                        <p:tav tm="100000">
+                                          <p:val>
+                                            <p:strVal val="#ppt_y"/>
+                                          </p:val>
+                                        </p:tav>
+                                      </p:tavLst>
+                                    </p:anim>
+                                  </p:childTnLst>
+                                </p:cTn>
+                              </p:par>
+                            </p:childTnLst>
+                          </p:cTn>
+                        </p:par>
+                      </p:childTnLst>
+                    </p:cTn>
+                  </p:par>
+                </p:childTnLst>
+              </p:cTn>
+              <p:prevCondLst>
+                <p:cond evt="onPrev" delay="0">
+                  <p:tgtEl>
+                    <p:sldTgt/>
+                  </p:tgtEl>
+                </p:cond>
+              </p:prevCondLst>
+              <p:nextCondLst>
+                <p:cond evt="onNext" delay="0">
+                  <p:tgtEl>
+                    <p:sldTgt/>
+                  </p:tgtEl>
+                </p:cond>
+              </p:nextCondLst>
+            </p:seq>
+          </p:childTnLst>
+        </p:cTn>
+      </p:par>
+    </p:tnLst>
+  </p:timing>
+</p:sld>
+</file>
+
+<file path=ppt/slides/slide32.xml><?xml version="1.0" encoding="utf-8"?>
+<p:sld xmlns:a="http://schemas.openxmlformats.org/drawingml/2006/main" xmlns:r="http://schemas.openxmlformats.org/officeDocument/2006/relationships" xmlns:p="http://schemas.openxmlformats.org/presentationml/2006/main">
+  <p:cSld>
+    <p:spTree>
+      <p:nvGrpSpPr>
+        <p:cNvPr id="1" name=""/>
+        <p:cNvGrpSpPr/>
+        <p:nvPr/>
+      </p:nvGrpSpPr>
+      <p:grpSpPr>
+        <a:xfrm>
+          <a:off x="0" y="0"/>
+          <a:ext cx="0" cy="0"/>
+          <a:chOff x="0" y="0"/>
+          <a:chExt cx="0" cy="0"/>
+        </a:xfrm>
+      </p:grpSpPr>
+      <p:sp>
+        <p:nvSpPr>
+          <p:cNvPr id="2" name="Title 1"/>
+          <p:cNvSpPr>
+            <a:spLocks noGrp="1"/>
+          </p:cNvSpPr>
+          <p:nvPr>
+            <p:ph type="title"/>
+          </p:nvPr>
+        </p:nvSpPr>
+        <p:spPr/>
+        <p:txBody>
+          <a:bodyPr/>
+          <a:lstStyle/>
+          <a:p>
+            <a:r>
+              <a:rPr lang="en-US" dirty="0" smtClean="0"/>
+              <a:t>Q&amp;A</a:t>
+            </a:r>
+            <a:endParaRPr lang="en-US" dirty="0"/>
+          </a:p>
+        </p:txBody>
+      </p:sp>
+      <p:sp>
+        <p:nvSpPr>
+          <p:cNvPr id="3" name="Content Placeholder 2"/>
+          <p:cNvSpPr>
+            <a:spLocks noGrp="1"/>
+          </p:cNvSpPr>
+          <p:nvPr>
+            <p:ph idx="1"/>
+          </p:nvPr>
+        </p:nvSpPr>
+        <p:spPr/>
+        <p:txBody>
+          <a:bodyPr/>
+          <a:lstStyle/>
+          <a:p>
+            <a:r>
+              <a:rPr lang="en-US" dirty="0" smtClean="0"/>
+              <a:t>Q&amp;A</a:t>
+            </a:r>
+            <a:endParaRPr lang="en-US" dirty="0"/>
+          </a:p>
+        </p:txBody>
+      </p:sp>
+    </p:spTree>
+    <p:extLst>
+      <p:ext uri="{BB962C8B-B14F-4D97-AF65-F5344CB8AC3E}">
+        <p14:creationId xmlns:p14="http://schemas.microsoft.com/office/powerpoint/2010/main" xmlns="" val="552105769"/>
+      </p:ext>
+    </p:extLst>
+  </p:cSld>
+  <p:clrMapOvr>
+    <a:masterClrMapping/>
+  </p:clrMapOvr>
+  <p:timing>
+    <p:tnLst>
+      <p:par>
+        <p:cTn id="1" dur="indefinite" restart="never" nodeType="tmRoot">
+          <p:childTnLst>
+            <p:seq concurrent="1" nextAc="seek">
+              <p:cTn id="2" dur="indefinite" nodeType="mainSeq">
+                <p:childTnLst>
+                  <p:par>
+                    <p:cTn id="3" fill="hold">
+                      <p:stCondLst>
+                        <p:cond delay="indefinite"/>
+                      </p:stCondLst>
+                      <p:childTnLst>
+                        <p:par>
+                          <p:cTn id="4" fill="hold">
+                            <p:stCondLst>
+                              <p:cond delay="0"/>
+                            </p:stCondLst>
+                            <p:childTnLst>
+                              <p:par>
+                                <p:cTn id="5" presetID="2" presetClass="entr" presetSubtype="4" fill="hold" nodeType="clickEffect">
+                                  <p:stCondLst>
+                                    <p:cond delay="0"/>
+                                  </p:stCondLst>
+                                  <p:childTnLst>
+                                    <p:set>
+                                      <p:cBhvr>
+                                        <p:cTn id="6" dur="1" fill="hold">
+                                          <p:stCondLst>
+                                            <p:cond delay="0"/>
+                                          </p:stCondLst>
+                                        </p:cTn>
+                                        <p:tgtEl>
+                                          <p:spTgt spid="3">
+                                            <p:txEl>
+                                              <p:pRg st="0" end="0"/>
+                                            </p:txEl>
+                                          </p:spTgt>
+                                        </p:tgtEl>
+                                        <p:attrNameLst>
+                                          <p:attrName>style.visibility</p:attrName>
+                                        </p:attrNameLst>
+                                      </p:cBhvr>
+                                      <p:to>
+                                        <p:strVal val="visible"/>
+                                      </p:to>
+                                    </p:set>
+                                    <p:anim calcmode="lin" valueType="num">
+                                      <p:cBhvr additive="base">
+                                        <p:cTn id="7" dur="500" fill="hold"/>
+                                        <p:tgtEl>
+                                          <p:spTgt spid="3">
+                                            <p:txEl>
+                                              <p:pRg st="0" end="0"/>
+                                            </p:txEl>
+                                          </p:spTgt>
+                                        </p:tgtEl>
+                                        <p:attrNameLst>
+                                          <p:attrName>ppt_x</p:attrName>
+                                        </p:attrNameLst>
+                                      </p:cBhvr>
+                                      <p:tavLst>
+                                        <p:tav tm="0">
+                                          <p:val>
+                                            <p:strVal val="#ppt_x"/>
+                                          </p:val>
+                                        </p:tav>
+                                        <p:tav tm="100000">
+                                          <p:val>
+                                            <p:strVal val="#ppt_x"/>
+                                          </p:val>
+                                        </p:tav>
+                                      </p:tavLst>
+                                    </p:anim>
+                                    <p:anim calcmode="lin" valueType="num">
+                                      <p:cBhvr additive="base">
+                                        <p:cTn id="8" dur="500" fill="hold"/>
+                                        <p:tgtEl>
+                                          <p:spTgt spid="3">
+                                            <p:txEl>
+                                              <p:pRg st="0" end="0"/>
+                                            </p:txEl>
+                                          </p:spTgt>
+                                        </p:tgtEl>
+                                        <p:attrNameLst>
+                                          <p:attrName>ppt_y</p:attrName>
+                                        </p:attrNameLst>
+                                      </p:cBhvr>
+                                      <p:tavLst>
+                                        <p:tav tm="0">
+                                          <p:val>
+                                            <p:strVal val="1+#ppt_h/2"/>
+                                          </p:val>
+                                        </p:tav>
+                                        <p:tav tm="100000">
+                                          <p:val>
+                                            <p:strVal val="#ppt_y"/>
+                                          </p:val>
+                                        </p:tav>
+                                      </p:tavLst>
+                                    </p:anim>
+                                  </p:childTnLst>
+                                </p:cTn>
+                              </p:par>
+                            </p:childTnLst>
+                          </p:cTn>
+                        </p:par>
+                      </p:childTnLst>
+                    </p:cTn>
+                  </p:par>
+                </p:childTnLst>
+              </p:cTn>
+              <p:prevCondLst>
+                <p:cond evt="onPrev" delay="0">
+                  <p:tgtEl>
+                    <p:sldTgt/>
+                  </p:tgtEl>
+                </p:cond>
+              </p:prevCondLst>
+              <p:nextCondLst>
+                <p:cond evt="onNext" delay="0">
+                  <p:tgtEl>
+                    <p:sldTgt/>
+                  </p:tgtEl>
+                </p:cond>
+              </p:nextCondLst>
+            </p:seq>
+          </p:childTnLst>
+        </p:cTn>
+      </p:par>
+    </p:tnLst>
+  </p:timing>
+</p:sld>
+</file>
+
+<file path=ppt/slides/slide33.xml><?xml version="1.0" encoding="utf-8"?>
+<p:sld xmlns:a="http://schemas.openxmlformats.org/drawingml/2006/main" xmlns:r="http://schemas.openxmlformats.org/officeDocument/2006/relationships" xmlns:p="http://schemas.openxmlformats.org/presentationml/2006/main">
+  <p:cSld>
+    <p:spTree>
+      <p:nvGrpSpPr>
+        <p:cNvPr id="1" name=""/>
+        <p:cNvGrpSpPr/>
+        <p:nvPr/>
+      </p:nvGrpSpPr>
+      <p:grpSpPr>
+        <a:xfrm>
+          <a:off x="0" y="0"/>
+          <a:ext cx="0" cy="0"/>
+          <a:chOff x="0" y="0"/>
+          <a:chExt cx="0" cy="0"/>
+        </a:xfrm>
+      </p:grpSpPr>
+      <p:sp>
+        <p:nvSpPr>
+          <p:cNvPr id="2" name="Title 1"/>
+          <p:cNvSpPr>
+            <a:spLocks noGrp="1"/>
+          </p:cNvSpPr>
+          <p:nvPr>
+            <p:ph type="title"/>
+          </p:nvPr>
+        </p:nvSpPr>
         <p:spPr>
           <a:xfrm>
             <a:off x="1371600" y="1828800"/>
@@ -12539,7 +12381,7 @@
     </p:spTree>
     <p:extLst>
       <p:ext uri="{BB962C8B-B14F-4D97-AF65-F5344CB8AC3E}">
-        <p14:creationId xmlns:p14="http://schemas.microsoft.com/office/powerpoint/2010/main" val="2430753269"/>
+        <p14:creationId xmlns:p14="http://schemas.microsoft.com/office/powerpoint/2010/main" xmlns="" val="2430753269"/>
       </p:ext>
     </p:extLst>
   </p:cSld>
@@ -13348,7 +13190,7 @@
     </p:spTree>
     <p:extLst>
       <p:ext uri="{BB962C8B-B14F-4D97-AF65-F5344CB8AC3E}">
-        <p14:creationId xmlns:p14="http://schemas.microsoft.com/office/powerpoint/2010/main" val="2363739922"/>
+        <p14:creationId xmlns:p14="http://schemas.microsoft.com/office/powerpoint/2010/main" xmlns="" val="2363739922"/>
       </p:ext>
     </p:extLst>
   </p:cSld>
@@ -13502,7 +13344,7 @@
     </p:spTree>
     <p:extLst>
       <p:ext uri="{BB962C8B-B14F-4D97-AF65-F5344CB8AC3E}">
-        <p14:creationId xmlns:p14="http://schemas.microsoft.com/office/powerpoint/2010/main" val="1231487089"/>
+        <p14:creationId xmlns:p14="http://schemas.microsoft.com/office/powerpoint/2010/main" xmlns="" val="1231487089"/>
       </p:ext>
     </p:extLst>
   </p:cSld>
@@ -13744,7 +13586,7 @@
     </p:spTree>
     <p:extLst>
       <p:ext uri="{BB962C8B-B14F-4D97-AF65-F5344CB8AC3E}">
-        <p14:creationId xmlns:p14="http://schemas.microsoft.com/office/powerpoint/2010/main" val="2922665505"/>
+        <p14:creationId xmlns:p14="http://schemas.microsoft.com/office/powerpoint/2010/main" xmlns="" val="2922665505"/>
       </p:ext>
     </p:extLst>
   </p:cSld>
